--- a/docs/Figures_for_the_Notes_on_Game_Theory.pptx
+++ b/docs/Figures_for_the_Notes_on_Game_Theory.pptx
@@ -104,6 +104,11 @@
       </a:defRPr>
     </a:lvl9pPr>
   </p:defaultTextStyle>
+  <p:extLst>
+    <p:ext uri="{EFAFB233-063F-42B5-8137-9DF3F51BA10A}">
+      <p15:sldGuideLst xmlns:p15="http://schemas.microsoft.com/office/powerpoint/2012/main"/>
+    </p:ext>
+  </p:extLst>
 </p:presentation>
 </file>
 
@@ -254,7 +259,7 @@
           <a:p>
             <a:fld id="{2A68BB92-E678-1240-9DC0-E63EB63B185B}" type="datetimeFigureOut">
               <a:rPr lang="en-US" smtClean="0"/>
-              <a:t>2/8/26</a:t>
+              <a:t>2/17/26</a:t>
             </a:fld>
             <a:endParaRPr lang="en-US"/>
           </a:p>
@@ -452,7 +457,7 @@
           <a:p>
             <a:fld id="{2A68BB92-E678-1240-9DC0-E63EB63B185B}" type="datetimeFigureOut">
               <a:rPr lang="en-US" smtClean="0"/>
-              <a:t>2/8/26</a:t>
+              <a:t>2/17/26</a:t>
             </a:fld>
             <a:endParaRPr lang="en-US"/>
           </a:p>
@@ -660,7 +665,7 @@
           <a:p>
             <a:fld id="{2A68BB92-E678-1240-9DC0-E63EB63B185B}" type="datetimeFigureOut">
               <a:rPr lang="en-US" smtClean="0"/>
-              <a:t>2/8/26</a:t>
+              <a:t>2/17/26</a:t>
             </a:fld>
             <a:endParaRPr lang="en-US"/>
           </a:p>
@@ -858,7 +863,7 @@
           <a:p>
             <a:fld id="{2A68BB92-E678-1240-9DC0-E63EB63B185B}" type="datetimeFigureOut">
               <a:rPr lang="en-US" smtClean="0"/>
-              <a:t>2/8/26</a:t>
+              <a:t>2/17/26</a:t>
             </a:fld>
             <a:endParaRPr lang="en-US"/>
           </a:p>
@@ -1133,7 +1138,7 @@
           <a:p>
             <a:fld id="{2A68BB92-E678-1240-9DC0-E63EB63B185B}" type="datetimeFigureOut">
               <a:rPr lang="en-US" smtClean="0"/>
-              <a:t>2/8/26</a:t>
+              <a:t>2/17/26</a:t>
             </a:fld>
             <a:endParaRPr lang="en-US"/>
           </a:p>
@@ -1398,7 +1403,7 @@
           <a:p>
             <a:fld id="{2A68BB92-E678-1240-9DC0-E63EB63B185B}" type="datetimeFigureOut">
               <a:rPr lang="en-US" smtClean="0"/>
-              <a:t>2/8/26</a:t>
+              <a:t>2/17/26</a:t>
             </a:fld>
             <a:endParaRPr lang="en-US"/>
           </a:p>
@@ -1810,7 +1815,7 @@
           <a:p>
             <a:fld id="{2A68BB92-E678-1240-9DC0-E63EB63B185B}" type="datetimeFigureOut">
               <a:rPr lang="en-US" smtClean="0"/>
-              <a:t>2/8/26</a:t>
+              <a:t>2/17/26</a:t>
             </a:fld>
             <a:endParaRPr lang="en-US"/>
           </a:p>
@@ -1951,7 +1956,7 @@
           <a:p>
             <a:fld id="{2A68BB92-E678-1240-9DC0-E63EB63B185B}" type="datetimeFigureOut">
               <a:rPr lang="en-US" smtClean="0"/>
-              <a:t>2/8/26</a:t>
+              <a:t>2/17/26</a:t>
             </a:fld>
             <a:endParaRPr lang="en-US"/>
           </a:p>
@@ -2064,7 +2069,7 @@
           <a:p>
             <a:fld id="{2A68BB92-E678-1240-9DC0-E63EB63B185B}" type="datetimeFigureOut">
               <a:rPr lang="en-US" smtClean="0"/>
-              <a:t>2/8/26</a:t>
+              <a:t>2/17/26</a:t>
             </a:fld>
             <a:endParaRPr lang="en-US"/>
           </a:p>
@@ -2375,7 +2380,7 @@
           <a:p>
             <a:fld id="{2A68BB92-E678-1240-9DC0-E63EB63B185B}" type="datetimeFigureOut">
               <a:rPr lang="en-US" smtClean="0"/>
-              <a:t>2/8/26</a:t>
+              <a:t>2/17/26</a:t>
             </a:fld>
             <a:endParaRPr lang="en-US"/>
           </a:p>
@@ -2663,7 +2668,7 @@
           <a:p>
             <a:fld id="{2A68BB92-E678-1240-9DC0-E63EB63B185B}" type="datetimeFigureOut">
               <a:rPr lang="en-US" smtClean="0"/>
-              <a:t>2/8/26</a:t>
+              <a:t>2/17/26</a:t>
             </a:fld>
             <a:endParaRPr lang="en-US"/>
           </a:p>
@@ -2904,7 +2909,7 @@
           <a:p>
             <a:fld id="{2A68BB92-E678-1240-9DC0-E63EB63B185B}" type="datetimeFigureOut">
               <a:rPr lang="en-US" smtClean="0"/>
-              <a:t>2/8/26</a:t>
+              <a:t>2/17/26</a:t>
             </a:fld>
             <a:endParaRPr lang="en-US"/>
           </a:p>
@@ -3321,6 +3326,889 @@
           <a:chExt cx="0" cy="0"/>
         </a:xfrm>
       </p:grpSpPr>
+      <mc:AlternateContent xmlns:mc="http://schemas.openxmlformats.org/markup-compatibility/2006">
+        <mc:Choice xmlns:a14="http://schemas.microsoft.com/office/drawing/2010/main" Requires="a14">
+          <p:sp>
+            <p:nvSpPr>
+              <p:cNvPr id="2" name="Oval 1">
+                <a:extLst>
+                  <a:ext uri="{FF2B5EF4-FFF2-40B4-BE49-F238E27FC236}">
+                    <a16:creationId xmlns:a16="http://schemas.microsoft.com/office/drawing/2014/main" id="{1129C8D2-29F0-6650-B5EA-ADEE0D5BE638}"/>
+                  </a:ext>
+                </a:extLst>
+              </p:cNvPr>
+              <p:cNvSpPr/>
+              <p:nvPr/>
+            </p:nvSpPr>
+            <p:spPr>
+              <a:xfrm>
+                <a:off x="4014722" y="5786263"/>
+                <a:ext cx="288758" cy="317633"/>
+              </a:xfrm>
+              <a:prstGeom prst="ellipse">
+                <a:avLst/>
+              </a:prstGeom>
+              <a:solidFill>
+                <a:schemeClr val="accent1">
+                  <a:alpha val="42171"/>
+                </a:schemeClr>
+              </a:solidFill>
+            </p:spPr>
+            <p:style>
+              <a:lnRef idx="2">
+                <a:schemeClr val="accent1">
+                  <a:shade val="15000"/>
+                </a:schemeClr>
+              </a:lnRef>
+              <a:fillRef idx="1">
+                <a:schemeClr val="accent1"/>
+              </a:fillRef>
+              <a:effectRef idx="0">
+                <a:schemeClr val="accent1"/>
+              </a:effectRef>
+              <a:fontRef idx="minor">
+                <a:schemeClr val="lt1"/>
+              </a:fontRef>
+            </p:style>
+            <p:txBody>
+              <a:bodyPr rtlCol="0" anchor="ctr"/>
+              <a:lstStyle/>
+              <a:p>
+                <a:pPr algn="ctr"/>
+                <a14:m>
+                  <m:oMathPara xmlns:m="http://schemas.openxmlformats.org/officeDocument/2006/math">
+                    <m:oMathParaPr>
+                      <m:jc m:val="centerGroup"/>
+                    </m:oMathParaPr>
+                    <m:oMath xmlns:m="http://schemas.openxmlformats.org/officeDocument/2006/math">
+                      <m:r>
+                        <a:rPr lang="en-US" sz="1000" i="1" dirty="0" smtClean="0">
+                          <a:solidFill>
+                            <a:schemeClr val="tx1"/>
+                          </a:solidFill>
+                          <a:latin typeface="Cambria Math" panose="02040503050406030204" pitchFamily="18" charset="0"/>
+                        </a:rPr>
+                        <m:t>𝐼</m:t>
+                      </m:r>
+                    </m:oMath>
+                  </m:oMathPara>
+                </a14:m>
+                <a:endParaRPr lang="en-US" sz="1000" dirty="0">
+                  <a:solidFill>
+                    <a:schemeClr val="tx1"/>
+                  </a:solidFill>
+                </a:endParaRPr>
+              </a:p>
+            </p:txBody>
+          </p:sp>
+        </mc:Choice>
+        <mc:Fallback>
+          <p:sp>
+            <p:nvSpPr>
+              <p:cNvPr id="2" name="Oval 1">
+                <a:extLst>
+                  <a:ext uri="{FF2B5EF4-FFF2-40B4-BE49-F238E27FC236}">
+                    <a16:creationId xmlns:a16="http://schemas.microsoft.com/office/drawing/2014/main" id="{1129C8D2-29F0-6650-B5EA-ADEE0D5BE638}"/>
+                  </a:ext>
+                </a:extLst>
+              </p:cNvPr>
+              <p:cNvSpPr>
+                <a:spLocks noRot="1" noChangeAspect="1" noMove="1" noResize="1" noEditPoints="1" noAdjustHandles="1" noChangeArrowheads="1" noChangeShapeType="1" noTextEdit="1"/>
+              </p:cNvSpPr>
+              <p:nvPr/>
+            </p:nvSpPr>
+            <p:spPr>
+              <a:xfrm>
+                <a:off x="4014722" y="5786263"/>
+                <a:ext cx="288758" cy="317633"/>
+              </a:xfrm>
+              <a:prstGeom prst="ellipse">
+                <a:avLst/>
+              </a:prstGeom>
+              <a:blipFill>
+                <a:blip r:embed="rId2"/>
+                <a:stretch>
+                  <a:fillRect/>
+                </a:stretch>
+              </a:blipFill>
+            </p:spPr>
+            <p:txBody>
+              <a:bodyPr/>
+              <a:lstStyle/>
+              <a:p>
+                <a:r>
+                  <a:rPr lang="en-US">
+                    <a:noFill/>
+                  </a:rPr>
+                  <a:t> </a:t>
+                </a:r>
+              </a:p>
+            </p:txBody>
+          </p:sp>
+        </mc:Fallback>
+      </mc:AlternateContent>
+      <mc:AlternateContent xmlns:mc="http://schemas.openxmlformats.org/markup-compatibility/2006">
+        <mc:Choice xmlns:a14="http://schemas.microsoft.com/office/drawing/2010/main" Requires="a14">
+          <p:sp>
+            <p:nvSpPr>
+              <p:cNvPr id="3" name="Oval 2">
+                <a:extLst>
+                  <a:ext uri="{FF2B5EF4-FFF2-40B4-BE49-F238E27FC236}">
+                    <a16:creationId xmlns:a16="http://schemas.microsoft.com/office/drawing/2014/main" id="{1E4646E8-2B5D-092C-3995-750ED3132E53}"/>
+                  </a:ext>
+                </a:extLst>
+              </p:cNvPr>
+              <p:cNvSpPr/>
+              <p:nvPr/>
+            </p:nvSpPr>
+            <p:spPr>
+              <a:xfrm>
+                <a:off x="3365263" y="5216522"/>
+                <a:ext cx="288758" cy="317633"/>
+              </a:xfrm>
+              <a:prstGeom prst="ellipse">
+                <a:avLst/>
+              </a:prstGeom>
+              <a:solidFill>
+                <a:schemeClr val="accent1">
+                  <a:alpha val="42171"/>
+                </a:schemeClr>
+              </a:solidFill>
+            </p:spPr>
+            <p:style>
+              <a:lnRef idx="2">
+                <a:schemeClr val="accent1">
+                  <a:shade val="15000"/>
+                </a:schemeClr>
+              </a:lnRef>
+              <a:fillRef idx="1">
+                <a:schemeClr val="accent1"/>
+              </a:fillRef>
+              <a:effectRef idx="0">
+                <a:schemeClr val="accent1"/>
+              </a:effectRef>
+              <a:fontRef idx="minor">
+                <a:schemeClr val="lt1"/>
+              </a:fontRef>
+            </p:style>
+            <p:txBody>
+              <a:bodyPr rtlCol="0" anchor="ctr"/>
+              <a:lstStyle/>
+              <a:p>
+                <a:pPr algn="ctr"/>
+                <a14:m>
+                  <m:oMathPara xmlns:m="http://schemas.openxmlformats.org/officeDocument/2006/math">
+                    <m:oMathParaPr>
+                      <m:jc m:val="centerGroup"/>
+                    </m:oMathParaPr>
+                    <m:oMath xmlns:m="http://schemas.openxmlformats.org/officeDocument/2006/math">
+                      <m:r>
+                        <a:rPr lang="en-US" sz="1000" b="0" i="1" dirty="0" smtClean="0">
+                          <a:solidFill>
+                            <a:schemeClr val="tx1"/>
+                          </a:solidFill>
+                          <a:latin typeface="Cambria Math" panose="02040503050406030204" pitchFamily="18" charset="0"/>
+                        </a:rPr>
+                        <m:t>0</m:t>
+                      </m:r>
+                    </m:oMath>
+                  </m:oMathPara>
+                </a14:m>
+                <a:endParaRPr lang="en-US" sz="1000" dirty="0">
+                  <a:solidFill>
+                    <a:schemeClr val="tx1"/>
+                  </a:solidFill>
+                </a:endParaRPr>
+              </a:p>
+            </p:txBody>
+          </p:sp>
+        </mc:Choice>
+        <mc:Fallback>
+          <p:sp>
+            <p:nvSpPr>
+              <p:cNvPr id="3" name="Oval 2">
+                <a:extLst>
+                  <a:ext uri="{FF2B5EF4-FFF2-40B4-BE49-F238E27FC236}">
+                    <a16:creationId xmlns:a16="http://schemas.microsoft.com/office/drawing/2014/main" id="{1E4646E8-2B5D-092C-3995-750ED3132E53}"/>
+                  </a:ext>
+                </a:extLst>
+              </p:cNvPr>
+              <p:cNvSpPr>
+                <a:spLocks noRot="1" noChangeAspect="1" noMove="1" noResize="1" noEditPoints="1" noAdjustHandles="1" noChangeArrowheads="1" noChangeShapeType="1" noTextEdit="1"/>
+              </p:cNvSpPr>
+              <p:nvPr/>
+            </p:nvSpPr>
+            <p:spPr>
+              <a:xfrm>
+                <a:off x="3365263" y="5216522"/>
+                <a:ext cx="288758" cy="317633"/>
+              </a:xfrm>
+              <a:prstGeom prst="ellipse">
+                <a:avLst/>
+              </a:prstGeom>
+              <a:blipFill>
+                <a:blip r:embed="rId3"/>
+                <a:stretch>
+                  <a:fillRect/>
+                </a:stretch>
+              </a:blipFill>
+            </p:spPr>
+            <p:txBody>
+              <a:bodyPr/>
+              <a:lstStyle/>
+              <a:p>
+                <a:r>
+                  <a:rPr lang="en-US">
+                    <a:noFill/>
+                  </a:rPr>
+                  <a:t> </a:t>
+                </a:r>
+              </a:p>
+            </p:txBody>
+          </p:sp>
+        </mc:Fallback>
+      </mc:AlternateContent>
+      <mc:AlternateContent xmlns:mc="http://schemas.openxmlformats.org/markup-compatibility/2006">
+        <mc:Choice xmlns:a14="http://schemas.microsoft.com/office/drawing/2010/main" Requires="a14">
+          <p:sp>
+            <p:nvSpPr>
+              <p:cNvPr id="4" name="Oval 3">
+                <a:extLst>
+                  <a:ext uri="{FF2B5EF4-FFF2-40B4-BE49-F238E27FC236}">
+                    <a16:creationId xmlns:a16="http://schemas.microsoft.com/office/drawing/2014/main" id="{64E2989B-C07C-A4DB-9F4A-7799B6D98C76}"/>
+                  </a:ext>
+                </a:extLst>
+              </p:cNvPr>
+              <p:cNvSpPr/>
+              <p:nvPr/>
+            </p:nvSpPr>
+            <p:spPr>
+              <a:xfrm>
+                <a:off x="4671214" y="5216521"/>
+                <a:ext cx="288758" cy="317633"/>
+              </a:xfrm>
+              <a:prstGeom prst="ellipse">
+                <a:avLst/>
+              </a:prstGeom>
+              <a:solidFill>
+                <a:schemeClr val="accent1">
+                  <a:alpha val="42171"/>
+                </a:schemeClr>
+              </a:solidFill>
+            </p:spPr>
+            <p:style>
+              <a:lnRef idx="2">
+                <a:schemeClr val="accent1">
+                  <a:shade val="15000"/>
+                </a:schemeClr>
+              </a:lnRef>
+              <a:fillRef idx="1">
+                <a:schemeClr val="accent1"/>
+              </a:fillRef>
+              <a:effectRef idx="0">
+                <a:schemeClr val="accent1"/>
+              </a:effectRef>
+              <a:fontRef idx="minor">
+                <a:schemeClr val="lt1"/>
+              </a:fontRef>
+            </p:style>
+            <p:txBody>
+              <a:bodyPr rtlCol="0" anchor="ctr"/>
+              <a:lstStyle/>
+              <a:p>
+                <a:pPr algn="ctr"/>
+                <a14:m>
+                  <m:oMathPara xmlns:m="http://schemas.openxmlformats.org/officeDocument/2006/math">
+                    <m:oMathParaPr>
+                      <m:jc m:val="centerGroup"/>
+                    </m:oMathParaPr>
+                    <m:oMath xmlns:m="http://schemas.openxmlformats.org/officeDocument/2006/math">
+                      <m:r>
+                        <a:rPr lang="en-US" sz="1000" b="0" i="1" dirty="0" smtClean="0">
+                          <a:solidFill>
+                            <a:schemeClr val="tx1"/>
+                          </a:solidFill>
+                          <a:latin typeface="Cambria Math" panose="02040503050406030204" pitchFamily="18" charset="0"/>
+                        </a:rPr>
+                        <m:t>0</m:t>
+                      </m:r>
+                    </m:oMath>
+                  </m:oMathPara>
+                </a14:m>
+                <a:endParaRPr lang="en-US" sz="1000" dirty="0">
+                  <a:solidFill>
+                    <a:schemeClr val="tx1"/>
+                  </a:solidFill>
+                </a:endParaRPr>
+              </a:p>
+            </p:txBody>
+          </p:sp>
+        </mc:Choice>
+        <mc:Fallback>
+          <p:sp>
+            <p:nvSpPr>
+              <p:cNvPr id="4" name="Oval 3">
+                <a:extLst>
+                  <a:ext uri="{FF2B5EF4-FFF2-40B4-BE49-F238E27FC236}">
+                    <a16:creationId xmlns:a16="http://schemas.microsoft.com/office/drawing/2014/main" id="{64E2989B-C07C-A4DB-9F4A-7799B6D98C76}"/>
+                  </a:ext>
+                </a:extLst>
+              </p:cNvPr>
+              <p:cNvSpPr>
+                <a:spLocks noRot="1" noChangeAspect="1" noMove="1" noResize="1" noEditPoints="1" noAdjustHandles="1" noChangeArrowheads="1" noChangeShapeType="1" noTextEdit="1"/>
+              </p:cNvSpPr>
+              <p:nvPr/>
+            </p:nvSpPr>
+            <p:spPr>
+              <a:xfrm>
+                <a:off x="4671214" y="5216521"/>
+                <a:ext cx="288758" cy="317633"/>
+              </a:xfrm>
+              <a:prstGeom prst="ellipse">
+                <a:avLst/>
+              </a:prstGeom>
+              <a:blipFill>
+                <a:blip r:embed="rId4"/>
+                <a:stretch>
+                  <a:fillRect/>
+                </a:stretch>
+              </a:blipFill>
+            </p:spPr>
+            <p:txBody>
+              <a:bodyPr/>
+              <a:lstStyle/>
+              <a:p>
+                <a:r>
+                  <a:rPr lang="en-US">
+                    <a:noFill/>
+                  </a:rPr>
+                  <a:t> </a:t>
+                </a:r>
+              </a:p>
+            </p:txBody>
+          </p:sp>
+        </mc:Fallback>
+      </mc:AlternateContent>
+      <mc:AlternateContent xmlns:mc="http://schemas.openxmlformats.org/markup-compatibility/2006">
+        <mc:Choice xmlns:a14="http://schemas.microsoft.com/office/drawing/2010/main" Requires="a14">
+          <p:sp>
+            <p:nvSpPr>
+              <p:cNvPr id="6" name="Oval 5">
+                <a:extLst>
+                  <a:ext uri="{FF2B5EF4-FFF2-40B4-BE49-F238E27FC236}">
+                    <a16:creationId xmlns:a16="http://schemas.microsoft.com/office/drawing/2014/main" id="{0D6450FF-C50E-D028-B201-6D3E19B219C8}"/>
+                  </a:ext>
+                </a:extLst>
+              </p:cNvPr>
+              <p:cNvSpPr/>
+              <p:nvPr/>
+            </p:nvSpPr>
+            <p:spPr>
+              <a:xfrm>
+                <a:off x="2685325" y="4475623"/>
+                <a:ext cx="288758" cy="317633"/>
+              </a:xfrm>
+              <a:prstGeom prst="ellipse">
+                <a:avLst/>
+              </a:prstGeom>
+              <a:solidFill>
+                <a:schemeClr val="accent1">
+                  <a:alpha val="42171"/>
+                </a:schemeClr>
+              </a:solidFill>
+            </p:spPr>
+            <p:style>
+              <a:lnRef idx="2">
+                <a:schemeClr val="accent1">
+                  <a:shade val="15000"/>
+                </a:schemeClr>
+              </a:lnRef>
+              <a:fillRef idx="1">
+                <a:schemeClr val="accent1"/>
+              </a:fillRef>
+              <a:effectRef idx="0">
+                <a:schemeClr val="accent1"/>
+              </a:effectRef>
+              <a:fontRef idx="minor">
+                <a:schemeClr val="lt1"/>
+              </a:fontRef>
+            </p:style>
+            <p:txBody>
+              <a:bodyPr rtlCol="0" anchor="ctr"/>
+              <a:lstStyle/>
+              <a:p>
+                <a:pPr algn="ctr"/>
+                <a14:m>
+                  <m:oMathPara xmlns:m="http://schemas.openxmlformats.org/officeDocument/2006/math">
+                    <m:oMathParaPr>
+                      <m:jc m:val="centerGroup"/>
+                    </m:oMathParaPr>
+                    <m:oMath xmlns:m="http://schemas.openxmlformats.org/officeDocument/2006/math">
+                      <m:r>
+                        <a:rPr lang="en-US" sz="1000" b="0" i="1" dirty="0" smtClean="0">
+                          <a:solidFill>
+                            <a:schemeClr val="tx1"/>
+                          </a:solidFill>
+                          <a:latin typeface="Cambria Math" panose="02040503050406030204" pitchFamily="18" charset="0"/>
+                        </a:rPr>
+                        <m:t>𝐼</m:t>
+                      </m:r>
+                      <m:r>
+                        <a:rPr lang="en-US" sz="1000" i="1" dirty="0" smtClean="0">
+                          <a:solidFill>
+                            <a:schemeClr val="tx1"/>
+                          </a:solidFill>
+                          <a:latin typeface="Cambria Math" panose="02040503050406030204" pitchFamily="18" charset="0"/>
+                        </a:rPr>
+                        <m:t>𝐼</m:t>
+                      </m:r>
+                    </m:oMath>
+                  </m:oMathPara>
+                </a14:m>
+                <a:endParaRPr lang="en-US" sz="1000" dirty="0">
+                  <a:solidFill>
+                    <a:schemeClr val="tx1"/>
+                  </a:solidFill>
+                </a:endParaRPr>
+              </a:p>
+            </p:txBody>
+          </p:sp>
+        </mc:Choice>
+        <mc:Fallback>
+          <p:sp>
+            <p:nvSpPr>
+              <p:cNvPr id="6" name="Oval 5">
+                <a:extLst>
+                  <a:ext uri="{FF2B5EF4-FFF2-40B4-BE49-F238E27FC236}">
+                    <a16:creationId xmlns:a16="http://schemas.microsoft.com/office/drawing/2014/main" id="{0D6450FF-C50E-D028-B201-6D3E19B219C8}"/>
+                  </a:ext>
+                </a:extLst>
+              </p:cNvPr>
+              <p:cNvSpPr>
+                <a:spLocks noRot="1" noChangeAspect="1" noMove="1" noResize="1" noEditPoints="1" noAdjustHandles="1" noChangeArrowheads="1" noChangeShapeType="1" noTextEdit="1"/>
+              </p:cNvSpPr>
+              <p:nvPr/>
+            </p:nvSpPr>
+            <p:spPr>
+              <a:xfrm>
+                <a:off x="2685325" y="4475623"/>
+                <a:ext cx="288758" cy="317633"/>
+              </a:xfrm>
+              <a:prstGeom prst="ellipse">
+                <a:avLst/>
+              </a:prstGeom>
+              <a:blipFill>
+                <a:blip r:embed="rId5"/>
+                <a:stretch>
+                  <a:fillRect/>
+                </a:stretch>
+              </a:blipFill>
+            </p:spPr>
+            <p:txBody>
+              <a:bodyPr/>
+              <a:lstStyle/>
+              <a:p>
+                <a:r>
+                  <a:rPr lang="en-US">
+                    <a:noFill/>
+                  </a:rPr>
+                  <a:t> </a:t>
+                </a:r>
+              </a:p>
+            </p:txBody>
+          </p:sp>
+        </mc:Fallback>
+      </mc:AlternateContent>
+      <mc:AlternateContent xmlns:mc="http://schemas.openxmlformats.org/markup-compatibility/2006">
+        <mc:Choice xmlns:a14="http://schemas.microsoft.com/office/drawing/2010/main" Requires="a14">
+          <p:sp>
+            <p:nvSpPr>
+              <p:cNvPr id="7" name="Oval 6">
+                <a:extLst>
+                  <a:ext uri="{FF2B5EF4-FFF2-40B4-BE49-F238E27FC236}">
+                    <a16:creationId xmlns:a16="http://schemas.microsoft.com/office/drawing/2014/main" id="{55631AF0-9C9A-5AD0-B4B3-774D57F99E2A}"/>
+                  </a:ext>
+                </a:extLst>
+              </p:cNvPr>
+              <p:cNvSpPr/>
+              <p:nvPr/>
+            </p:nvSpPr>
+            <p:spPr>
+              <a:xfrm>
+                <a:off x="3654021" y="4475622"/>
+                <a:ext cx="288758" cy="317633"/>
+              </a:xfrm>
+              <a:prstGeom prst="ellipse">
+                <a:avLst/>
+              </a:prstGeom>
+              <a:solidFill>
+                <a:schemeClr val="accent1">
+                  <a:alpha val="42171"/>
+                </a:schemeClr>
+              </a:solidFill>
+            </p:spPr>
+            <p:style>
+              <a:lnRef idx="2">
+                <a:schemeClr val="accent1">
+                  <a:shade val="15000"/>
+                </a:schemeClr>
+              </a:lnRef>
+              <a:fillRef idx="1">
+                <a:schemeClr val="accent1"/>
+              </a:fillRef>
+              <a:effectRef idx="0">
+                <a:schemeClr val="accent1"/>
+              </a:effectRef>
+              <a:fontRef idx="minor">
+                <a:schemeClr val="lt1"/>
+              </a:fontRef>
+            </p:style>
+            <p:txBody>
+              <a:bodyPr rtlCol="0" anchor="ctr"/>
+              <a:lstStyle/>
+              <a:p>
+                <a:pPr algn="ctr"/>
+                <a14:m>
+                  <m:oMathPara xmlns:m="http://schemas.openxmlformats.org/officeDocument/2006/math">
+                    <m:oMathParaPr>
+                      <m:jc m:val="centerGroup"/>
+                    </m:oMathParaPr>
+                    <m:oMath xmlns:m="http://schemas.openxmlformats.org/officeDocument/2006/math">
+                      <m:r>
+                        <a:rPr lang="en-US" sz="1000" i="1" dirty="0" smtClean="0">
+                          <a:solidFill>
+                            <a:schemeClr val="tx1"/>
+                          </a:solidFill>
+                          <a:latin typeface="Cambria Math" panose="02040503050406030204" pitchFamily="18" charset="0"/>
+                        </a:rPr>
+                        <m:t>𝐼</m:t>
+                      </m:r>
+                      <m:r>
+                        <a:rPr lang="en-US" sz="1000" b="0" i="1" dirty="0" smtClean="0">
+                          <a:solidFill>
+                            <a:schemeClr val="tx1"/>
+                          </a:solidFill>
+                          <a:latin typeface="Cambria Math" panose="02040503050406030204" pitchFamily="18" charset="0"/>
+                        </a:rPr>
+                        <m:t>𝐼</m:t>
+                      </m:r>
+                    </m:oMath>
+                  </m:oMathPara>
+                </a14:m>
+                <a:endParaRPr lang="en-US" sz="1000" dirty="0">
+                  <a:solidFill>
+                    <a:schemeClr val="tx1"/>
+                  </a:solidFill>
+                </a:endParaRPr>
+              </a:p>
+            </p:txBody>
+          </p:sp>
+        </mc:Choice>
+        <mc:Fallback>
+          <p:sp>
+            <p:nvSpPr>
+              <p:cNvPr id="7" name="Oval 6">
+                <a:extLst>
+                  <a:ext uri="{FF2B5EF4-FFF2-40B4-BE49-F238E27FC236}">
+                    <a16:creationId xmlns:a16="http://schemas.microsoft.com/office/drawing/2014/main" id="{55631AF0-9C9A-5AD0-B4B3-774D57F99E2A}"/>
+                  </a:ext>
+                </a:extLst>
+              </p:cNvPr>
+              <p:cNvSpPr>
+                <a:spLocks noRot="1" noChangeAspect="1" noMove="1" noResize="1" noEditPoints="1" noAdjustHandles="1" noChangeArrowheads="1" noChangeShapeType="1" noTextEdit="1"/>
+              </p:cNvSpPr>
+              <p:nvPr/>
+            </p:nvSpPr>
+            <p:spPr>
+              <a:xfrm>
+                <a:off x="3654021" y="4475622"/>
+                <a:ext cx="288758" cy="317633"/>
+              </a:xfrm>
+              <a:prstGeom prst="ellipse">
+                <a:avLst/>
+              </a:prstGeom>
+              <a:blipFill>
+                <a:blip r:embed="rId6"/>
+                <a:stretch>
+                  <a:fillRect/>
+                </a:stretch>
+              </a:blipFill>
+            </p:spPr>
+            <p:txBody>
+              <a:bodyPr/>
+              <a:lstStyle/>
+              <a:p>
+                <a:r>
+                  <a:rPr lang="en-US">
+                    <a:noFill/>
+                  </a:rPr>
+                  <a:t> </a:t>
+                </a:r>
+              </a:p>
+            </p:txBody>
+          </p:sp>
+        </mc:Fallback>
+      </mc:AlternateContent>
+      <mc:AlternateContent xmlns:mc="http://schemas.openxmlformats.org/markup-compatibility/2006">
+        <mc:Choice xmlns:a14="http://schemas.microsoft.com/office/drawing/2010/main" Requires="a14">
+          <p:sp>
+            <p:nvSpPr>
+              <p:cNvPr id="8" name="Oval 7">
+                <a:extLst>
+                  <a:ext uri="{FF2B5EF4-FFF2-40B4-BE49-F238E27FC236}">
+                    <a16:creationId xmlns:a16="http://schemas.microsoft.com/office/drawing/2014/main" id="{4CBE4805-E5A0-D26B-F8DC-60C02BA6D054}"/>
+                  </a:ext>
+                </a:extLst>
+              </p:cNvPr>
+              <p:cNvSpPr/>
+              <p:nvPr/>
+            </p:nvSpPr>
+            <p:spPr>
+              <a:xfrm>
+                <a:off x="4333959" y="4475621"/>
+                <a:ext cx="288758" cy="317633"/>
+              </a:xfrm>
+              <a:prstGeom prst="ellipse">
+                <a:avLst/>
+              </a:prstGeom>
+              <a:solidFill>
+                <a:schemeClr val="accent1">
+                  <a:alpha val="42171"/>
+                </a:schemeClr>
+              </a:solidFill>
+            </p:spPr>
+            <p:style>
+              <a:lnRef idx="2">
+                <a:schemeClr val="accent1">
+                  <a:shade val="15000"/>
+                </a:schemeClr>
+              </a:lnRef>
+              <a:fillRef idx="1">
+                <a:schemeClr val="accent1"/>
+              </a:fillRef>
+              <a:effectRef idx="0">
+                <a:schemeClr val="accent1"/>
+              </a:effectRef>
+              <a:fontRef idx="minor">
+                <a:schemeClr val="lt1"/>
+              </a:fontRef>
+            </p:style>
+            <p:txBody>
+              <a:bodyPr rtlCol="0" anchor="ctr"/>
+              <a:lstStyle/>
+              <a:p>
+                <a:pPr algn="ctr"/>
+                <a14:m>
+                  <m:oMathPara xmlns:m="http://schemas.openxmlformats.org/officeDocument/2006/math">
+                    <m:oMathParaPr>
+                      <m:jc m:val="centerGroup"/>
+                    </m:oMathParaPr>
+                    <m:oMath xmlns:m="http://schemas.openxmlformats.org/officeDocument/2006/math">
+                      <m:r>
+                        <a:rPr lang="en-US" sz="1000" b="0" i="1" dirty="0" smtClean="0">
+                          <a:solidFill>
+                            <a:schemeClr val="tx1"/>
+                          </a:solidFill>
+                          <a:latin typeface="Cambria Math" panose="02040503050406030204" pitchFamily="18" charset="0"/>
+                        </a:rPr>
+                        <m:t>𝐼</m:t>
+                      </m:r>
+                      <m:r>
+                        <a:rPr lang="en-US" sz="1000" i="1" dirty="0" smtClean="0">
+                          <a:solidFill>
+                            <a:schemeClr val="tx1"/>
+                          </a:solidFill>
+                          <a:latin typeface="Cambria Math" panose="02040503050406030204" pitchFamily="18" charset="0"/>
+                        </a:rPr>
+                        <m:t>𝐼</m:t>
+                      </m:r>
+                    </m:oMath>
+                  </m:oMathPara>
+                </a14:m>
+                <a:endParaRPr lang="en-US" sz="1000" dirty="0">
+                  <a:solidFill>
+                    <a:schemeClr val="tx1"/>
+                  </a:solidFill>
+                </a:endParaRPr>
+              </a:p>
+            </p:txBody>
+          </p:sp>
+        </mc:Choice>
+        <mc:Fallback>
+          <p:sp>
+            <p:nvSpPr>
+              <p:cNvPr id="8" name="Oval 7">
+                <a:extLst>
+                  <a:ext uri="{FF2B5EF4-FFF2-40B4-BE49-F238E27FC236}">
+                    <a16:creationId xmlns:a16="http://schemas.microsoft.com/office/drawing/2014/main" id="{4CBE4805-E5A0-D26B-F8DC-60C02BA6D054}"/>
+                  </a:ext>
+                </a:extLst>
+              </p:cNvPr>
+              <p:cNvSpPr>
+                <a:spLocks noRot="1" noChangeAspect="1" noMove="1" noResize="1" noEditPoints="1" noAdjustHandles="1" noChangeArrowheads="1" noChangeShapeType="1" noTextEdit="1"/>
+              </p:cNvSpPr>
+              <p:nvPr/>
+            </p:nvSpPr>
+            <p:spPr>
+              <a:xfrm>
+                <a:off x="4333959" y="4475621"/>
+                <a:ext cx="288758" cy="317633"/>
+              </a:xfrm>
+              <a:prstGeom prst="ellipse">
+                <a:avLst/>
+              </a:prstGeom>
+              <a:blipFill>
+                <a:blip r:embed="rId7"/>
+                <a:stretch>
+                  <a:fillRect/>
+                </a:stretch>
+              </a:blipFill>
+            </p:spPr>
+            <p:txBody>
+              <a:bodyPr/>
+              <a:lstStyle/>
+              <a:p>
+                <a:r>
+                  <a:rPr lang="en-US">
+                    <a:noFill/>
+                  </a:rPr>
+                  <a:t> </a:t>
+                </a:r>
+              </a:p>
+            </p:txBody>
+          </p:sp>
+        </mc:Fallback>
+      </mc:AlternateContent>
+      <mc:AlternateContent xmlns:mc="http://schemas.openxmlformats.org/markup-compatibility/2006">
+        <mc:Choice xmlns:a14="http://schemas.microsoft.com/office/drawing/2010/main" Requires="a14">
+          <p:sp>
+            <p:nvSpPr>
+              <p:cNvPr id="9" name="Oval 8">
+                <a:extLst>
+                  <a:ext uri="{FF2B5EF4-FFF2-40B4-BE49-F238E27FC236}">
+                    <a16:creationId xmlns:a16="http://schemas.microsoft.com/office/drawing/2014/main" id="{06CCEDDB-D471-DD6D-FC34-92BD2DDAF98A}"/>
+                  </a:ext>
+                </a:extLst>
+              </p:cNvPr>
+              <p:cNvSpPr/>
+              <p:nvPr/>
+            </p:nvSpPr>
+            <p:spPr>
+              <a:xfrm>
+                <a:off x="5318698" y="4495855"/>
+                <a:ext cx="288758" cy="317633"/>
+              </a:xfrm>
+              <a:prstGeom prst="ellipse">
+                <a:avLst/>
+              </a:prstGeom>
+              <a:solidFill>
+                <a:schemeClr val="accent1">
+                  <a:alpha val="42171"/>
+                </a:schemeClr>
+              </a:solidFill>
+            </p:spPr>
+            <p:style>
+              <a:lnRef idx="2">
+                <a:schemeClr val="accent1">
+                  <a:shade val="15000"/>
+                </a:schemeClr>
+              </a:lnRef>
+              <a:fillRef idx="1">
+                <a:schemeClr val="accent1"/>
+              </a:fillRef>
+              <a:effectRef idx="0">
+                <a:schemeClr val="accent1"/>
+              </a:effectRef>
+              <a:fontRef idx="minor">
+                <a:schemeClr val="lt1"/>
+              </a:fontRef>
+            </p:style>
+            <p:txBody>
+              <a:bodyPr rtlCol="0" anchor="ctr"/>
+              <a:lstStyle/>
+              <a:p>
+                <a:pPr algn="ctr"/>
+                <a14:m>
+                  <m:oMathPara xmlns:m="http://schemas.openxmlformats.org/officeDocument/2006/math">
+                    <m:oMathParaPr>
+                      <m:jc m:val="centerGroup"/>
+                    </m:oMathParaPr>
+                    <m:oMath xmlns:m="http://schemas.openxmlformats.org/officeDocument/2006/math">
+                      <m:r>
+                        <a:rPr lang="en-US" sz="1000" i="1" dirty="0" smtClean="0">
+                          <a:solidFill>
+                            <a:schemeClr val="tx1"/>
+                          </a:solidFill>
+                          <a:latin typeface="Cambria Math" panose="02040503050406030204" pitchFamily="18" charset="0"/>
+                        </a:rPr>
+                        <m:t>𝐼</m:t>
+                      </m:r>
+                      <m:r>
+                        <a:rPr lang="en-US" sz="1000" b="0" i="1" dirty="0" smtClean="0">
+                          <a:solidFill>
+                            <a:schemeClr val="tx1"/>
+                          </a:solidFill>
+                          <a:latin typeface="Cambria Math" panose="02040503050406030204" pitchFamily="18" charset="0"/>
+                        </a:rPr>
+                        <m:t>𝐼</m:t>
+                      </m:r>
+                    </m:oMath>
+                  </m:oMathPara>
+                </a14:m>
+                <a:endParaRPr lang="en-US" sz="1000" dirty="0">
+                  <a:solidFill>
+                    <a:schemeClr val="tx1"/>
+                  </a:solidFill>
+                </a:endParaRPr>
+              </a:p>
+            </p:txBody>
+          </p:sp>
+        </mc:Choice>
+        <mc:Fallback>
+          <p:sp>
+            <p:nvSpPr>
+              <p:cNvPr id="9" name="Oval 8">
+                <a:extLst>
+                  <a:ext uri="{FF2B5EF4-FFF2-40B4-BE49-F238E27FC236}">
+                    <a16:creationId xmlns:a16="http://schemas.microsoft.com/office/drawing/2014/main" id="{06CCEDDB-D471-DD6D-FC34-92BD2DDAF98A}"/>
+                  </a:ext>
+                </a:extLst>
+              </p:cNvPr>
+              <p:cNvSpPr>
+                <a:spLocks noRot="1" noChangeAspect="1" noMove="1" noResize="1" noEditPoints="1" noAdjustHandles="1" noChangeArrowheads="1" noChangeShapeType="1" noTextEdit="1"/>
+              </p:cNvSpPr>
+              <p:nvPr/>
+            </p:nvSpPr>
+            <p:spPr>
+              <a:xfrm>
+                <a:off x="5318698" y="4495855"/>
+                <a:ext cx="288758" cy="317633"/>
+              </a:xfrm>
+              <a:prstGeom prst="ellipse">
+                <a:avLst/>
+              </a:prstGeom>
+              <a:blipFill>
+                <a:blip r:embed="rId8"/>
+                <a:stretch>
+                  <a:fillRect/>
+                </a:stretch>
+              </a:blipFill>
+            </p:spPr>
+            <p:txBody>
+              <a:bodyPr/>
+              <a:lstStyle/>
+              <a:p>
+                <a:r>
+                  <a:rPr lang="en-US">
+                    <a:noFill/>
+                  </a:rPr>
+                  <a:t> </a:t>
+                </a:r>
+              </a:p>
+            </p:txBody>
+          </p:sp>
+        </mc:Fallback>
+      </mc:AlternateContent>
     </p:spTree>
     <p:extLst>
       <p:ext uri="{BB962C8B-B14F-4D97-AF65-F5344CB8AC3E}">

--- a/docs/Figures_for_the_Notes_on_Game_Theory.pptx
+++ b/docs/Figures_for_the_Notes_on_Game_Theory.pptx
@@ -4209,6 +4209,1280 @@
           </p:sp>
         </mc:Fallback>
       </mc:AlternateContent>
+      <p:cxnSp>
+        <p:nvCxnSpPr>
+          <p:cNvPr id="11" name="Straight Connector 10">
+            <a:extLst>
+              <a:ext uri="{FF2B5EF4-FFF2-40B4-BE49-F238E27FC236}">
+                <a16:creationId xmlns:a16="http://schemas.microsoft.com/office/drawing/2014/main" id="{1DA755CE-AF00-AFEC-C9CA-91E29A9691D1}"/>
+              </a:ext>
+            </a:extLst>
+          </p:cNvPr>
+          <p:cNvCxnSpPr>
+            <a:stCxn id="2" idx="1"/>
+            <a:endCxn id="3" idx="5"/>
+          </p:cNvCxnSpPr>
+          <p:nvPr/>
+        </p:nvCxnSpPr>
+        <p:spPr>
+          <a:xfrm flipH="1" flipV="1">
+            <a:off x="3611733" y="5487639"/>
+            <a:ext cx="445277" cy="345140"/>
+          </a:xfrm>
+          <a:prstGeom prst="line">
+            <a:avLst/>
+          </a:prstGeom>
+        </p:spPr>
+        <p:style>
+          <a:lnRef idx="2">
+            <a:schemeClr val="accent1"/>
+          </a:lnRef>
+          <a:fillRef idx="0">
+            <a:schemeClr val="accent1"/>
+          </a:fillRef>
+          <a:effectRef idx="1">
+            <a:schemeClr val="accent1"/>
+          </a:effectRef>
+          <a:fontRef idx="minor">
+            <a:schemeClr val="tx1"/>
+          </a:fontRef>
+        </p:style>
+      </p:cxnSp>
+      <p:cxnSp>
+        <p:nvCxnSpPr>
+          <p:cNvPr id="13" name="Straight Connector 12">
+            <a:extLst>
+              <a:ext uri="{FF2B5EF4-FFF2-40B4-BE49-F238E27FC236}">
+                <a16:creationId xmlns:a16="http://schemas.microsoft.com/office/drawing/2014/main" id="{ECB140D8-8C4E-5D48-DD98-F88953E2F124}"/>
+              </a:ext>
+            </a:extLst>
+          </p:cNvPr>
+          <p:cNvCxnSpPr>
+            <a:stCxn id="3" idx="1"/>
+            <a:endCxn id="6" idx="5"/>
+          </p:cNvCxnSpPr>
+          <p:nvPr/>
+        </p:nvCxnSpPr>
+        <p:spPr>
+          <a:xfrm flipH="1" flipV="1">
+            <a:off x="2931795" y="4746740"/>
+            <a:ext cx="475756" cy="516298"/>
+          </a:xfrm>
+          <a:prstGeom prst="line">
+            <a:avLst/>
+          </a:prstGeom>
+        </p:spPr>
+        <p:style>
+          <a:lnRef idx="2">
+            <a:schemeClr val="accent1"/>
+          </a:lnRef>
+          <a:fillRef idx="0">
+            <a:schemeClr val="accent1"/>
+          </a:fillRef>
+          <a:effectRef idx="1">
+            <a:schemeClr val="accent1"/>
+          </a:effectRef>
+          <a:fontRef idx="minor">
+            <a:schemeClr val="tx1"/>
+          </a:fontRef>
+        </p:style>
+      </p:cxnSp>
+      <mc:AlternateContent xmlns:mc="http://schemas.openxmlformats.org/markup-compatibility/2006">
+        <mc:Choice xmlns:a14="http://schemas.microsoft.com/office/drawing/2010/main" Requires="a14">
+          <p:sp>
+            <p:nvSpPr>
+              <p:cNvPr id="14" name="Oval 13">
+                <a:extLst>
+                  <a:ext uri="{FF2B5EF4-FFF2-40B4-BE49-F238E27FC236}">
+                    <a16:creationId xmlns:a16="http://schemas.microsoft.com/office/drawing/2014/main" id="{9A173CF6-8FAB-FDB8-5DD6-8B0960AB2298}"/>
+                  </a:ext>
+                </a:extLst>
+              </p:cNvPr>
+              <p:cNvSpPr/>
+              <p:nvPr/>
+            </p:nvSpPr>
+            <p:spPr>
+              <a:xfrm>
+                <a:off x="2078069" y="3605771"/>
+                <a:ext cx="288758" cy="317633"/>
+              </a:xfrm>
+              <a:prstGeom prst="ellipse">
+                <a:avLst/>
+              </a:prstGeom>
+              <a:solidFill>
+                <a:schemeClr val="accent1">
+                  <a:alpha val="42171"/>
+                </a:schemeClr>
+              </a:solidFill>
+            </p:spPr>
+            <p:style>
+              <a:lnRef idx="2">
+                <a:schemeClr val="accent1">
+                  <a:shade val="15000"/>
+                </a:schemeClr>
+              </a:lnRef>
+              <a:fillRef idx="1">
+                <a:schemeClr val="accent1"/>
+              </a:fillRef>
+              <a:effectRef idx="0">
+                <a:schemeClr val="accent1"/>
+              </a:effectRef>
+              <a:fontRef idx="minor">
+                <a:schemeClr val="lt1"/>
+              </a:fontRef>
+            </p:style>
+            <p:txBody>
+              <a:bodyPr rtlCol="0" anchor="ctr"/>
+              <a:lstStyle/>
+              <a:p>
+                <a:pPr algn="ctr"/>
+                <a14:m>
+                  <m:oMathPara xmlns:m="http://schemas.openxmlformats.org/officeDocument/2006/math">
+                    <m:oMathParaPr>
+                      <m:jc m:val="centerGroup"/>
+                    </m:oMathParaPr>
+                    <m:oMath xmlns:m="http://schemas.openxmlformats.org/officeDocument/2006/math">
+                      <m:r>
+                        <a:rPr lang="en-US" sz="1000" b="0" i="1" dirty="0" smtClean="0">
+                          <a:solidFill>
+                            <a:schemeClr val="tx1"/>
+                          </a:solidFill>
+                          <a:latin typeface="Cambria Math" panose="02040503050406030204" pitchFamily="18" charset="0"/>
+                        </a:rPr>
+                        <m:t>0</m:t>
+                      </m:r>
+                    </m:oMath>
+                  </m:oMathPara>
+                </a14:m>
+                <a:endParaRPr lang="en-US" sz="1000" dirty="0">
+                  <a:solidFill>
+                    <a:schemeClr val="tx1"/>
+                  </a:solidFill>
+                </a:endParaRPr>
+              </a:p>
+            </p:txBody>
+          </p:sp>
+        </mc:Choice>
+        <mc:Fallback>
+          <p:sp>
+            <p:nvSpPr>
+              <p:cNvPr id="14" name="Oval 13">
+                <a:extLst>
+                  <a:ext uri="{FF2B5EF4-FFF2-40B4-BE49-F238E27FC236}">
+                    <a16:creationId xmlns:a16="http://schemas.microsoft.com/office/drawing/2014/main" id="{9A173CF6-8FAB-FDB8-5DD6-8B0960AB2298}"/>
+                  </a:ext>
+                </a:extLst>
+              </p:cNvPr>
+              <p:cNvSpPr>
+                <a:spLocks noRot="1" noChangeAspect="1" noMove="1" noResize="1" noEditPoints="1" noAdjustHandles="1" noChangeArrowheads="1" noChangeShapeType="1" noTextEdit="1"/>
+              </p:cNvSpPr>
+              <p:nvPr/>
+            </p:nvSpPr>
+            <p:spPr>
+              <a:xfrm>
+                <a:off x="2078069" y="3605771"/>
+                <a:ext cx="288758" cy="317633"/>
+              </a:xfrm>
+              <a:prstGeom prst="ellipse">
+                <a:avLst/>
+              </a:prstGeom>
+              <a:blipFill>
+                <a:blip r:embed="rId9"/>
+                <a:stretch>
+                  <a:fillRect/>
+                </a:stretch>
+              </a:blipFill>
+            </p:spPr>
+            <p:txBody>
+              <a:bodyPr/>
+              <a:lstStyle/>
+              <a:p>
+                <a:r>
+                  <a:rPr lang="en-US">
+                    <a:noFill/>
+                  </a:rPr>
+                  <a:t> </a:t>
+                </a:r>
+              </a:p>
+            </p:txBody>
+          </p:sp>
+        </mc:Fallback>
+      </mc:AlternateContent>
+      <mc:AlternateContent xmlns:mc="http://schemas.openxmlformats.org/markup-compatibility/2006">
+        <mc:Choice xmlns:a14="http://schemas.microsoft.com/office/drawing/2010/main" Requires="a14">
+          <p:sp>
+            <p:nvSpPr>
+              <p:cNvPr id="15" name="Oval 14">
+                <a:extLst>
+                  <a:ext uri="{FF2B5EF4-FFF2-40B4-BE49-F238E27FC236}">
+                    <a16:creationId xmlns:a16="http://schemas.microsoft.com/office/drawing/2014/main" id="{99EF3E45-8359-813B-D364-4E497ECF6D82}"/>
+                  </a:ext>
+                </a:extLst>
+              </p:cNvPr>
+              <p:cNvSpPr/>
+              <p:nvPr/>
+            </p:nvSpPr>
+            <p:spPr>
+              <a:xfrm>
+                <a:off x="2613813" y="3604902"/>
+                <a:ext cx="288758" cy="317633"/>
+              </a:xfrm>
+              <a:prstGeom prst="ellipse">
+                <a:avLst/>
+              </a:prstGeom>
+              <a:solidFill>
+                <a:schemeClr val="accent1">
+                  <a:alpha val="42171"/>
+                </a:schemeClr>
+              </a:solidFill>
+            </p:spPr>
+            <p:style>
+              <a:lnRef idx="2">
+                <a:schemeClr val="accent1">
+                  <a:shade val="15000"/>
+                </a:schemeClr>
+              </a:lnRef>
+              <a:fillRef idx="1">
+                <a:schemeClr val="accent1"/>
+              </a:fillRef>
+              <a:effectRef idx="0">
+                <a:schemeClr val="accent1"/>
+              </a:effectRef>
+              <a:fontRef idx="minor">
+                <a:schemeClr val="lt1"/>
+              </a:fontRef>
+            </p:style>
+            <p:txBody>
+              <a:bodyPr rtlCol="0" anchor="ctr"/>
+              <a:lstStyle/>
+              <a:p>
+                <a:pPr algn="ctr"/>
+                <a14:m>
+                  <m:oMathPara xmlns:m="http://schemas.openxmlformats.org/officeDocument/2006/math">
+                    <m:oMathParaPr>
+                      <m:jc m:val="centerGroup"/>
+                    </m:oMathParaPr>
+                    <m:oMath xmlns:m="http://schemas.openxmlformats.org/officeDocument/2006/math">
+                      <m:r>
+                        <a:rPr lang="en-US" sz="1000" b="0" i="1" dirty="0" smtClean="0">
+                          <a:solidFill>
+                            <a:schemeClr val="tx1"/>
+                          </a:solidFill>
+                          <a:latin typeface="Cambria Math" panose="02040503050406030204" pitchFamily="18" charset="0"/>
+                        </a:rPr>
+                        <m:t>0</m:t>
+                      </m:r>
+                    </m:oMath>
+                  </m:oMathPara>
+                </a14:m>
+                <a:endParaRPr lang="en-US" sz="1000" dirty="0">
+                  <a:solidFill>
+                    <a:schemeClr val="tx1"/>
+                  </a:solidFill>
+                </a:endParaRPr>
+              </a:p>
+            </p:txBody>
+          </p:sp>
+        </mc:Choice>
+        <mc:Fallback>
+          <p:sp>
+            <p:nvSpPr>
+              <p:cNvPr id="15" name="Oval 14">
+                <a:extLst>
+                  <a:ext uri="{FF2B5EF4-FFF2-40B4-BE49-F238E27FC236}">
+                    <a16:creationId xmlns:a16="http://schemas.microsoft.com/office/drawing/2014/main" id="{99EF3E45-8359-813B-D364-4E497ECF6D82}"/>
+                  </a:ext>
+                </a:extLst>
+              </p:cNvPr>
+              <p:cNvSpPr>
+                <a:spLocks noRot="1" noChangeAspect="1" noMove="1" noResize="1" noEditPoints="1" noAdjustHandles="1" noChangeArrowheads="1" noChangeShapeType="1" noTextEdit="1"/>
+              </p:cNvSpPr>
+              <p:nvPr/>
+            </p:nvSpPr>
+            <p:spPr>
+              <a:xfrm>
+                <a:off x="2613813" y="3604902"/>
+                <a:ext cx="288758" cy="317633"/>
+              </a:xfrm>
+              <a:prstGeom prst="ellipse">
+                <a:avLst/>
+              </a:prstGeom>
+              <a:blipFill>
+                <a:blip r:embed="rId10"/>
+                <a:stretch>
+                  <a:fillRect/>
+                </a:stretch>
+              </a:blipFill>
+            </p:spPr>
+            <p:txBody>
+              <a:bodyPr/>
+              <a:lstStyle/>
+              <a:p>
+                <a:r>
+                  <a:rPr lang="en-US">
+                    <a:noFill/>
+                  </a:rPr>
+                  <a:t> </a:t>
+                </a:r>
+              </a:p>
+            </p:txBody>
+          </p:sp>
+        </mc:Fallback>
+      </mc:AlternateContent>
+      <mc:AlternateContent xmlns:mc="http://schemas.openxmlformats.org/markup-compatibility/2006">
+        <mc:Choice xmlns:a14="http://schemas.microsoft.com/office/drawing/2010/main" Requires="a14">
+          <p:sp>
+            <p:nvSpPr>
+              <p:cNvPr id="16" name="Oval 15">
+                <a:extLst>
+                  <a:ext uri="{FF2B5EF4-FFF2-40B4-BE49-F238E27FC236}">
+                    <a16:creationId xmlns:a16="http://schemas.microsoft.com/office/drawing/2014/main" id="{54B0F3BC-15FA-92A2-7435-B66CC438CADC}"/>
+                  </a:ext>
+                </a:extLst>
+              </p:cNvPr>
+              <p:cNvSpPr/>
+              <p:nvPr/>
+            </p:nvSpPr>
+            <p:spPr>
+              <a:xfrm>
+                <a:off x="3131256" y="3580340"/>
+                <a:ext cx="288758" cy="317633"/>
+              </a:xfrm>
+              <a:prstGeom prst="ellipse">
+                <a:avLst/>
+              </a:prstGeom>
+              <a:solidFill>
+                <a:schemeClr val="accent1">
+                  <a:alpha val="42171"/>
+                </a:schemeClr>
+              </a:solidFill>
+            </p:spPr>
+            <p:style>
+              <a:lnRef idx="2">
+                <a:schemeClr val="accent1">
+                  <a:shade val="15000"/>
+                </a:schemeClr>
+              </a:lnRef>
+              <a:fillRef idx="1">
+                <a:schemeClr val="accent1"/>
+              </a:fillRef>
+              <a:effectRef idx="0">
+                <a:schemeClr val="accent1"/>
+              </a:effectRef>
+              <a:fontRef idx="minor">
+                <a:schemeClr val="lt1"/>
+              </a:fontRef>
+            </p:style>
+            <p:txBody>
+              <a:bodyPr rtlCol="0" anchor="ctr"/>
+              <a:lstStyle/>
+              <a:p>
+                <a:pPr algn="ctr"/>
+                <a14:m>
+                  <m:oMathPara xmlns:m="http://schemas.openxmlformats.org/officeDocument/2006/math">
+                    <m:oMathParaPr>
+                      <m:jc m:val="centerGroup"/>
+                    </m:oMathParaPr>
+                    <m:oMath xmlns:m="http://schemas.openxmlformats.org/officeDocument/2006/math">
+                      <m:r>
+                        <a:rPr lang="en-US" sz="1000" b="0" i="1" dirty="0" smtClean="0">
+                          <a:solidFill>
+                            <a:schemeClr val="tx1"/>
+                          </a:solidFill>
+                          <a:latin typeface="Cambria Math" panose="02040503050406030204" pitchFamily="18" charset="0"/>
+                        </a:rPr>
+                        <m:t>0</m:t>
+                      </m:r>
+                    </m:oMath>
+                  </m:oMathPara>
+                </a14:m>
+                <a:endParaRPr lang="en-US" sz="1000" dirty="0">
+                  <a:solidFill>
+                    <a:schemeClr val="tx1"/>
+                  </a:solidFill>
+                </a:endParaRPr>
+              </a:p>
+            </p:txBody>
+          </p:sp>
+        </mc:Choice>
+        <mc:Fallback>
+          <p:sp>
+            <p:nvSpPr>
+              <p:cNvPr id="16" name="Oval 15">
+                <a:extLst>
+                  <a:ext uri="{FF2B5EF4-FFF2-40B4-BE49-F238E27FC236}">
+                    <a16:creationId xmlns:a16="http://schemas.microsoft.com/office/drawing/2014/main" id="{54B0F3BC-15FA-92A2-7435-B66CC438CADC}"/>
+                  </a:ext>
+                </a:extLst>
+              </p:cNvPr>
+              <p:cNvSpPr>
+                <a:spLocks noRot="1" noChangeAspect="1" noMove="1" noResize="1" noEditPoints="1" noAdjustHandles="1" noChangeArrowheads="1" noChangeShapeType="1" noTextEdit="1"/>
+              </p:cNvSpPr>
+              <p:nvPr/>
+            </p:nvSpPr>
+            <p:spPr>
+              <a:xfrm>
+                <a:off x="3131256" y="3580340"/>
+                <a:ext cx="288758" cy="317633"/>
+              </a:xfrm>
+              <a:prstGeom prst="ellipse">
+                <a:avLst/>
+              </a:prstGeom>
+              <a:blipFill>
+                <a:blip r:embed="rId11"/>
+                <a:stretch>
+                  <a:fillRect/>
+                </a:stretch>
+              </a:blipFill>
+            </p:spPr>
+            <p:txBody>
+              <a:bodyPr/>
+              <a:lstStyle/>
+              <a:p>
+                <a:r>
+                  <a:rPr lang="en-US">
+                    <a:noFill/>
+                  </a:rPr>
+                  <a:t> </a:t>
+                </a:r>
+              </a:p>
+            </p:txBody>
+          </p:sp>
+        </mc:Fallback>
+      </mc:AlternateContent>
+      <mc:AlternateContent xmlns:mc="http://schemas.openxmlformats.org/markup-compatibility/2006">
+        <mc:Choice xmlns:a14="http://schemas.microsoft.com/office/drawing/2010/main" Requires="a14">
+          <p:sp>
+            <p:nvSpPr>
+              <p:cNvPr id="17" name="Oval 16">
+                <a:extLst>
+                  <a:ext uri="{FF2B5EF4-FFF2-40B4-BE49-F238E27FC236}">
+                    <a16:creationId xmlns:a16="http://schemas.microsoft.com/office/drawing/2014/main" id="{A4569054-3742-2D89-DA42-87EDEF70C44F}"/>
+                  </a:ext>
+                </a:extLst>
+              </p:cNvPr>
+              <p:cNvSpPr/>
+              <p:nvPr/>
+            </p:nvSpPr>
+            <p:spPr>
+              <a:xfrm>
+                <a:off x="3667000" y="3589718"/>
+                <a:ext cx="288758" cy="317633"/>
+              </a:xfrm>
+              <a:prstGeom prst="ellipse">
+                <a:avLst/>
+              </a:prstGeom>
+              <a:solidFill>
+                <a:schemeClr val="accent1">
+                  <a:alpha val="42171"/>
+                </a:schemeClr>
+              </a:solidFill>
+            </p:spPr>
+            <p:style>
+              <a:lnRef idx="2">
+                <a:schemeClr val="accent1">
+                  <a:shade val="15000"/>
+                </a:schemeClr>
+              </a:lnRef>
+              <a:fillRef idx="1">
+                <a:schemeClr val="accent1"/>
+              </a:fillRef>
+              <a:effectRef idx="0">
+                <a:schemeClr val="accent1"/>
+              </a:effectRef>
+              <a:fontRef idx="minor">
+                <a:schemeClr val="lt1"/>
+              </a:fontRef>
+            </p:style>
+            <p:txBody>
+              <a:bodyPr rtlCol="0" anchor="ctr"/>
+              <a:lstStyle/>
+              <a:p>
+                <a:pPr algn="ctr"/>
+                <a14:m>
+                  <m:oMathPara xmlns:m="http://schemas.openxmlformats.org/officeDocument/2006/math">
+                    <m:oMathParaPr>
+                      <m:jc m:val="centerGroup"/>
+                    </m:oMathParaPr>
+                    <m:oMath xmlns:m="http://schemas.openxmlformats.org/officeDocument/2006/math">
+                      <m:r>
+                        <a:rPr lang="en-US" sz="1000" b="0" i="1" dirty="0" smtClean="0">
+                          <a:solidFill>
+                            <a:schemeClr val="tx1"/>
+                          </a:solidFill>
+                          <a:latin typeface="Cambria Math" panose="02040503050406030204" pitchFamily="18" charset="0"/>
+                        </a:rPr>
+                        <m:t>0</m:t>
+                      </m:r>
+                    </m:oMath>
+                  </m:oMathPara>
+                </a14:m>
+                <a:endParaRPr lang="en-US" sz="1000" dirty="0">
+                  <a:solidFill>
+                    <a:schemeClr val="tx1"/>
+                  </a:solidFill>
+                </a:endParaRPr>
+              </a:p>
+            </p:txBody>
+          </p:sp>
+        </mc:Choice>
+        <mc:Fallback>
+          <p:sp>
+            <p:nvSpPr>
+              <p:cNvPr id="17" name="Oval 16">
+                <a:extLst>
+                  <a:ext uri="{FF2B5EF4-FFF2-40B4-BE49-F238E27FC236}">
+                    <a16:creationId xmlns:a16="http://schemas.microsoft.com/office/drawing/2014/main" id="{A4569054-3742-2D89-DA42-87EDEF70C44F}"/>
+                  </a:ext>
+                </a:extLst>
+              </p:cNvPr>
+              <p:cNvSpPr>
+                <a:spLocks noRot="1" noChangeAspect="1" noMove="1" noResize="1" noEditPoints="1" noAdjustHandles="1" noChangeArrowheads="1" noChangeShapeType="1" noTextEdit="1"/>
+              </p:cNvSpPr>
+              <p:nvPr/>
+            </p:nvSpPr>
+            <p:spPr>
+              <a:xfrm>
+                <a:off x="3667000" y="3589718"/>
+                <a:ext cx="288758" cy="317633"/>
+              </a:xfrm>
+              <a:prstGeom prst="ellipse">
+                <a:avLst/>
+              </a:prstGeom>
+              <a:blipFill>
+                <a:blip r:embed="rId12"/>
+                <a:stretch>
+                  <a:fillRect/>
+                </a:stretch>
+              </a:blipFill>
+            </p:spPr>
+            <p:txBody>
+              <a:bodyPr/>
+              <a:lstStyle/>
+              <a:p>
+                <a:r>
+                  <a:rPr lang="en-US">
+                    <a:noFill/>
+                  </a:rPr>
+                  <a:t> </a:t>
+                </a:r>
+              </a:p>
+            </p:txBody>
+          </p:sp>
+        </mc:Fallback>
+      </mc:AlternateContent>
+      <mc:AlternateContent xmlns:mc="http://schemas.openxmlformats.org/markup-compatibility/2006">
+        <mc:Choice xmlns:a14="http://schemas.microsoft.com/office/drawing/2010/main" Requires="a14">
+          <p:sp>
+            <p:nvSpPr>
+              <p:cNvPr id="18" name="Oval 17">
+                <a:extLst>
+                  <a:ext uri="{FF2B5EF4-FFF2-40B4-BE49-F238E27FC236}">
+                    <a16:creationId xmlns:a16="http://schemas.microsoft.com/office/drawing/2014/main" id="{2A029C7E-7272-1460-71E2-3AC2F9A870EC}"/>
+                  </a:ext>
+                </a:extLst>
+              </p:cNvPr>
+              <p:cNvSpPr/>
+              <p:nvPr/>
+            </p:nvSpPr>
+            <p:spPr>
+              <a:xfrm>
+                <a:off x="4159101" y="3591557"/>
+                <a:ext cx="288758" cy="317633"/>
+              </a:xfrm>
+              <a:prstGeom prst="ellipse">
+                <a:avLst/>
+              </a:prstGeom>
+              <a:solidFill>
+                <a:schemeClr val="accent1">
+                  <a:alpha val="42171"/>
+                </a:schemeClr>
+              </a:solidFill>
+            </p:spPr>
+            <p:style>
+              <a:lnRef idx="2">
+                <a:schemeClr val="accent1">
+                  <a:shade val="15000"/>
+                </a:schemeClr>
+              </a:lnRef>
+              <a:fillRef idx="1">
+                <a:schemeClr val="accent1"/>
+              </a:fillRef>
+              <a:effectRef idx="0">
+                <a:schemeClr val="accent1"/>
+              </a:effectRef>
+              <a:fontRef idx="minor">
+                <a:schemeClr val="lt1"/>
+              </a:fontRef>
+            </p:style>
+            <p:txBody>
+              <a:bodyPr rtlCol="0" anchor="ctr"/>
+              <a:lstStyle/>
+              <a:p>
+                <a:pPr algn="ctr"/>
+                <a14:m>
+                  <m:oMathPara xmlns:m="http://schemas.openxmlformats.org/officeDocument/2006/math">
+                    <m:oMathParaPr>
+                      <m:jc m:val="centerGroup"/>
+                    </m:oMathParaPr>
+                    <m:oMath xmlns:m="http://schemas.openxmlformats.org/officeDocument/2006/math">
+                      <m:r>
+                        <a:rPr lang="en-US" sz="1000" b="0" i="1" dirty="0" smtClean="0">
+                          <a:solidFill>
+                            <a:schemeClr val="tx1"/>
+                          </a:solidFill>
+                          <a:latin typeface="Cambria Math" panose="02040503050406030204" pitchFamily="18" charset="0"/>
+                        </a:rPr>
+                        <m:t>0</m:t>
+                      </m:r>
+                    </m:oMath>
+                  </m:oMathPara>
+                </a14:m>
+                <a:endParaRPr lang="en-US" sz="1000" dirty="0">
+                  <a:solidFill>
+                    <a:schemeClr val="tx1"/>
+                  </a:solidFill>
+                </a:endParaRPr>
+              </a:p>
+            </p:txBody>
+          </p:sp>
+        </mc:Choice>
+        <mc:Fallback>
+          <p:sp>
+            <p:nvSpPr>
+              <p:cNvPr id="18" name="Oval 17">
+                <a:extLst>
+                  <a:ext uri="{FF2B5EF4-FFF2-40B4-BE49-F238E27FC236}">
+                    <a16:creationId xmlns:a16="http://schemas.microsoft.com/office/drawing/2014/main" id="{2A029C7E-7272-1460-71E2-3AC2F9A870EC}"/>
+                  </a:ext>
+                </a:extLst>
+              </p:cNvPr>
+              <p:cNvSpPr>
+                <a:spLocks noRot="1" noChangeAspect="1" noMove="1" noResize="1" noEditPoints="1" noAdjustHandles="1" noChangeArrowheads="1" noChangeShapeType="1" noTextEdit="1"/>
+              </p:cNvSpPr>
+              <p:nvPr/>
+            </p:nvSpPr>
+            <p:spPr>
+              <a:xfrm>
+                <a:off x="4159101" y="3591557"/>
+                <a:ext cx="288758" cy="317633"/>
+              </a:xfrm>
+              <a:prstGeom prst="ellipse">
+                <a:avLst/>
+              </a:prstGeom>
+              <a:blipFill>
+                <a:blip r:embed="rId13"/>
+                <a:stretch>
+                  <a:fillRect/>
+                </a:stretch>
+              </a:blipFill>
+            </p:spPr>
+            <p:txBody>
+              <a:bodyPr/>
+              <a:lstStyle/>
+              <a:p>
+                <a:r>
+                  <a:rPr lang="en-US">
+                    <a:noFill/>
+                  </a:rPr>
+                  <a:t> </a:t>
+                </a:r>
+              </a:p>
+            </p:txBody>
+          </p:sp>
+        </mc:Fallback>
+      </mc:AlternateContent>
+      <mc:AlternateContent xmlns:mc="http://schemas.openxmlformats.org/markup-compatibility/2006">
+        <mc:Choice xmlns:a14="http://schemas.microsoft.com/office/drawing/2010/main" Requires="a14">
+          <p:sp>
+            <p:nvSpPr>
+              <p:cNvPr id="19" name="Oval 18">
+                <a:extLst>
+                  <a:ext uri="{FF2B5EF4-FFF2-40B4-BE49-F238E27FC236}">
+                    <a16:creationId xmlns:a16="http://schemas.microsoft.com/office/drawing/2014/main" id="{854F38FD-C2DD-4F1A-80B4-C9BBF51E3D2C}"/>
+                  </a:ext>
+                </a:extLst>
+              </p:cNvPr>
+              <p:cNvSpPr/>
+              <p:nvPr/>
+            </p:nvSpPr>
+            <p:spPr>
+              <a:xfrm>
+                <a:off x="4676377" y="3580338"/>
+                <a:ext cx="288758" cy="317633"/>
+              </a:xfrm>
+              <a:prstGeom prst="ellipse">
+                <a:avLst/>
+              </a:prstGeom>
+              <a:solidFill>
+                <a:schemeClr val="accent1">
+                  <a:alpha val="42171"/>
+                </a:schemeClr>
+              </a:solidFill>
+            </p:spPr>
+            <p:style>
+              <a:lnRef idx="2">
+                <a:schemeClr val="accent1">
+                  <a:shade val="15000"/>
+                </a:schemeClr>
+              </a:lnRef>
+              <a:fillRef idx="1">
+                <a:schemeClr val="accent1"/>
+              </a:fillRef>
+              <a:effectRef idx="0">
+                <a:schemeClr val="accent1"/>
+              </a:effectRef>
+              <a:fontRef idx="minor">
+                <a:schemeClr val="lt1"/>
+              </a:fontRef>
+            </p:style>
+            <p:txBody>
+              <a:bodyPr rtlCol="0" anchor="ctr"/>
+              <a:lstStyle/>
+              <a:p>
+                <a:pPr algn="ctr"/>
+                <a14:m>
+                  <m:oMathPara xmlns:m="http://schemas.openxmlformats.org/officeDocument/2006/math">
+                    <m:oMathParaPr>
+                      <m:jc m:val="centerGroup"/>
+                    </m:oMathParaPr>
+                    <m:oMath xmlns:m="http://schemas.openxmlformats.org/officeDocument/2006/math">
+                      <m:r>
+                        <a:rPr lang="en-US" sz="1000" b="0" i="1" dirty="0" smtClean="0">
+                          <a:solidFill>
+                            <a:schemeClr val="tx1"/>
+                          </a:solidFill>
+                          <a:latin typeface="Cambria Math" panose="02040503050406030204" pitchFamily="18" charset="0"/>
+                        </a:rPr>
+                        <m:t>0</m:t>
+                      </m:r>
+                    </m:oMath>
+                  </m:oMathPara>
+                </a14:m>
+                <a:endParaRPr lang="en-US" sz="1000" dirty="0">
+                  <a:solidFill>
+                    <a:schemeClr val="tx1"/>
+                  </a:solidFill>
+                </a:endParaRPr>
+              </a:p>
+            </p:txBody>
+          </p:sp>
+        </mc:Choice>
+        <mc:Fallback>
+          <p:sp>
+            <p:nvSpPr>
+              <p:cNvPr id="19" name="Oval 18">
+                <a:extLst>
+                  <a:ext uri="{FF2B5EF4-FFF2-40B4-BE49-F238E27FC236}">
+                    <a16:creationId xmlns:a16="http://schemas.microsoft.com/office/drawing/2014/main" id="{854F38FD-C2DD-4F1A-80B4-C9BBF51E3D2C}"/>
+                  </a:ext>
+                </a:extLst>
+              </p:cNvPr>
+              <p:cNvSpPr>
+                <a:spLocks noRot="1" noChangeAspect="1" noMove="1" noResize="1" noEditPoints="1" noAdjustHandles="1" noChangeArrowheads="1" noChangeShapeType="1" noTextEdit="1"/>
+              </p:cNvSpPr>
+              <p:nvPr/>
+            </p:nvSpPr>
+            <p:spPr>
+              <a:xfrm>
+                <a:off x="4676377" y="3580338"/>
+                <a:ext cx="288758" cy="317633"/>
+              </a:xfrm>
+              <a:prstGeom prst="ellipse">
+                <a:avLst/>
+              </a:prstGeom>
+              <a:blipFill>
+                <a:blip r:embed="rId14"/>
+                <a:stretch>
+                  <a:fillRect/>
+                </a:stretch>
+              </a:blipFill>
+            </p:spPr>
+            <p:txBody>
+              <a:bodyPr/>
+              <a:lstStyle/>
+              <a:p>
+                <a:r>
+                  <a:rPr lang="en-US">
+                    <a:noFill/>
+                  </a:rPr>
+                  <a:t> </a:t>
+                </a:r>
+              </a:p>
+            </p:txBody>
+          </p:sp>
+        </mc:Fallback>
+      </mc:AlternateContent>
+      <mc:AlternateContent xmlns:mc="http://schemas.openxmlformats.org/markup-compatibility/2006">
+        <mc:Choice xmlns:a14="http://schemas.microsoft.com/office/drawing/2010/main" Requires="a14">
+          <p:sp>
+            <p:nvSpPr>
+              <p:cNvPr id="20" name="Oval 19">
+                <a:extLst>
+                  <a:ext uri="{FF2B5EF4-FFF2-40B4-BE49-F238E27FC236}">
+                    <a16:creationId xmlns:a16="http://schemas.microsoft.com/office/drawing/2014/main" id="{630FF063-3833-5D0B-4976-E4A64A71A390}"/>
+                  </a:ext>
+                </a:extLst>
+              </p:cNvPr>
+              <p:cNvSpPr/>
+              <p:nvPr/>
+            </p:nvSpPr>
+            <p:spPr>
+              <a:xfrm>
+                <a:off x="5174319" y="3594407"/>
+                <a:ext cx="288758" cy="317633"/>
+              </a:xfrm>
+              <a:prstGeom prst="ellipse">
+                <a:avLst/>
+              </a:prstGeom>
+              <a:solidFill>
+                <a:schemeClr val="accent1">
+                  <a:alpha val="42171"/>
+                </a:schemeClr>
+              </a:solidFill>
+            </p:spPr>
+            <p:style>
+              <a:lnRef idx="2">
+                <a:schemeClr val="accent1">
+                  <a:shade val="15000"/>
+                </a:schemeClr>
+              </a:lnRef>
+              <a:fillRef idx="1">
+                <a:schemeClr val="accent1"/>
+              </a:fillRef>
+              <a:effectRef idx="0">
+                <a:schemeClr val="accent1"/>
+              </a:effectRef>
+              <a:fontRef idx="minor">
+                <a:schemeClr val="lt1"/>
+              </a:fontRef>
+            </p:style>
+            <p:txBody>
+              <a:bodyPr rtlCol="0" anchor="ctr"/>
+              <a:lstStyle/>
+              <a:p>
+                <a:pPr algn="ctr"/>
+                <a14:m>
+                  <m:oMathPara xmlns:m="http://schemas.openxmlformats.org/officeDocument/2006/math">
+                    <m:oMathParaPr>
+                      <m:jc m:val="centerGroup"/>
+                    </m:oMathParaPr>
+                    <m:oMath xmlns:m="http://schemas.openxmlformats.org/officeDocument/2006/math">
+                      <m:r>
+                        <a:rPr lang="en-US" sz="1000" b="0" i="1" dirty="0" smtClean="0">
+                          <a:solidFill>
+                            <a:schemeClr val="tx1"/>
+                          </a:solidFill>
+                          <a:latin typeface="Cambria Math" panose="02040503050406030204" pitchFamily="18" charset="0"/>
+                        </a:rPr>
+                        <m:t>0</m:t>
+                      </m:r>
+                    </m:oMath>
+                  </m:oMathPara>
+                </a14:m>
+                <a:endParaRPr lang="en-US" sz="1000" dirty="0">
+                  <a:solidFill>
+                    <a:schemeClr val="tx1"/>
+                  </a:solidFill>
+                </a:endParaRPr>
+              </a:p>
+            </p:txBody>
+          </p:sp>
+        </mc:Choice>
+        <mc:Fallback>
+          <p:sp>
+            <p:nvSpPr>
+              <p:cNvPr id="20" name="Oval 19">
+                <a:extLst>
+                  <a:ext uri="{FF2B5EF4-FFF2-40B4-BE49-F238E27FC236}">
+                    <a16:creationId xmlns:a16="http://schemas.microsoft.com/office/drawing/2014/main" id="{630FF063-3833-5D0B-4976-E4A64A71A390}"/>
+                  </a:ext>
+                </a:extLst>
+              </p:cNvPr>
+              <p:cNvSpPr>
+                <a:spLocks noRot="1" noChangeAspect="1" noMove="1" noResize="1" noEditPoints="1" noAdjustHandles="1" noChangeArrowheads="1" noChangeShapeType="1" noTextEdit="1"/>
+              </p:cNvSpPr>
+              <p:nvPr/>
+            </p:nvSpPr>
+            <p:spPr>
+              <a:xfrm>
+                <a:off x="5174319" y="3594407"/>
+                <a:ext cx="288758" cy="317633"/>
+              </a:xfrm>
+              <a:prstGeom prst="ellipse">
+                <a:avLst/>
+              </a:prstGeom>
+              <a:blipFill>
+                <a:blip r:embed="rId15"/>
+                <a:stretch>
+                  <a:fillRect/>
+                </a:stretch>
+              </a:blipFill>
+            </p:spPr>
+            <p:txBody>
+              <a:bodyPr/>
+              <a:lstStyle/>
+              <a:p>
+                <a:r>
+                  <a:rPr lang="en-US">
+                    <a:noFill/>
+                  </a:rPr>
+                  <a:t> </a:t>
+                </a:r>
+              </a:p>
+            </p:txBody>
+          </p:sp>
+        </mc:Fallback>
+      </mc:AlternateContent>
+      <mc:AlternateContent xmlns:mc="http://schemas.openxmlformats.org/markup-compatibility/2006">
+        <mc:Choice xmlns:a14="http://schemas.microsoft.com/office/drawing/2010/main" Requires="a14">
+          <p:sp>
+            <p:nvSpPr>
+              <p:cNvPr id="21" name="Oval 20">
+                <a:extLst>
+                  <a:ext uri="{FF2B5EF4-FFF2-40B4-BE49-F238E27FC236}">
+                    <a16:creationId xmlns:a16="http://schemas.microsoft.com/office/drawing/2014/main" id="{8D9EEEAA-64C4-0F8A-177D-64246EB97B0D}"/>
+                  </a:ext>
+                </a:extLst>
+              </p:cNvPr>
+              <p:cNvSpPr/>
+              <p:nvPr/>
+            </p:nvSpPr>
+            <p:spPr>
+              <a:xfrm>
+                <a:off x="5685755" y="3580339"/>
+                <a:ext cx="288758" cy="317633"/>
+              </a:xfrm>
+              <a:prstGeom prst="ellipse">
+                <a:avLst/>
+              </a:prstGeom>
+              <a:solidFill>
+                <a:schemeClr val="accent1">
+                  <a:alpha val="42171"/>
+                </a:schemeClr>
+              </a:solidFill>
+            </p:spPr>
+            <p:style>
+              <a:lnRef idx="2">
+                <a:schemeClr val="accent1">
+                  <a:shade val="15000"/>
+                </a:schemeClr>
+              </a:lnRef>
+              <a:fillRef idx="1">
+                <a:schemeClr val="accent1"/>
+              </a:fillRef>
+              <a:effectRef idx="0">
+                <a:schemeClr val="accent1"/>
+              </a:effectRef>
+              <a:fontRef idx="minor">
+                <a:schemeClr val="lt1"/>
+              </a:fontRef>
+            </p:style>
+            <p:txBody>
+              <a:bodyPr rtlCol="0" anchor="ctr"/>
+              <a:lstStyle/>
+              <a:p>
+                <a:pPr algn="ctr"/>
+                <a14:m>
+                  <m:oMathPara xmlns:m="http://schemas.openxmlformats.org/officeDocument/2006/math">
+                    <m:oMathParaPr>
+                      <m:jc m:val="centerGroup"/>
+                    </m:oMathParaPr>
+                    <m:oMath xmlns:m="http://schemas.openxmlformats.org/officeDocument/2006/math">
+                      <m:r>
+                        <a:rPr lang="en-US" sz="1000" b="0" i="1" dirty="0" smtClean="0">
+                          <a:solidFill>
+                            <a:schemeClr val="tx1"/>
+                          </a:solidFill>
+                          <a:latin typeface="Cambria Math" panose="02040503050406030204" pitchFamily="18" charset="0"/>
+                        </a:rPr>
+                        <m:t>0</m:t>
+                      </m:r>
+                    </m:oMath>
+                  </m:oMathPara>
+                </a14:m>
+                <a:endParaRPr lang="en-US" sz="1000" dirty="0">
+                  <a:solidFill>
+                    <a:schemeClr val="tx1"/>
+                  </a:solidFill>
+                </a:endParaRPr>
+              </a:p>
+            </p:txBody>
+          </p:sp>
+        </mc:Choice>
+        <mc:Fallback>
+          <p:sp>
+            <p:nvSpPr>
+              <p:cNvPr id="21" name="Oval 20">
+                <a:extLst>
+                  <a:ext uri="{FF2B5EF4-FFF2-40B4-BE49-F238E27FC236}">
+                    <a16:creationId xmlns:a16="http://schemas.microsoft.com/office/drawing/2014/main" id="{8D9EEEAA-64C4-0F8A-177D-64246EB97B0D}"/>
+                  </a:ext>
+                </a:extLst>
+              </p:cNvPr>
+              <p:cNvSpPr>
+                <a:spLocks noRot="1" noChangeAspect="1" noMove="1" noResize="1" noEditPoints="1" noAdjustHandles="1" noChangeArrowheads="1" noChangeShapeType="1" noTextEdit="1"/>
+              </p:cNvSpPr>
+              <p:nvPr/>
+            </p:nvSpPr>
+            <p:spPr>
+              <a:xfrm>
+                <a:off x="5685755" y="3580339"/>
+                <a:ext cx="288758" cy="317633"/>
+              </a:xfrm>
+              <a:prstGeom prst="ellipse">
+                <a:avLst/>
+              </a:prstGeom>
+              <a:blipFill>
+                <a:blip r:embed="rId16"/>
+                <a:stretch>
+                  <a:fillRect/>
+                </a:stretch>
+              </a:blipFill>
+            </p:spPr>
+            <p:txBody>
+              <a:bodyPr/>
+              <a:lstStyle/>
+              <a:p>
+                <a:r>
+                  <a:rPr lang="en-US">
+                    <a:noFill/>
+                  </a:rPr>
+                  <a:t> </a:t>
+                </a:r>
+              </a:p>
+            </p:txBody>
+          </p:sp>
+        </mc:Fallback>
+      </mc:AlternateContent>
+      <p:cxnSp>
+        <p:nvCxnSpPr>
+          <p:cNvPr id="23" name="Straight Connector 22">
+            <a:extLst>
+              <a:ext uri="{FF2B5EF4-FFF2-40B4-BE49-F238E27FC236}">
+                <a16:creationId xmlns:a16="http://schemas.microsoft.com/office/drawing/2014/main" id="{C4DA1A6E-62F0-3204-7F0D-CD0A06036E59}"/>
+              </a:ext>
+            </a:extLst>
+          </p:cNvPr>
+          <p:cNvCxnSpPr>
+            <a:stCxn id="14" idx="1"/>
+          </p:cNvCxnSpPr>
+          <p:nvPr/>
+        </p:nvCxnSpPr>
+        <p:spPr>
+          <a:xfrm flipH="1" flipV="1">
+            <a:off x="1889760" y="2733822"/>
+            <a:ext cx="230597" cy="918465"/>
+          </a:xfrm>
+          <a:prstGeom prst="line">
+            <a:avLst/>
+          </a:prstGeom>
+        </p:spPr>
+        <p:style>
+          <a:lnRef idx="2">
+            <a:schemeClr val="accent1"/>
+          </a:lnRef>
+          <a:fillRef idx="0">
+            <a:schemeClr val="accent1"/>
+          </a:fillRef>
+          <a:effectRef idx="1">
+            <a:schemeClr val="accent1"/>
+          </a:effectRef>
+          <a:fontRef idx="minor">
+            <a:schemeClr val="tx1"/>
+          </a:fontRef>
+        </p:style>
+      </p:cxnSp>
+      <p:cxnSp>
+        <p:nvCxnSpPr>
+          <p:cNvPr id="25" name="Straight Connector 24">
+            <a:extLst>
+              <a:ext uri="{FF2B5EF4-FFF2-40B4-BE49-F238E27FC236}">
+                <a16:creationId xmlns:a16="http://schemas.microsoft.com/office/drawing/2014/main" id="{5C8C82E8-4AA5-D04E-FC61-D3645C9463C1}"/>
+              </a:ext>
+            </a:extLst>
+          </p:cNvPr>
+          <p:cNvCxnSpPr>
+            <a:stCxn id="14" idx="0"/>
+          </p:cNvCxnSpPr>
+          <p:nvPr/>
+        </p:nvCxnSpPr>
+        <p:spPr>
+          <a:xfrm flipH="1" flipV="1">
+            <a:off x="2175803" y="2729132"/>
+            <a:ext cx="46645" cy="876639"/>
+          </a:xfrm>
+          <a:prstGeom prst="line">
+            <a:avLst/>
+          </a:prstGeom>
+        </p:spPr>
+        <p:style>
+          <a:lnRef idx="2">
+            <a:schemeClr val="accent1"/>
+          </a:lnRef>
+          <a:fillRef idx="0">
+            <a:schemeClr val="accent1"/>
+          </a:fillRef>
+          <a:effectRef idx="1">
+            <a:schemeClr val="accent1"/>
+          </a:effectRef>
+          <a:fontRef idx="minor">
+            <a:schemeClr val="tx1"/>
+          </a:fontRef>
+        </p:style>
+      </p:cxnSp>
+      <p:cxnSp>
+        <p:nvCxnSpPr>
+          <p:cNvPr id="27" name="Straight Connector 26">
+            <a:extLst>
+              <a:ext uri="{FF2B5EF4-FFF2-40B4-BE49-F238E27FC236}">
+                <a16:creationId xmlns:a16="http://schemas.microsoft.com/office/drawing/2014/main" id="{F0571233-EEB0-9232-2A1C-0C7FE6CC48E2}"/>
+              </a:ext>
+            </a:extLst>
+          </p:cNvPr>
+          <p:cNvCxnSpPr>
+            <a:stCxn id="14" idx="7"/>
+          </p:cNvCxnSpPr>
+          <p:nvPr/>
+        </p:nvCxnSpPr>
+        <p:spPr>
+          <a:xfrm flipV="1">
+            <a:off x="2324539" y="2733822"/>
+            <a:ext cx="85726" cy="918465"/>
+          </a:xfrm>
+          <a:prstGeom prst="line">
+            <a:avLst/>
+          </a:prstGeom>
+        </p:spPr>
+        <p:style>
+          <a:lnRef idx="2">
+            <a:schemeClr val="accent1"/>
+          </a:lnRef>
+          <a:fillRef idx="0">
+            <a:schemeClr val="accent1"/>
+          </a:fillRef>
+          <a:effectRef idx="1">
+            <a:schemeClr val="accent1"/>
+          </a:effectRef>
+          <a:fontRef idx="minor">
+            <a:schemeClr val="tx1"/>
+          </a:fontRef>
+        </p:style>
+      </p:cxnSp>
+      <p:cxnSp>
+        <p:nvCxnSpPr>
+          <p:cNvPr id="29" name="Straight Connector 28">
+            <a:extLst>
+              <a:ext uri="{FF2B5EF4-FFF2-40B4-BE49-F238E27FC236}">
+                <a16:creationId xmlns:a16="http://schemas.microsoft.com/office/drawing/2014/main" id="{ACF6C6DA-4B47-6E9D-2163-83621AD75137}"/>
+              </a:ext>
+            </a:extLst>
+          </p:cNvPr>
+          <p:cNvCxnSpPr>
+            <a:stCxn id="15" idx="1"/>
+          </p:cNvCxnSpPr>
+          <p:nvPr/>
+        </p:nvCxnSpPr>
+        <p:spPr>
+          <a:xfrm flipH="1" flipV="1">
+            <a:off x="2574388" y="2729132"/>
+            <a:ext cx="81713" cy="922286"/>
+          </a:xfrm>
+          <a:prstGeom prst="line">
+            <a:avLst/>
+          </a:prstGeom>
+        </p:spPr>
+        <p:style>
+          <a:lnRef idx="2">
+            <a:schemeClr val="accent1"/>
+          </a:lnRef>
+          <a:fillRef idx="0">
+            <a:schemeClr val="accent1"/>
+          </a:fillRef>
+          <a:effectRef idx="1">
+            <a:schemeClr val="accent1"/>
+          </a:effectRef>
+          <a:fontRef idx="minor">
+            <a:schemeClr val="tx1"/>
+          </a:fontRef>
+        </p:style>
+      </p:cxnSp>
+      <p:cxnSp>
+        <p:nvCxnSpPr>
+          <p:cNvPr id="31" name="Straight Connector 30">
+            <a:extLst>
+              <a:ext uri="{FF2B5EF4-FFF2-40B4-BE49-F238E27FC236}">
+                <a16:creationId xmlns:a16="http://schemas.microsoft.com/office/drawing/2014/main" id="{25B0FBFB-55A9-591B-38B3-36C814CF5FBC}"/>
+              </a:ext>
+            </a:extLst>
+          </p:cNvPr>
+          <p:cNvCxnSpPr>
+            <a:stCxn id="15" idx="0"/>
+          </p:cNvCxnSpPr>
+          <p:nvPr/>
+        </p:nvCxnSpPr>
+        <p:spPr>
+          <a:xfrm flipV="1">
+            <a:off x="2758192" y="2729132"/>
+            <a:ext cx="0" cy="875770"/>
+          </a:xfrm>
+          <a:prstGeom prst="line">
+            <a:avLst/>
+          </a:prstGeom>
+        </p:spPr>
+        <p:style>
+          <a:lnRef idx="2">
+            <a:schemeClr val="accent1"/>
+          </a:lnRef>
+          <a:fillRef idx="0">
+            <a:schemeClr val="accent1"/>
+          </a:fillRef>
+          <a:effectRef idx="1">
+            <a:schemeClr val="accent1"/>
+          </a:effectRef>
+          <a:fontRef idx="minor">
+            <a:schemeClr val="tx1"/>
+          </a:fontRef>
+        </p:style>
+      </p:cxnSp>
+      <p:cxnSp>
+        <p:nvCxnSpPr>
+          <p:cNvPr id="33" name="Straight Connector 32">
+            <a:extLst>
+              <a:ext uri="{FF2B5EF4-FFF2-40B4-BE49-F238E27FC236}">
+                <a16:creationId xmlns:a16="http://schemas.microsoft.com/office/drawing/2014/main" id="{1F6415F5-C305-B385-F9D8-2D0562E730FC}"/>
+              </a:ext>
+            </a:extLst>
+          </p:cNvPr>
+          <p:cNvCxnSpPr>
+            <a:stCxn id="15" idx="7"/>
+          </p:cNvCxnSpPr>
+          <p:nvPr/>
+        </p:nvCxnSpPr>
+        <p:spPr>
+          <a:xfrm flipV="1">
+            <a:off x="2860283" y="2729132"/>
+            <a:ext cx="71512" cy="922286"/>
+          </a:xfrm>
+          <a:prstGeom prst="line">
+            <a:avLst/>
+          </a:prstGeom>
+        </p:spPr>
+        <p:style>
+          <a:lnRef idx="2">
+            <a:schemeClr val="accent1"/>
+          </a:lnRef>
+          <a:fillRef idx="0">
+            <a:schemeClr val="accent1"/>
+          </a:fillRef>
+          <a:effectRef idx="1">
+            <a:schemeClr val="accent1"/>
+          </a:effectRef>
+          <a:fontRef idx="minor">
+            <a:schemeClr val="tx1"/>
+          </a:fontRef>
+        </p:style>
+      </p:cxnSp>
     </p:spTree>
     <p:extLst>
       <p:ext uri="{BB962C8B-B14F-4D97-AF65-F5344CB8AC3E}">

--- a/docs/Figures_for_the_Notes_on_Game_Theory.pptx
+++ b/docs/Figures_for_the_Notes_on_Game_Theory.pptx
@@ -259,7 +259,7 @@
           <a:p>
             <a:fld id="{2A68BB92-E678-1240-9DC0-E63EB63B185B}" type="datetimeFigureOut">
               <a:rPr lang="en-US" smtClean="0"/>
-              <a:t>2/17/26</a:t>
+              <a:t>2/20/26</a:t>
             </a:fld>
             <a:endParaRPr lang="en-US"/>
           </a:p>
@@ -457,7 +457,7 @@
           <a:p>
             <a:fld id="{2A68BB92-E678-1240-9DC0-E63EB63B185B}" type="datetimeFigureOut">
               <a:rPr lang="en-US" smtClean="0"/>
-              <a:t>2/17/26</a:t>
+              <a:t>2/20/26</a:t>
             </a:fld>
             <a:endParaRPr lang="en-US"/>
           </a:p>
@@ -665,7 +665,7 @@
           <a:p>
             <a:fld id="{2A68BB92-E678-1240-9DC0-E63EB63B185B}" type="datetimeFigureOut">
               <a:rPr lang="en-US" smtClean="0"/>
-              <a:t>2/17/26</a:t>
+              <a:t>2/20/26</a:t>
             </a:fld>
             <a:endParaRPr lang="en-US"/>
           </a:p>
@@ -863,7 +863,7 @@
           <a:p>
             <a:fld id="{2A68BB92-E678-1240-9DC0-E63EB63B185B}" type="datetimeFigureOut">
               <a:rPr lang="en-US" smtClean="0"/>
-              <a:t>2/17/26</a:t>
+              <a:t>2/20/26</a:t>
             </a:fld>
             <a:endParaRPr lang="en-US"/>
           </a:p>
@@ -1138,7 +1138,7 @@
           <a:p>
             <a:fld id="{2A68BB92-E678-1240-9DC0-E63EB63B185B}" type="datetimeFigureOut">
               <a:rPr lang="en-US" smtClean="0"/>
-              <a:t>2/17/26</a:t>
+              <a:t>2/20/26</a:t>
             </a:fld>
             <a:endParaRPr lang="en-US"/>
           </a:p>
@@ -1403,7 +1403,7 @@
           <a:p>
             <a:fld id="{2A68BB92-E678-1240-9DC0-E63EB63B185B}" type="datetimeFigureOut">
               <a:rPr lang="en-US" smtClean="0"/>
-              <a:t>2/17/26</a:t>
+              <a:t>2/20/26</a:t>
             </a:fld>
             <a:endParaRPr lang="en-US"/>
           </a:p>
@@ -1815,7 +1815,7 @@
           <a:p>
             <a:fld id="{2A68BB92-E678-1240-9DC0-E63EB63B185B}" type="datetimeFigureOut">
               <a:rPr lang="en-US" smtClean="0"/>
-              <a:t>2/17/26</a:t>
+              <a:t>2/20/26</a:t>
             </a:fld>
             <a:endParaRPr lang="en-US"/>
           </a:p>
@@ -1956,7 +1956,7 @@
           <a:p>
             <a:fld id="{2A68BB92-E678-1240-9DC0-E63EB63B185B}" type="datetimeFigureOut">
               <a:rPr lang="en-US" smtClean="0"/>
-              <a:t>2/17/26</a:t>
+              <a:t>2/20/26</a:t>
             </a:fld>
             <a:endParaRPr lang="en-US"/>
           </a:p>
@@ -2069,7 +2069,7 @@
           <a:p>
             <a:fld id="{2A68BB92-E678-1240-9DC0-E63EB63B185B}" type="datetimeFigureOut">
               <a:rPr lang="en-US" smtClean="0"/>
-              <a:t>2/17/26</a:t>
+              <a:t>2/20/26</a:t>
             </a:fld>
             <a:endParaRPr lang="en-US"/>
           </a:p>
@@ -2380,7 +2380,7 @@
           <a:p>
             <a:fld id="{2A68BB92-E678-1240-9DC0-E63EB63B185B}" type="datetimeFigureOut">
               <a:rPr lang="en-US" smtClean="0"/>
-              <a:t>2/17/26</a:t>
+              <a:t>2/20/26</a:t>
             </a:fld>
             <a:endParaRPr lang="en-US"/>
           </a:p>
@@ -2668,7 +2668,7 @@
           <a:p>
             <a:fld id="{2A68BB92-E678-1240-9DC0-E63EB63B185B}" type="datetimeFigureOut">
               <a:rPr lang="en-US" smtClean="0"/>
-              <a:t>2/17/26</a:t>
+              <a:t>2/20/26</a:t>
             </a:fld>
             <a:endParaRPr lang="en-US"/>
           </a:p>
@@ -2909,7 +2909,7 @@
           <a:p>
             <a:fld id="{2A68BB92-E678-1240-9DC0-E63EB63B185B}" type="datetimeFigureOut">
               <a:rPr lang="en-US" smtClean="0"/>
-              <a:t>2/17/26</a:t>
+              <a:t>2/20/26</a:t>
             </a:fld>
             <a:endParaRPr lang="en-US"/>
           </a:p>
@@ -3326,8 +3326,8 @@
           <a:chExt cx="0" cy="0"/>
         </a:xfrm>
       </p:grpSpPr>
-      <mc:AlternateContent xmlns:mc="http://schemas.openxmlformats.org/markup-compatibility/2006">
-        <mc:Choice xmlns:a14="http://schemas.microsoft.com/office/drawing/2010/main" Requires="a14">
+      <mc:AlternateContent xmlns:mc="http://schemas.openxmlformats.org/markup-compatibility/2006" xmlns:a14="http://schemas.microsoft.com/office/drawing/2010/main">
+        <mc:Choice Requires="a14">
           <p:sp>
             <p:nvSpPr>
               <p:cNvPr id="2" name="Oval 1">
@@ -3402,7 +3402,7 @@
             </p:txBody>
           </p:sp>
         </mc:Choice>
-        <mc:Fallback>
+        <mc:Fallback xmlns="">
           <p:sp>
             <p:nvSpPr>
               <p:cNvPr id="2" name="Oval 1">
@@ -3447,8 +3447,8 @@
           </p:sp>
         </mc:Fallback>
       </mc:AlternateContent>
-      <mc:AlternateContent xmlns:mc="http://schemas.openxmlformats.org/markup-compatibility/2006">
-        <mc:Choice xmlns:a14="http://schemas.microsoft.com/office/drawing/2010/main" Requires="a14">
+      <mc:AlternateContent xmlns:mc="http://schemas.openxmlformats.org/markup-compatibility/2006" xmlns:a14="http://schemas.microsoft.com/office/drawing/2010/main">
+        <mc:Choice Requires="a14">
           <p:sp>
             <p:nvSpPr>
               <p:cNvPr id="3" name="Oval 2">
@@ -3523,7 +3523,7 @@
             </p:txBody>
           </p:sp>
         </mc:Choice>
-        <mc:Fallback>
+        <mc:Fallback xmlns="">
           <p:sp>
             <p:nvSpPr>
               <p:cNvPr id="3" name="Oval 2">
@@ -3568,8 +3568,8 @@
           </p:sp>
         </mc:Fallback>
       </mc:AlternateContent>
-      <mc:AlternateContent xmlns:mc="http://schemas.openxmlformats.org/markup-compatibility/2006">
-        <mc:Choice xmlns:a14="http://schemas.microsoft.com/office/drawing/2010/main" Requires="a14">
+      <mc:AlternateContent xmlns:mc="http://schemas.openxmlformats.org/markup-compatibility/2006" xmlns:a14="http://schemas.microsoft.com/office/drawing/2010/main">
+        <mc:Choice Requires="a14">
           <p:sp>
             <p:nvSpPr>
               <p:cNvPr id="4" name="Oval 3">
@@ -3644,7 +3644,7 @@
             </p:txBody>
           </p:sp>
         </mc:Choice>
-        <mc:Fallback>
+        <mc:Fallback xmlns="">
           <p:sp>
             <p:nvSpPr>
               <p:cNvPr id="4" name="Oval 3">
@@ -3689,8 +3689,8 @@
           </p:sp>
         </mc:Fallback>
       </mc:AlternateContent>
-      <mc:AlternateContent xmlns:mc="http://schemas.openxmlformats.org/markup-compatibility/2006">
-        <mc:Choice xmlns:a14="http://schemas.microsoft.com/office/drawing/2010/main" Requires="a14">
+      <mc:AlternateContent xmlns:mc="http://schemas.openxmlformats.org/markup-compatibility/2006" xmlns:a14="http://schemas.microsoft.com/office/drawing/2010/main">
+        <mc:Choice Requires="a14">
           <p:sp>
             <p:nvSpPr>
               <p:cNvPr id="6" name="Oval 5">
@@ -3774,7 +3774,7 @@
             </p:txBody>
           </p:sp>
         </mc:Choice>
-        <mc:Fallback>
+        <mc:Fallback xmlns="">
           <p:sp>
             <p:nvSpPr>
               <p:cNvPr id="6" name="Oval 5">
@@ -3819,8 +3819,8 @@
           </p:sp>
         </mc:Fallback>
       </mc:AlternateContent>
-      <mc:AlternateContent xmlns:mc="http://schemas.openxmlformats.org/markup-compatibility/2006">
-        <mc:Choice xmlns:a14="http://schemas.microsoft.com/office/drawing/2010/main" Requires="a14">
+      <mc:AlternateContent xmlns:mc="http://schemas.openxmlformats.org/markup-compatibility/2006" xmlns:a14="http://schemas.microsoft.com/office/drawing/2010/main">
+        <mc:Choice Requires="a14">
           <p:sp>
             <p:nvSpPr>
               <p:cNvPr id="7" name="Oval 6">
@@ -3904,7 +3904,7 @@
             </p:txBody>
           </p:sp>
         </mc:Choice>
-        <mc:Fallback>
+        <mc:Fallback xmlns="">
           <p:sp>
             <p:nvSpPr>
               <p:cNvPr id="7" name="Oval 6">
@@ -3949,8 +3949,8 @@
           </p:sp>
         </mc:Fallback>
       </mc:AlternateContent>
-      <mc:AlternateContent xmlns:mc="http://schemas.openxmlformats.org/markup-compatibility/2006">
-        <mc:Choice xmlns:a14="http://schemas.microsoft.com/office/drawing/2010/main" Requires="a14">
+      <mc:AlternateContent xmlns:mc="http://schemas.openxmlformats.org/markup-compatibility/2006" xmlns:a14="http://schemas.microsoft.com/office/drawing/2010/main">
+        <mc:Choice Requires="a14">
           <p:sp>
             <p:nvSpPr>
               <p:cNvPr id="8" name="Oval 7">
@@ -4034,7 +4034,7 @@
             </p:txBody>
           </p:sp>
         </mc:Choice>
-        <mc:Fallback>
+        <mc:Fallback xmlns="">
           <p:sp>
             <p:nvSpPr>
               <p:cNvPr id="8" name="Oval 7">
@@ -4079,8 +4079,8 @@
           </p:sp>
         </mc:Fallback>
       </mc:AlternateContent>
-      <mc:AlternateContent xmlns:mc="http://schemas.openxmlformats.org/markup-compatibility/2006">
-        <mc:Choice xmlns:a14="http://schemas.microsoft.com/office/drawing/2010/main" Requires="a14">
+      <mc:AlternateContent xmlns:mc="http://schemas.openxmlformats.org/markup-compatibility/2006" xmlns:a14="http://schemas.microsoft.com/office/drawing/2010/main">
+        <mc:Choice Requires="a14">
           <p:sp>
             <p:nvSpPr>
               <p:cNvPr id="9" name="Oval 8">
@@ -4164,7 +4164,7 @@
             </p:txBody>
           </p:sp>
         </mc:Choice>
-        <mc:Fallback>
+        <mc:Fallback xmlns="">
           <p:sp>
             <p:nvSpPr>
               <p:cNvPr id="9" name="Oval 8">
@@ -4287,8 +4287,8 @@
           </a:fontRef>
         </p:style>
       </p:cxnSp>
-      <mc:AlternateContent xmlns:mc="http://schemas.openxmlformats.org/markup-compatibility/2006">
-        <mc:Choice xmlns:a14="http://schemas.microsoft.com/office/drawing/2010/main" Requires="a14">
+      <mc:AlternateContent xmlns:mc="http://schemas.openxmlformats.org/markup-compatibility/2006" xmlns:a14="http://schemas.microsoft.com/office/drawing/2010/main">
+        <mc:Choice Requires="a14">
           <p:sp>
             <p:nvSpPr>
               <p:cNvPr id="14" name="Oval 13">
@@ -4363,7 +4363,7 @@
             </p:txBody>
           </p:sp>
         </mc:Choice>
-        <mc:Fallback>
+        <mc:Fallback xmlns="">
           <p:sp>
             <p:nvSpPr>
               <p:cNvPr id="14" name="Oval 13">
@@ -4408,8 +4408,8 @@
           </p:sp>
         </mc:Fallback>
       </mc:AlternateContent>
-      <mc:AlternateContent xmlns:mc="http://schemas.openxmlformats.org/markup-compatibility/2006">
-        <mc:Choice xmlns:a14="http://schemas.microsoft.com/office/drawing/2010/main" Requires="a14">
+      <mc:AlternateContent xmlns:mc="http://schemas.openxmlformats.org/markup-compatibility/2006" xmlns:a14="http://schemas.microsoft.com/office/drawing/2010/main">
+        <mc:Choice Requires="a14">
           <p:sp>
             <p:nvSpPr>
               <p:cNvPr id="15" name="Oval 14">
@@ -4484,7 +4484,7 @@
             </p:txBody>
           </p:sp>
         </mc:Choice>
-        <mc:Fallback>
+        <mc:Fallback xmlns="">
           <p:sp>
             <p:nvSpPr>
               <p:cNvPr id="15" name="Oval 14">
@@ -4529,8 +4529,8 @@
           </p:sp>
         </mc:Fallback>
       </mc:AlternateContent>
-      <mc:AlternateContent xmlns:mc="http://schemas.openxmlformats.org/markup-compatibility/2006">
-        <mc:Choice xmlns:a14="http://schemas.microsoft.com/office/drawing/2010/main" Requires="a14">
+      <mc:AlternateContent xmlns:mc="http://schemas.openxmlformats.org/markup-compatibility/2006" xmlns:a14="http://schemas.microsoft.com/office/drawing/2010/main">
+        <mc:Choice Requires="a14">
           <p:sp>
             <p:nvSpPr>
               <p:cNvPr id="16" name="Oval 15">
@@ -4605,7 +4605,7 @@
             </p:txBody>
           </p:sp>
         </mc:Choice>
-        <mc:Fallback>
+        <mc:Fallback xmlns="">
           <p:sp>
             <p:nvSpPr>
               <p:cNvPr id="16" name="Oval 15">
@@ -4650,8 +4650,8 @@
           </p:sp>
         </mc:Fallback>
       </mc:AlternateContent>
-      <mc:AlternateContent xmlns:mc="http://schemas.openxmlformats.org/markup-compatibility/2006">
-        <mc:Choice xmlns:a14="http://schemas.microsoft.com/office/drawing/2010/main" Requires="a14">
+      <mc:AlternateContent xmlns:mc="http://schemas.openxmlformats.org/markup-compatibility/2006" xmlns:a14="http://schemas.microsoft.com/office/drawing/2010/main">
+        <mc:Choice Requires="a14">
           <p:sp>
             <p:nvSpPr>
               <p:cNvPr id="17" name="Oval 16">
@@ -4726,7 +4726,7 @@
             </p:txBody>
           </p:sp>
         </mc:Choice>
-        <mc:Fallback>
+        <mc:Fallback xmlns="">
           <p:sp>
             <p:nvSpPr>
               <p:cNvPr id="17" name="Oval 16">
@@ -4771,8 +4771,8 @@
           </p:sp>
         </mc:Fallback>
       </mc:AlternateContent>
-      <mc:AlternateContent xmlns:mc="http://schemas.openxmlformats.org/markup-compatibility/2006">
-        <mc:Choice xmlns:a14="http://schemas.microsoft.com/office/drawing/2010/main" Requires="a14">
+      <mc:AlternateContent xmlns:mc="http://schemas.openxmlformats.org/markup-compatibility/2006" xmlns:a14="http://schemas.microsoft.com/office/drawing/2010/main">
+        <mc:Choice Requires="a14">
           <p:sp>
             <p:nvSpPr>
               <p:cNvPr id="18" name="Oval 17">
@@ -4847,7 +4847,7 @@
             </p:txBody>
           </p:sp>
         </mc:Choice>
-        <mc:Fallback>
+        <mc:Fallback xmlns="">
           <p:sp>
             <p:nvSpPr>
               <p:cNvPr id="18" name="Oval 17">
@@ -4908,7 +4908,7 @@
             </p:nvSpPr>
             <p:spPr>
               <a:xfrm>
-                <a:off x="4676377" y="3580338"/>
+                <a:off x="4674331" y="3611581"/>
                 <a:ext cx="288758" cy="317633"/>
               </a:xfrm>
               <a:prstGeom prst="ellipse">
@@ -4985,7 +4985,7 @@
             </p:nvSpPr>
             <p:spPr>
               <a:xfrm>
-                <a:off x="4676377" y="3580338"/>
+                <a:off x="4674331" y="3611581"/>
                 <a:ext cx="288758" cy="317633"/>
               </a:xfrm>
               <a:prstGeom prst="ellipse">
@@ -5029,7 +5029,7 @@
             </p:nvSpPr>
             <p:spPr>
               <a:xfrm>
-                <a:off x="5174319" y="3594407"/>
+                <a:off x="5174319" y="3611581"/>
                 <a:ext cx="288758" cy="317633"/>
               </a:xfrm>
               <a:prstGeom prst="ellipse">
@@ -5106,7 +5106,7 @@
             </p:nvSpPr>
             <p:spPr>
               <a:xfrm>
-                <a:off x="5174319" y="3594407"/>
+                <a:off x="5174319" y="3611581"/>
                 <a:ext cx="288758" cy="317633"/>
               </a:xfrm>
               <a:prstGeom prst="ellipse">
@@ -5150,7 +5150,7 @@
             </p:nvSpPr>
             <p:spPr>
               <a:xfrm>
-                <a:off x="5685755" y="3580339"/>
+                <a:off x="5685755" y="3612322"/>
                 <a:ext cx="288758" cy="317633"/>
               </a:xfrm>
               <a:prstGeom prst="ellipse">
@@ -5227,7 +5227,7 @@
             </p:nvSpPr>
             <p:spPr>
               <a:xfrm>
-                <a:off x="5685755" y="3580339"/>
+                <a:off x="5685755" y="3612322"/>
                 <a:ext cx="288758" cy="317633"/>
               </a:xfrm>
               <a:prstGeom prst="ellipse">
@@ -5483,6 +5483,1518 @@
           </a:fontRef>
         </p:style>
       </p:cxnSp>
+      <p:cxnSp>
+        <p:nvCxnSpPr>
+          <p:cNvPr id="5" name="Straight Connector 4">
+            <a:extLst>
+              <a:ext uri="{FF2B5EF4-FFF2-40B4-BE49-F238E27FC236}">
+                <a16:creationId xmlns:a16="http://schemas.microsoft.com/office/drawing/2014/main" id="{F706D41E-6037-A7D3-B36A-6DA3CE0AB042}"/>
+              </a:ext>
+            </a:extLst>
+          </p:cNvPr>
+          <p:cNvCxnSpPr/>
+          <p:nvPr/>
+        </p:nvCxnSpPr>
+        <p:spPr>
+          <a:xfrm flipV="1">
+            <a:off x="3384258" y="2721063"/>
+            <a:ext cx="71512" cy="922286"/>
+          </a:xfrm>
+          <a:prstGeom prst="line">
+            <a:avLst/>
+          </a:prstGeom>
+        </p:spPr>
+        <p:style>
+          <a:lnRef idx="2">
+            <a:schemeClr val="accent1"/>
+          </a:lnRef>
+          <a:fillRef idx="0">
+            <a:schemeClr val="accent1"/>
+          </a:fillRef>
+          <a:effectRef idx="1">
+            <a:schemeClr val="accent1"/>
+          </a:effectRef>
+          <a:fontRef idx="minor">
+            <a:schemeClr val="tx1"/>
+          </a:fontRef>
+        </p:style>
+      </p:cxnSp>
+      <p:cxnSp>
+        <p:nvCxnSpPr>
+          <p:cNvPr id="10" name="Straight Connector 9">
+            <a:extLst>
+              <a:ext uri="{FF2B5EF4-FFF2-40B4-BE49-F238E27FC236}">
+                <a16:creationId xmlns:a16="http://schemas.microsoft.com/office/drawing/2014/main" id="{49966F22-8EE6-A0D4-FAFE-F1AC951AD1EF}"/>
+              </a:ext>
+            </a:extLst>
+          </p:cNvPr>
+          <p:cNvCxnSpPr/>
+          <p:nvPr/>
+        </p:nvCxnSpPr>
+        <p:spPr>
+          <a:xfrm flipV="1">
+            <a:off x="3275635" y="2713948"/>
+            <a:ext cx="0" cy="875770"/>
+          </a:xfrm>
+          <a:prstGeom prst="line">
+            <a:avLst/>
+          </a:prstGeom>
+        </p:spPr>
+        <p:style>
+          <a:lnRef idx="2">
+            <a:schemeClr val="accent1"/>
+          </a:lnRef>
+          <a:fillRef idx="0">
+            <a:schemeClr val="accent1"/>
+          </a:fillRef>
+          <a:effectRef idx="1">
+            <a:schemeClr val="accent1"/>
+          </a:effectRef>
+          <a:fontRef idx="minor">
+            <a:schemeClr val="tx1"/>
+          </a:fontRef>
+        </p:style>
+      </p:cxnSp>
+      <p:cxnSp>
+        <p:nvCxnSpPr>
+          <p:cNvPr id="12" name="Straight Connector 11">
+            <a:extLst>
+              <a:ext uri="{FF2B5EF4-FFF2-40B4-BE49-F238E27FC236}">
+                <a16:creationId xmlns:a16="http://schemas.microsoft.com/office/drawing/2014/main" id="{88A33829-BB15-BD02-5877-EF3F9EDD11BA}"/>
+              </a:ext>
+            </a:extLst>
+          </p:cNvPr>
+          <p:cNvCxnSpPr/>
+          <p:nvPr/>
+        </p:nvCxnSpPr>
+        <p:spPr>
+          <a:xfrm flipH="1" flipV="1">
+            <a:off x="3100122" y="2716191"/>
+            <a:ext cx="81713" cy="922286"/>
+          </a:xfrm>
+          <a:prstGeom prst="line">
+            <a:avLst/>
+          </a:prstGeom>
+        </p:spPr>
+        <p:style>
+          <a:lnRef idx="2">
+            <a:schemeClr val="accent1"/>
+          </a:lnRef>
+          <a:fillRef idx="0">
+            <a:schemeClr val="accent1"/>
+          </a:fillRef>
+          <a:effectRef idx="1">
+            <a:schemeClr val="accent1"/>
+          </a:effectRef>
+          <a:fontRef idx="minor">
+            <a:schemeClr val="tx1"/>
+          </a:fontRef>
+        </p:style>
+      </p:cxnSp>
+      <p:cxnSp>
+        <p:nvCxnSpPr>
+          <p:cNvPr id="22" name="Straight Connector 21">
+            <a:extLst>
+              <a:ext uri="{FF2B5EF4-FFF2-40B4-BE49-F238E27FC236}">
+                <a16:creationId xmlns:a16="http://schemas.microsoft.com/office/drawing/2014/main" id="{3E1A80D5-E06B-B2BA-FAB1-8D90BFFC3334}"/>
+              </a:ext>
+            </a:extLst>
+          </p:cNvPr>
+          <p:cNvCxnSpPr/>
+          <p:nvPr/>
+        </p:nvCxnSpPr>
+        <p:spPr>
+          <a:xfrm flipV="1">
+            <a:off x="3894827" y="2721063"/>
+            <a:ext cx="71512" cy="922286"/>
+          </a:xfrm>
+          <a:prstGeom prst="line">
+            <a:avLst/>
+          </a:prstGeom>
+        </p:spPr>
+        <p:style>
+          <a:lnRef idx="2">
+            <a:schemeClr val="accent1"/>
+          </a:lnRef>
+          <a:fillRef idx="0">
+            <a:schemeClr val="accent1"/>
+          </a:fillRef>
+          <a:effectRef idx="1">
+            <a:schemeClr val="accent1"/>
+          </a:effectRef>
+          <a:fontRef idx="minor">
+            <a:schemeClr val="tx1"/>
+          </a:fontRef>
+        </p:style>
+      </p:cxnSp>
+      <p:cxnSp>
+        <p:nvCxnSpPr>
+          <p:cNvPr id="24" name="Straight Connector 23">
+            <a:extLst>
+              <a:ext uri="{FF2B5EF4-FFF2-40B4-BE49-F238E27FC236}">
+                <a16:creationId xmlns:a16="http://schemas.microsoft.com/office/drawing/2014/main" id="{9060D3DB-F9AB-CB46-976A-5ED9A7F14597}"/>
+              </a:ext>
+            </a:extLst>
+          </p:cNvPr>
+          <p:cNvCxnSpPr/>
+          <p:nvPr/>
+        </p:nvCxnSpPr>
+        <p:spPr>
+          <a:xfrm flipV="1">
+            <a:off x="3788529" y="2713948"/>
+            <a:ext cx="0" cy="875770"/>
+          </a:xfrm>
+          <a:prstGeom prst="line">
+            <a:avLst/>
+          </a:prstGeom>
+        </p:spPr>
+        <p:style>
+          <a:lnRef idx="2">
+            <a:schemeClr val="accent1"/>
+          </a:lnRef>
+          <a:fillRef idx="0">
+            <a:schemeClr val="accent1"/>
+          </a:fillRef>
+          <a:effectRef idx="1">
+            <a:schemeClr val="accent1"/>
+          </a:effectRef>
+          <a:fontRef idx="minor">
+            <a:schemeClr val="tx1"/>
+          </a:fontRef>
+        </p:style>
+      </p:cxnSp>
+      <p:cxnSp>
+        <p:nvCxnSpPr>
+          <p:cNvPr id="26" name="Straight Connector 25">
+            <a:extLst>
+              <a:ext uri="{FF2B5EF4-FFF2-40B4-BE49-F238E27FC236}">
+                <a16:creationId xmlns:a16="http://schemas.microsoft.com/office/drawing/2014/main" id="{F9E8C987-1632-459F-C4C8-1F16FFF48B6B}"/>
+              </a:ext>
+            </a:extLst>
+          </p:cNvPr>
+          <p:cNvCxnSpPr/>
+          <p:nvPr/>
+        </p:nvCxnSpPr>
+        <p:spPr>
+          <a:xfrm flipH="1" flipV="1">
+            <a:off x="3625856" y="2729132"/>
+            <a:ext cx="81713" cy="922286"/>
+          </a:xfrm>
+          <a:prstGeom prst="line">
+            <a:avLst/>
+          </a:prstGeom>
+        </p:spPr>
+        <p:style>
+          <a:lnRef idx="2">
+            <a:schemeClr val="accent1"/>
+          </a:lnRef>
+          <a:fillRef idx="0">
+            <a:schemeClr val="accent1"/>
+          </a:fillRef>
+          <a:effectRef idx="1">
+            <a:schemeClr val="accent1"/>
+          </a:effectRef>
+          <a:fontRef idx="minor">
+            <a:schemeClr val="tx1"/>
+          </a:fontRef>
+        </p:style>
+      </p:cxnSp>
+      <p:cxnSp>
+        <p:nvCxnSpPr>
+          <p:cNvPr id="28" name="Straight Connector 27">
+            <a:extLst>
+              <a:ext uri="{FF2B5EF4-FFF2-40B4-BE49-F238E27FC236}">
+                <a16:creationId xmlns:a16="http://schemas.microsoft.com/office/drawing/2014/main" id="{EC3A500D-409A-6FB1-2813-5D3D1CD1C935}"/>
+              </a:ext>
+            </a:extLst>
+          </p:cNvPr>
+          <p:cNvCxnSpPr/>
+          <p:nvPr/>
+        </p:nvCxnSpPr>
+        <p:spPr>
+          <a:xfrm flipV="1">
+            <a:off x="4384170" y="2713948"/>
+            <a:ext cx="71512" cy="922286"/>
+          </a:xfrm>
+          <a:prstGeom prst="line">
+            <a:avLst/>
+          </a:prstGeom>
+        </p:spPr>
+        <p:style>
+          <a:lnRef idx="2">
+            <a:schemeClr val="accent1"/>
+          </a:lnRef>
+          <a:fillRef idx="0">
+            <a:schemeClr val="accent1"/>
+          </a:fillRef>
+          <a:effectRef idx="1">
+            <a:schemeClr val="accent1"/>
+          </a:effectRef>
+          <a:fontRef idx="minor">
+            <a:schemeClr val="tx1"/>
+          </a:fontRef>
+        </p:style>
+      </p:cxnSp>
+      <p:cxnSp>
+        <p:nvCxnSpPr>
+          <p:cNvPr id="30" name="Straight Connector 29">
+            <a:extLst>
+              <a:ext uri="{FF2B5EF4-FFF2-40B4-BE49-F238E27FC236}">
+                <a16:creationId xmlns:a16="http://schemas.microsoft.com/office/drawing/2014/main" id="{F5AB434A-A9E5-75CE-67BE-A387FD16A14B}"/>
+              </a:ext>
+            </a:extLst>
+          </p:cNvPr>
+          <p:cNvCxnSpPr/>
+          <p:nvPr/>
+        </p:nvCxnSpPr>
+        <p:spPr>
+          <a:xfrm flipV="1">
+            <a:off x="4890374" y="2721063"/>
+            <a:ext cx="71512" cy="922286"/>
+          </a:xfrm>
+          <a:prstGeom prst="line">
+            <a:avLst/>
+          </a:prstGeom>
+        </p:spPr>
+        <p:style>
+          <a:lnRef idx="2">
+            <a:schemeClr val="accent1"/>
+          </a:lnRef>
+          <a:fillRef idx="0">
+            <a:schemeClr val="accent1"/>
+          </a:fillRef>
+          <a:effectRef idx="1">
+            <a:schemeClr val="accent1"/>
+          </a:effectRef>
+          <a:fontRef idx="minor">
+            <a:schemeClr val="tx1"/>
+          </a:fontRef>
+        </p:style>
+      </p:cxnSp>
+      <p:cxnSp>
+        <p:nvCxnSpPr>
+          <p:cNvPr id="32" name="Straight Connector 31">
+            <a:extLst>
+              <a:ext uri="{FF2B5EF4-FFF2-40B4-BE49-F238E27FC236}">
+                <a16:creationId xmlns:a16="http://schemas.microsoft.com/office/drawing/2014/main" id="{487BA800-EC56-0044-7462-2489F9A6EBF0}"/>
+              </a:ext>
+            </a:extLst>
+          </p:cNvPr>
+          <p:cNvCxnSpPr/>
+          <p:nvPr/>
+        </p:nvCxnSpPr>
+        <p:spPr>
+          <a:xfrm flipV="1">
+            <a:off x="5391565" y="2722813"/>
+            <a:ext cx="71512" cy="922286"/>
+          </a:xfrm>
+          <a:prstGeom prst="line">
+            <a:avLst/>
+          </a:prstGeom>
+        </p:spPr>
+        <p:style>
+          <a:lnRef idx="2">
+            <a:schemeClr val="accent1"/>
+          </a:lnRef>
+          <a:fillRef idx="0">
+            <a:schemeClr val="accent1"/>
+          </a:fillRef>
+          <a:effectRef idx="1">
+            <a:schemeClr val="accent1"/>
+          </a:effectRef>
+          <a:fontRef idx="minor">
+            <a:schemeClr val="tx1"/>
+          </a:fontRef>
+        </p:style>
+      </p:cxnSp>
+      <p:cxnSp>
+        <p:nvCxnSpPr>
+          <p:cNvPr id="34" name="Straight Connector 33">
+            <a:extLst>
+              <a:ext uri="{FF2B5EF4-FFF2-40B4-BE49-F238E27FC236}">
+                <a16:creationId xmlns:a16="http://schemas.microsoft.com/office/drawing/2014/main" id="{520E6139-B932-7811-4AC0-C2A66DD10839}"/>
+              </a:ext>
+            </a:extLst>
+          </p:cNvPr>
+          <p:cNvCxnSpPr>
+            <a:cxnSpLocks/>
+          </p:cNvCxnSpPr>
+          <p:nvPr/>
+        </p:nvCxnSpPr>
+        <p:spPr>
+          <a:xfrm flipV="1">
+            <a:off x="5903001" y="2729132"/>
+            <a:ext cx="254576" cy="914217"/>
+          </a:xfrm>
+          <a:prstGeom prst="line">
+            <a:avLst/>
+          </a:prstGeom>
+        </p:spPr>
+        <p:style>
+          <a:lnRef idx="2">
+            <a:schemeClr val="accent1"/>
+          </a:lnRef>
+          <a:fillRef idx="0">
+            <a:schemeClr val="accent1"/>
+          </a:fillRef>
+          <a:effectRef idx="1">
+            <a:schemeClr val="accent1"/>
+          </a:effectRef>
+          <a:fontRef idx="minor">
+            <a:schemeClr val="tx1"/>
+          </a:fontRef>
+        </p:style>
+      </p:cxnSp>
+      <p:cxnSp>
+        <p:nvCxnSpPr>
+          <p:cNvPr id="35" name="Straight Connector 34">
+            <a:extLst>
+              <a:ext uri="{FF2B5EF4-FFF2-40B4-BE49-F238E27FC236}">
+                <a16:creationId xmlns:a16="http://schemas.microsoft.com/office/drawing/2014/main" id="{DEE90164-CBF6-5D85-EC45-3A291A67550F}"/>
+              </a:ext>
+            </a:extLst>
+          </p:cNvPr>
+          <p:cNvCxnSpPr/>
+          <p:nvPr/>
+        </p:nvCxnSpPr>
+        <p:spPr>
+          <a:xfrm flipV="1">
+            <a:off x="4289926" y="2721063"/>
+            <a:ext cx="0" cy="875770"/>
+          </a:xfrm>
+          <a:prstGeom prst="line">
+            <a:avLst/>
+          </a:prstGeom>
+        </p:spPr>
+        <p:style>
+          <a:lnRef idx="2">
+            <a:schemeClr val="accent1"/>
+          </a:lnRef>
+          <a:fillRef idx="0">
+            <a:schemeClr val="accent1"/>
+          </a:fillRef>
+          <a:effectRef idx="1">
+            <a:schemeClr val="accent1"/>
+          </a:effectRef>
+          <a:fontRef idx="minor">
+            <a:schemeClr val="tx1"/>
+          </a:fontRef>
+        </p:style>
+      </p:cxnSp>
+      <p:cxnSp>
+        <p:nvCxnSpPr>
+          <p:cNvPr id="36" name="Straight Connector 35">
+            <a:extLst>
+              <a:ext uri="{FF2B5EF4-FFF2-40B4-BE49-F238E27FC236}">
+                <a16:creationId xmlns:a16="http://schemas.microsoft.com/office/drawing/2014/main" id="{5E622361-F39F-8BC0-C713-E4A954E6934B}"/>
+              </a:ext>
+            </a:extLst>
+          </p:cNvPr>
+          <p:cNvCxnSpPr/>
+          <p:nvPr/>
+        </p:nvCxnSpPr>
+        <p:spPr>
+          <a:xfrm flipV="1">
+            <a:off x="4815593" y="2729132"/>
+            <a:ext cx="0" cy="875770"/>
+          </a:xfrm>
+          <a:prstGeom prst="line">
+            <a:avLst/>
+          </a:prstGeom>
+        </p:spPr>
+        <p:style>
+          <a:lnRef idx="2">
+            <a:schemeClr val="accent1"/>
+          </a:lnRef>
+          <a:fillRef idx="0">
+            <a:schemeClr val="accent1"/>
+          </a:fillRef>
+          <a:effectRef idx="1">
+            <a:schemeClr val="accent1"/>
+          </a:effectRef>
+          <a:fontRef idx="minor">
+            <a:schemeClr val="tx1"/>
+          </a:fontRef>
+        </p:style>
+      </p:cxnSp>
+      <p:cxnSp>
+        <p:nvCxnSpPr>
+          <p:cNvPr id="37" name="Straight Connector 36">
+            <a:extLst>
+              <a:ext uri="{FF2B5EF4-FFF2-40B4-BE49-F238E27FC236}">
+                <a16:creationId xmlns:a16="http://schemas.microsoft.com/office/drawing/2014/main" id="{852F10DE-6AC5-A5A8-C815-BFC35C2A8DB4}"/>
+              </a:ext>
+            </a:extLst>
+          </p:cNvPr>
+          <p:cNvCxnSpPr/>
+          <p:nvPr/>
+        </p:nvCxnSpPr>
+        <p:spPr>
+          <a:xfrm flipV="1">
+            <a:off x="5318698" y="2729132"/>
+            <a:ext cx="0" cy="875770"/>
+          </a:xfrm>
+          <a:prstGeom prst="line">
+            <a:avLst/>
+          </a:prstGeom>
+        </p:spPr>
+        <p:style>
+          <a:lnRef idx="2">
+            <a:schemeClr val="accent1"/>
+          </a:lnRef>
+          <a:fillRef idx="0">
+            <a:schemeClr val="accent1"/>
+          </a:fillRef>
+          <a:effectRef idx="1">
+            <a:schemeClr val="accent1"/>
+          </a:effectRef>
+          <a:fontRef idx="minor">
+            <a:schemeClr val="tx1"/>
+          </a:fontRef>
+        </p:style>
+      </p:cxnSp>
+      <p:cxnSp>
+        <p:nvCxnSpPr>
+          <p:cNvPr id="38" name="Straight Connector 37">
+            <a:extLst>
+              <a:ext uri="{FF2B5EF4-FFF2-40B4-BE49-F238E27FC236}">
+                <a16:creationId xmlns:a16="http://schemas.microsoft.com/office/drawing/2014/main" id="{2B4091E2-42AA-B25E-735A-58D0E283D9F1}"/>
+              </a:ext>
+            </a:extLst>
+          </p:cNvPr>
+          <p:cNvCxnSpPr>
+            <a:cxnSpLocks/>
+          </p:cNvCxnSpPr>
+          <p:nvPr/>
+        </p:nvCxnSpPr>
+        <p:spPr>
+          <a:xfrm flipV="1">
+            <a:off x="5830134" y="2729132"/>
+            <a:ext cx="72867" cy="875770"/>
+          </a:xfrm>
+          <a:prstGeom prst="line">
+            <a:avLst/>
+          </a:prstGeom>
+        </p:spPr>
+        <p:style>
+          <a:lnRef idx="2">
+            <a:schemeClr val="accent1"/>
+          </a:lnRef>
+          <a:fillRef idx="0">
+            <a:schemeClr val="accent1"/>
+          </a:fillRef>
+          <a:effectRef idx="1">
+            <a:schemeClr val="accent1"/>
+          </a:effectRef>
+          <a:fontRef idx="minor">
+            <a:schemeClr val="tx1"/>
+          </a:fontRef>
+        </p:style>
+      </p:cxnSp>
+      <p:cxnSp>
+        <p:nvCxnSpPr>
+          <p:cNvPr id="39" name="Straight Connector 38">
+            <a:extLst>
+              <a:ext uri="{FF2B5EF4-FFF2-40B4-BE49-F238E27FC236}">
+                <a16:creationId xmlns:a16="http://schemas.microsoft.com/office/drawing/2014/main" id="{160A43ED-8869-679B-B6D1-320B3E5D2763}"/>
+              </a:ext>
+            </a:extLst>
+          </p:cNvPr>
+          <p:cNvCxnSpPr/>
+          <p:nvPr/>
+        </p:nvCxnSpPr>
+        <p:spPr>
+          <a:xfrm flipH="1" flipV="1">
+            <a:off x="4110421" y="2713948"/>
+            <a:ext cx="81713" cy="922286"/>
+          </a:xfrm>
+          <a:prstGeom prst="line">
+            <a:avLst/>
+          </a:prstGeom>
+        </p:spPr>
+        <p:style>
+          <a:lnRef idx="2">
+            <a:schemeClr val="accent1"/>
+          </a:lnRef>
+          <a:fillRef idx="0">
+            <a:schemeClr val="accent1"/>
+          </a:fillRef>
+          <a:effectRef idx="1">
+            <a:schemeClr val="accent1"/>
+          </a:effectRef>
+          <a:fontRef idx="minor">
+            <a:schemeClr val="tx1"/>
+          </a:fontRef>
+        </p:style>
+      </p:cxnSp>
+      <p:cxnSp>
+        <p:nvCxnSpPr>
+          <p:cNvPr id="40" name="Straight Connector 39">
+            <a:extLst>
+              <a:ext uri="{FF2B5EF4-FFF2-40B4-BE49-F238E27FC236}">
+                <a16:creationId xmlns:a16="http://schemas.microsoft.com/office/drawing/2014/main" id="{9A4F5663-A153-4A93-5236-CA4A54B3CB88}"/>
+              </a:ext>
+            </a:extLst>
+          </p:cNvPr>
+          <p:cNvCxnSpPr/>
+          <p:nvPr/>
+        </p:nvCxnSpPr>
+        <p:spPr>
+          <a:xfrm flipH="1" flipV="1">
+            <a:off x="4644055" y="2721063"/>
+            <a:ext cx="81713" cy="922286"/>
+          </a:xfrm>
+          <a:prstGeom prst="line">
+            <a:avLst/>
+          </a:prstGeom>
+        </p:spPr>
+        <p:style>
+          <a:lnRef idx="2">
+            <a:schemeClr val="accent1"/>
+          </a:lnRef>
+          <a:fillRef idx="0">
+            <a:schemeClr val="accent1"/>
+          </a:fillRef>
+          <a:effectRef idx="1">
+            <a:schemeClr val="accent1"/>
+          </a:effectRef>
+          <a:fontRef idx="minor">
+            <a:schemeClr val="tx1"/>
+          </a:fontRef>
+        </p:style>
+      </p:cxnSp>
+      <p:cxnSp>
+        <p:nvCxnSpPr>
+          <p:cNvPr id="41" name="Straight Connector 40">
+            <a:extLst>
+              <a:ext uri="{FF2B5EF4-FFF2-40B4-BE49-F238E27FC236}">
+                <a16:creationId xmlns:a16="http://schemas.microsoft.com/office/drawing/2014/main" id="{D66B2CE6-27EC-B86B-CC7C-1542B34610BF}"/>
+              </a:ext>
+            </a:extLst>
+          </p:cNvPr>
+          <p:cNvCxnSpPr/>
+          <p:nvPr/>
+        </p:nvCxnSpPr>
+        <p:spPr>
+          <a:xfrm flipH="1" flipV="1">
+            <a:off x="5154244" y="2729132"/>
+            <a:ext cx="81713" cy="922286"/>
+          </a:xfrm>
+          <a:prstGeom prst="line">
+            <a:avLst/>
+          </a:prstGeom>
+        </p:spPr>
+        <p:style>
+          <a:lnRef idx="2">
+            <a:schemeClr val="accent1"/>
+          </a:lnRef>
+          <a:fillRef idx="0">
+            <a:schemeClr val="accent1"/>
+          </a:fillRef>
+          <a:effectRef idx="1">
+            <a:schemeClr val="accent1"/>
+          </a:effectRef>
+          <a:fontRef idx="minor">
+            <a:schemeClr val="tx1"/>
+          </a:fontRef>
+        </p:style>
+      </p:cxnSp>
+      <p:cxnSp>
+        <p:nvCxnSpPr>
+          <p:cNvPr id="42" name="Straight Connector 41">
+            <a:extLst>
+              <a:ext uri="{FF2B5EF4-FFF2-40B4-BE49-F238E27FC236}">
+                <a16:creationId xmlns:a16="http://schemas.microsoft.com/office/drawing/2014/main" id="{4B33DDC5-F109-60EF-73F2-D6E5EEBF8104}"/>
+              </a:ext>
+            </a:extLst>
+          </p:cNvPr>
+          <p:cNvCxnSpPr/>
+          <p:nvPr/>
+        </p:nvCxnSpPr>
+        <p:spPr>
+          <a:xfrm flipH="1" flipV="1">
+            <a:off x="5656386" y="2721063"/>
+            <a:ext cx="81713" cy="922286"/>
+          </a:xfrm>
+          <a:prstGeom prst="line">
+            <a:avLst/>
+          </a:prstGeom>
+        </p:spPr>
+        <p:style>
+          <a:lnRef idx="2">
+            <a:schemeClr val="accent1"/>
+          </a:lnRef>
+          <a:fillRef idx="0">
+            <a:schemeClr val="accent1"/>
+          </a:fillRef>
+          <a:effectRef idx="1">
+            <a:schemeClr val="accent1"/>
+          </a:effectRef>
+          <a:fontRef idx="minor">
+            <a:schemeClr val="tx1"/>
+          </a:fontRef>
+        </p:style>
+      </p:cxnSp>
+      <mc:AlternateContent xmlns:mc="http://schemas.openxmlformats.org/markup-compatibility/2006">
+        <mc:Choice xmlns:a14="http://schemas.microsoft.com/office/drawing/2010/main" Requires="a14">
+          <p:sp>
+            <p:nvSpPr>
+              <p:cNvPr id="45" name="TextBox 44">
+                <a:extLst>
+                  <a:ext uri="{FF2B5EF4-FFF2-40B4-BE49-F238E27FC236}">
+                    <a16:creationId xmlns:a16="http://schemas.microsoft.com/office/drawing/2014/main" id="{2E47D999-8D88-BBF1-CDCE-871EAFF7EFB0}"/>
+                  </a:ext>
+                </a:extLst>
+              </p:cNvPr>
+              <p:cNvSpPr txBox="1"/>
+              <p:nvPr/>
+            </p:nvSpPr>
+            <p:spPr>
+              <a:xfrm>
+                <a:off x="1722782" y="2551031"/>
+                <a:ext cx="274434" cy="230832"/>
+              </a:xfrm>
+              <a:prstGeom prst="rect">
+                <a:avLst/>
+              </a:prstGeom>
+              <a:noFill/>
+            </p:spPr>
+            <p:txBody>
+              <a:bodyPr wrap="none" rtlCol="0">
+                <a:spAutoFit/>
+              </a:bodyPr>
+              <a:lstStyle/>
+              <a:p>
+                <a14:m>
+                  <m:oMathPara xmlns:m="http://schemas.openxmlformats.org/officeDocument/2006/math">
+                    <m:oMathParaPr>
+                      <m:jc m:val="centerGroup"/>
+                    </m:oMathParaPr>
+                    <m:oMath xmlns:m="http://schemas.openxmlformats.org/officeDocument/2006/math">
+                      <m:r>
+                        <a:rPr lang="en-US" sz="900" i="1" dirty="0" smtClean="0">
+                          <a:latin typeface="Cambria Math" panose="02040503050406030204" pitchFamily="18" charset="0"/>
+                        </a:rPr>
+                        <m:t>9</m:t>
+                      </m:r>
+                    </m:oMath>
+                  </m:oMathPara>
+                </a14:m>
+              </a:p>
+            </p:txBody>
+          </p:sp>
+        </mc:Choice>
+        <mc:Fallback>
+          <p:sp>
+            <p:nvSpPr>
+              <p:cNvPr id="45" name="TextBox 44">
+                <a:extLst>
+                  <a:ext uri="{FF2B5EF4-FFF2-40B4-BE49-F238E27FC236}">
+                    <a16:creationId xmlns:a16="http://schemas.microsoft.com/office/drawing/2014/main" id="{2E47D999-8D88-BBF1-CDCE-871EAFF7EFB0}"/>
+                  </a:ext>
+                </a:extLst>
+              </p:cNvPr>
+              <p:cNvSpPr txBox="1">
+                <a:spLocks noRot="1" noChangeAspect="1" noMove="1" noResize="1" noEditPoints="1" noAdjustHandles="1" noChangeArrowheads="1" noChangeShapeType="1" noTextEdit="1"/>
+              </p:cNvSpPr>
+              <p:nvPr/>
+            </p:nvSpPr>
+            <p:spPr>
+              <a:xfrm>
+                <a:off x="1722782" y="2551031"/>
+                <a:ext cx="274434" cy="230832"/>
+              </a:xfrm>
+              <a:prstGeom prst="rect">
+                <a:avLst/>
+              </a:prstGeom>
+              <a:blipFill>
+                <a:blip r:embed="rId17"/>
+                <a:stretch>
+                  <a:fillRect b="-10526"/>
+                </a:stretch>
+              </a:blipFill>
+            </p:spPr>
+            <p:txBody>
+              <a:bodyPr/>
+              <a:lstStyle/>
+              <a:p>
+                <a:r>
+                  <a:rPr lang="en-US">
+                    <a:noFill/>
+                  </a:rPr>
+                  <a:t> </a:t>
+                </a:r>
+              </a:p>
+            </p:txBody>
+          </p:sp>
+        </mc:Fallback>
+      </mc:AlternateContent>
+      <mc:AlternateContent xmlns:mc="http://schemas.openxmlformats.org/markup-compatibility/2006">
+        <mc:Choice xmlns:a14="http://schemas.microsoft.com/office/drawing/2010/main" Requires="a14">
+          <p:sp>
+            <p:nvSpPr>
+              <p:cNvPr id="46" name="TextBox 45">
+                <a:extLst>
+                  <a:ext uri="{FF2B5EF4-FFF2-40B4-BE49-F238E27FC236}">
+                    <a16:creationId xmlns:a16="http://schemas.microsoft.com/office/drawing/2014/main" id="{8293F00B-EEF2-C7F4-8805-F7ADEAE51A9F}"/>
+                  </a:ext>
+                </a:extLst>
+              </p:cNvPr>
+              <p:cNvSpPr txBox="1"/>
+              <p:nvPr/>
+            </p:nvSpPr>
+            <p:spPr>
+              <a:xfrm>
+                <a:off x="2030040" y="2551031"/>
+                <a:ext cx="274434" cy="230832"/>
+              </a:xfrm>
+              <a:prstGeom prst="rect">
+                <a:avLst/>
+              </a:prstGeom>
+              <a:noFill/>
+            </p:spPr>
+            <p:txBody>
+              <a:bodyPr wrap="none" rtlCol="0">
+                <a:spAutoFit/>
+              </a:bodyPr>
+              <a:lstStyle/>
+              <a:p>
+                <a14:m>
+                  <m:oMathPara xmlns:m="http://schemas.openxmlformats.org/officeDocument/2006/math">
+                    <m:oMathParaPr>
+                      <m:jc m:val="centerGroup"/>
+                    </m:oMathParaPr>
+                    <m:oMath xmlns:m="http://schemas.openxmlformats.org/officeDocument/2006/math">
+                      <m:r>
+                        <a:rPr lang="en-US" sz="900" b="0" i="1" dirty="0" smtClean="0">
+                          <a:latin typeface="Cambria Math" panose="02040503050406030204" pitchFamily="18" charset="0"/>
+                        </a:rPr>
+                        <m:t>8</m:t>
+                      </m:r>
+                    </m:oMath>
+                  </m:oMathPara>
+                </a14:m>
+              </a:p>
+            </p:txBody>
+          </p:sp>
+        </mc:Choice>
+        <mc:Fallback>
+          <p:sp>
+            <p:nvSpPr>
+              <p:cNvPr id="46" name="TextBox 45">
+                <a:extLst>
+                  <a:ext uri="{FF2B5EF4-FFF2-40B4-BE49-F238E27FC236}">
+                    <a16:creationId xmlns:a16="http://schemas.microsoft.com/office/drawing/2014/main" id="{8293F00B-EEF2-C7F4-8805-F7ADEAE51A9F}"/>
+                  </a:ext>
+                </a:extLst>
+              </p:cNvPr>
+              <p:cNvSpPr txBox="1">
+                <a:spLocks noRot="1" noChangeAspect="1" noMove="1" noResize="1" noEditPoints="1" noAdjustHandles="1" noChangeArrowheads="1" noChangeShapeType="1" noTextEdit="1"/>
+              </p:cNvSpPr>
+              <p:nvPr/>
+            </p:nvSpPr>
+            <p:spPr>
+              <a:xfrm>
+                <a:off x="2030040" y="2551031"/>
+                <a:ext cx="274434" cy="230832"/>
+              </a:xfrm>
+              <a:prstGeom prst="rect">
+                <a:avLst/>
+              </a:prstGeom>
+              <a:blipFill>
+                <a:blip r:embed="rId18"/>
+                <a:stretch>
+                  <a:fillRect b="-10526"/>
+                </a:stretch>
+              </a:blipFill>
+            </p:spPr>
+            <p:txBody>
+              <a:bodyPr/>
+              <a:lstStyle/>
+              <a:p>
+                <a:r>
+                  <a:rPr lang="en-US">
+                    <a:noFill/>
+                  </a:rPr>
+                  <a:t> </a:t>
+                </a:r>
+              </a:p>
+            </p:txBody>
+          </p:sp>
+        </mc:Fallback>
+      </mc:AlternateContent>
+      <mc:AlternateContent xmlns:mc="http://schemas.openxmlformats.org/markup-compatibility/2006">
+        <mc:Choice xmlns:a14="http://schemas.microsoft.com/office/drawing/2010/main" Requires="a14">
+          <p:sp>
+            <p:nvSpPr>
+              <p:cNvPr id="47" name="TextBox 46">
+                <a:extLst>
+                  <a:ext uri="{FF2B5EF4-FFF2-40B4-BE49-F238E27FC236}">
+                    <a16:creationId xmlns:a16="http://schemas.microsoft.com/office/drawing/2014/main" id="{A8DAC37C-952D-1C3A-2589-BDF620BEF2E1}"/>
+                  </a:ext>
+                </a:extLst>
+              </p:cNvPr>
+              <p:cNvSpPr txBox="1"/>
+              <p:nvPr/>
+            </p:nvSpPr>
+            <p:spPr>
+              <a:xfrm>
+                <a:off x="6824353" y="3327070"/>
+                <a:ext cx="274434" cy="230832"/>
+              </a:xfrm>
+              <a:prstGeom prst="rect">
+                <a:avLst/>
+              </a:prstGeom>
+              <a:noFill/>
+            </p:spPr>
+            <p:txBody>
+              <a:bodyPr wrap="none" rtlCol="0">
+                <a:spAutoFit/>
+              </a:bodyPr>
+              <a:lstStyle/>
+              <a:p>
+                <a14:m>
+                  <m:oMathPara xmlns:m="http://schemas.openxmlformats.org/officeDocument/2006/math">
+                    <m:oMathParaPr>
+                      <m:jc m:val="centerGroup"/>
+                    </m:oMathParaPr>
+                    <m:oMath xmlns:m="http://schemas.openxmlformats.org/officeDocument/2006/math">
+                      <m:r>
+                        <a:rPr lang="en-US" sz="900" i="1" dirty="0" smtClean="0">
+                          <a:latin typeface="Cambria Math" panose="02040503050406030204" pitchFamily="18" charset="0"/>
+                        </a:rPr>
+                        <m:t>9</m:t>
+                      </m:r>
+                    </m:oMath>
+                  </m:oMathPara>
+                </a14:m>
+              </a:p>
+            </p:txBody>
+          </p:sp>
+        </mc:Choice>
+        <mc:Fallback>
+          <p:sp>
+            <p:nvSpPr>
+              <p:cNvPr id="47" name="TextBox 46">
+                <a:extLst>
+                  <a:ext uri="{FF2B5EF4-FFF2-40B4-BE49-F238E27FC236}">
+                    <a16:creationId xmlns:a16="http://schemas.microsoft.com/office/drawing/2014/main" id="{A8DAC37C-952D-1C3A-2589-BDF620BEF2E1}"/>
+                  </a:ext>
+                </a:extLst>
+              </p:cNvPr>
+              <p:cNvSpPr txBox="1">
+                <a:spLocks noRot="1" noChangeAspect="1" noMove="1" noResize="1" noEditPoints="1" noAdjustHandles="1" noChangeArrowheads="1" noChangeShapeType="1" noTextEdit="1"/>
+              </p:cNvSpPr>
+              <p:nvPr/>
+            </p:nvSpPr>
+            <p:spPr>
+              <a:xfrm>
+                <a:off x="6824353" y="3327070"/>
+                <a:ext cx="274434" cy="230832"/>
+              </a:xfrm>
+              <a:prstGeom prst="rect">
+                <a:avLst/>
+              </a:prstGeom>
+              <a:blipFill>
+                <a:blip r:embed="rId19"/>
+                <a:stretch>
+                  <a:fillRect b="-5263"/>
+                </a:stretch>
+              </a:blipFill>
+            </p:spPr>
+            <p:txBody>
+              <a:bodyPr/>
+              <a:lstStyle/>
+              <a:p>
+                <a:r>
+                  <a:rPr lang="en-US">
+                    <a:noFill/>
+                  </a:rPr>
+                  <a:t> </a:t>
+                </a:r>
+              </a:p>
+            </p:txBody>
+          </p:sp>
+        </mc:Fallback>
+      </mc:AlternateContent>
+      <mc:AlternateContent xmlns:mc="http://schemas.openxmlformats.org/markup-compatibility/2006">
+        <mc:Choice xmlns:a14="http://schemas.microsoft.com/office/drawing/2010/main" Requires="a14">
+          <p:sp>
+            <p:nvSpPr>
+              <p:cNvPr id="48" name="TextBox 47">
+                <a:extLst>
+                  <a:ext uri="{FF2B5EF4-FFF2-40B4-BE49-F238E27FC236}">
+                    <a16:creationId xmlns:a16="http://schemas.microsoft.com/office/drawing/2014/main" id="{98A00531-1428-3A06-7A8C-C33D6F860E99}"/>
+                  </a:ext>
+                </a:extLst>
+              </p:cNvPr>
+              <p:cNvSpPr txBox="1"/>
+              <p:nvPr/>
+            </p:nvSpPr>
+            <p:spPr>
+              <a:xfrm>
+                <a:off x="2274500" y="2551031"/>
+                <a:ext cx="274434" cy="230832"/>
+              </a:xfrm>
+              <a:prstGeom prst="rect">
+                <a:avLst/>
+              </a:prstGeom>
+              <a:noFill/>
+            </p:spPr>
+            <p:txBody>
+              <a:bodyPr wrap="none" rtlCol="0">
+                <a:spAutoFit/>
+              </a:bodyPr>
+              <a:lstStyle/>
+              <a:p>
+                <a14:m>
+                  <m:oMathPara xmlns:m="http://schemas.openxmlformats.org/officeDocument/2006/math">
+                    <m:oMathParaPr>
+                      <m:jc m:val="centerGroup"/>
+                    </m:oMathParaPr>
+                    <m:oMath xmlns:m="http://schemas.openxmlformats.org/officeDocument/2006/math">
+                      <m:r>
+                        <a:rPr lang="en-US" sz="900" b="0" i="1" dirty="0" smtClean="0">
+                          <a:latin typeface="Cambria Math" panose="02040503050406030204" pitchFamily="18" charset="0"/>
+                        </a:rPr>
+                        <m:t>7</m:t>
+                      </m:r>
+                    </m:oMath>
+                  </m:oMathPara>
+                </a14:m>
+              </a:p>
+            </p:txBody>
+          </p:sp>
+        </mc:Choice>
+        <mc:Fallback>
+          <p:sp>
+            <p:nvSpPr>
+              <p:cNvPr id="48" name="TextBox 47">
+                <a:extLst>
+                  <a:ext uri="{FF2B5EF4-FFF2-40B4-BE49-F238E27FC236}">
+                    <a16:creationId xmlns:a16="http://schemas.microsoft.com/office/drawing/2014/main" id="{98A00531-1428-3A06-7A8C-C33D6F860E99}"/>
+                  </a:ext>
+                </a:extLst>
+              </p:cNvPr>
+              <p:cNvSpPr txBox="1">
+                <a:spLocks noRot="1" noChangeAspect="1" noMove="1" noResize="1" noEditPoints="1" noAdjustHandles="1" noChangeArrowheads="1" noChangeShapeType="1" noTextEdit="1"/>
+              </p:cNvSpPr>
+              <p:nvPr/>
+            </p:nvSpPr>
+            <p:spPr>
+              <a:xfrm>
+                <a:off x="2274500" y="2551031"/>
+                <a:ext cx="274434" cy="230832"/>
+              </a:xfrm>
+              <a:prstGeom prst="rect">
+                <a:avLst/>
+              </a:prstGeom>
+              <a:blipFill>
+                <a:blip r:embed="rId20"/>
+                <a:stretch>
+                  <a:fillRect b="-10526"/>
+                </a:stretch>
+              </a:blipFill>
+            </p:spPr>
+            <p:txBody>
+              <a:bodyPr/>
+              <a:lstStyle/>
+              <a:p>
+                <a:r>
+                  <a:rPr lang="en-US">
+                    <a:noFill/>
+                  </a:rPr>
+                  <a:t> </a:t>
+                </a:r>
+              </a:p>
+            </p:txBody>
+          </p:sp>
+        </mc:Fallback>
+      </mc:AlternateContent>
+      <mc:AlternateContent xmlns:mc="http://schemas.openxmlformats.org/markup-compatibility/2006">
+        <mc:Choice xmlns:a14="http://schemas.microsoft.com/office/drawing/2010/main" Requires="a14">
+          <p:sp>
+            <p:nvSpPr>
+              <p:cNvPr id="49" name="TextBox 48">
+                <a:extLst>
+                  <a:ext uri="{FF2B5EF4-FFF2-40B4-BE49-F238E27FC236}">
+                    <a16:creationId xmlns:a16="http://schemas.microsoft.com/office/drawing/2014/main" id="{3ED23F9A-E888-D249-409F-7CC8E0EE6FD3}"/>
+                  </a:ext>
+                </a:extLst>
+              </p:cNvPr>
+              <p:cNvSpPr txBox="1"/>
+              <p:nvPr/>
+            </p:nvSpPr>
+            <p:spPr>
+              <a:xfrm>
+                <a:off x="6976753" y="3479470"/>
+                <a:ext cx="274434" cy="230832"/>
+              </a:xfrm>
+              <a:prstGeom prst="rect">
+                <a:avLst/>
+              </a:prstGeom>
+              <a:noFill/>
+            </p:spPr>
+            <p:txBody>
+              <a:bodyPr wrap="none" rtlCol="0">
+                <a:spAutoFit/>
+              </a:bodyPr>
+              <a:lstStyle/>
+              <a:p>
+                <a14:m>
+                  <m:oMathPara xmlns:m="http://schemas.openxmlformats.org/officeDocument/2006/math">
+                    <m:oMathParaPr>
+                      <m:jc m:val="centerGroup"/>
+                    </m:oMathParaPr>
+                    <m:oMath xmlns:m="http://schemas.openxmlformats.org/officeDocument/2006/math">
+                      <m:r>
+                        <a:rPr lang="en-US" sz="900" b="0" i="1" dirty="0" smtClean="0">
+                          <a:latin typeface="Cambria Math" panose="02040503050406030204" pitchFamily="18" charset="0"/>
+                        </a:rPr>
+                        <m:t>8</m:t>
+                      </m:r>
+                    </m:oMath>
+                  </m:oMathPara>
+                </a14:m>
+              </a:p>
+            </p:txBody>
+          </p:sp>
+        </mc:Choice>
+        <mc:Fallback>
+          <p:sp>
+            <p:nvSpPr>
+              <p:cNvPr id="49" name="TextBox 48">
+                <a:extLst>
+                  <a:ext uri="{FF2B5EF4-FFF2-40B4-BE49-F238E27FC236}">
+                    <a16:creationId xmlns:a16="http://schemas.microsoft.com/office/drawing/2014/main" id="{3ED23F9A-E888-D249-409F-7CC8E0EE6FD3}"/>
+                  </a:ext>
+                </a:extLst>
+              </p:cNvPr>
+              <p:cNvSpPr txBox="1">
+                <a:spLocks noRot="1" noChangeAspect="1" noMove="1" noResize="1" noEditPoints="1" noAdjustHandles="1" noChangeArrowheads="1" noChangeShapeType="1" noTextEdit="1"/>
+              </p:cNvSpPr>
+              <p:nvPr/>
+            </p:nvSpPr>
+            <p:spPr>
+              <a:xfrm>
+                <a:off x="6976753" y="3479470"/>
+                <a:ext cx="274434" cy="230832"/>
+              </a:xfrm>
+              <a:prstGeom prst="rect">
+                <a:avLst/>
+              </a:prstGeom>
+              <a:blipFill>
+                <a:blip r:embed="rId21"/>
+                <a:stretch>
+                  <a:fillRect b="-5263"/>
+                </a:stretch>
+              </a:blipFill>
+            </p:spPr>
+            <p:txBody>
+              <a:bodyPr/>
+              <a:lstStyle/>
+              <a:p>
+                <a:r>
+                  <a:rPr lang="en-US">
+                    <a:noFill/>
+                  </a:rPr>
+                  <a:t> </a:t>
+                </a:r>
+              </a:p>
+            </p:txBody>
+          </p:sp>
+        </mc:Fallback>
+      </mc:AlternateContent>
+      <mc:AlternateContent xmlns:mc="http://schemas.openxmlformats.org/markup-compatibility/2006">
+        <mc:Choice xmlns:a14="http://schemas.microsoft.com/office/drawing/2010/main" Requires="a14">
+          <p:sp>
+            <p:nvSpPr>
+              <p:cNvPr id="50" name="TextBox 49">
+                <a:extLst>
+                  <a:ext uri="{FF2B5EF4-FFF2-40B4-BE49-F238E27FC236}">
+                    <a16:creationId xmlns:a16="http://schemas.microsoft.com/office/drawing/2014/main" id="{265BFA12-5EAB-A50E-17E2-B7FA5DEAF8DF}"/>
+                  </a:ext>
+                </a:extLst>
+              </p:cNvPr>
+              <p:cNvSpPr txBox="1"/>
+              <p:nvPr/>
+            </p:nvSpPr>
+            <p:spPr>
+              <a:xfrm>
+                <a:off x="7129153" y="3631870"/>
+                <a:ext cx="274434" cy="230832"/>
+              </a:xfrm>
+              <a:prstGeom prst="rect">
+                <a:avLst/>
+              </a:prstGeom>
+              <a:noFill/>
+            </p:spPr>
+            <p:txBody>
+              <a:bodyPr wrap="none" rtlCol="0">
+                <a:spAutoFit/>
+              </a:bodyPr>
+              <a:lstStyle/>
+              <a:p>
+                <a14:m>
+                  <m:oMathPara xmlns:m="http://schemas.openxmlformats.org/officeDocument/2006/math">
+                    <m:oMathParaPr>
+                      <m:jc m:val="centerGroup"/>
+                    </m:oMathParaPr>
+                    <m:oMath xmlns:m="http://schemas.openxmlformats.org/officeDocument/2006/math">
+                      <m:r>
+                        <a:rPr lang="en-US" sz="900" b="0" i="1" dirty="0" smtClean="0">
+                          <a:latin typeface="Cambria Math" panose="02040503050406030204" pitchFamily="18" charset="0"/>
+                        </a:rPr>
+                        <m:t>7</m:t>
+                      </m:r>
+                    </m:oMath>
+                  </m:oMathPara>
+                </a14:m>
+                <a:endParaRPr lang="en-US" sz="900" b="0" i="1" dirty="0">
+                  <a:latin typeface="Cambria Math" panose="02040503050406030204" pitchFamily="18" charset="0"/>
+                </a:endParaRPr>
+              </a:p>
+            </p:txBody>
+          </p:sp>
+        </mc:Choice>
+        <mc:Fallback>
+          <p:sp>
+            <p:nvSpPr>
+              <p:cNvPr id="50" name="TextBox 49">
+                <a:extLst>
+                  <a:ext uri="{FF2B5EF4-FFF2-40B4-BE49-F238E27FC236}">
+                    <a16:creationId xmlns:a16="http://schemas.microsoft.com/office/drawing/2014/main" id="{265BFA12-5EAB-A50E-17E2-B7FA5DEAF8DF}"/>
+                  </a:ext>
+                </a:extLst>
+              </p:cNvPr>
+              <p:cNvSpPr txBox="1">
+                <a:spLocks noRot="1" noChangeAspect="1" noMove="1" noResize="1" noEditPoints="1" noAdjustHandles="1" noChangeArrowheads="1" noChangeShapeType="1" noTextEdit="1"/>
+              </p:cNvSpPr>
+              <p:nvPr/>
+            </p:nvSpPr>
+            <p:spPr>
+              <a:xfrm>
+                <a:off x="7129153" y="3631870"/>
+                <a:ext cx="274434" cy="230832"/>
+              </a:xfrm>
+              <a:prstGeom prst="rect">
+                <a:avLst/>
+              </a:prstGeom>
+              <a:blipFill>
+                <a:blip r:embed="rId22"/>
+                <a:stretch>
+                  <a:fillRect/>
+                </a:stretch>
+              </a:blipFill>
+            </p:spPr>
+            <p:txBody>
+              <a:bodyPr/>
+              <a:lstStyle/>
+              <a:p>
+                <a:r>
+                  <a:rPr lang="en-US">
+                    <a:noFill/>
+                  </a:rPr>
+                  <a:t> </a:t>
+                </a:r>
+              </a:p>
+            </p:txBody>
+          </p:sp>
+        </mc:Fallback>
+      </mc:AlternateContent>
+      <mc:AlternateContent xmlns:mc="http://schemas.openxmlformats.org/markup-compatibility/2006">
+        <mc:Choice xmlns:a14="http://schemas.microsoft.com/office/drawing/2010/main" Requires="a14">
+          <p:sp>
+            <p:nvSpPr>
+              <p:cNvPr id="51" name="TextBox 50">
+                <a:extLst>
+                  <a:ext uri="{FF2B5EF4-FFF2-40B4-BE49-F238E27FC236}">
+                    <a16:creationId xmlns:a16="http://schemas.microsoft.com/office/drawing/2014/main" id="{217BE239-5087-D8FC-88BE-0FD4190BFECA}"/>
+                  </a:ext>
+                </a:extLst>
+              </p:cNvPr>
+              <p:cNvSpPr txBox="1"/>
+              <p:nvPr/>
+            </p:nvSpPr>
+            <p:spPr>
+              <a:xfrm>
+                <a:off x="7281553" y="3784270"/>
+                <a:ext cx="274434" cy="230832"/>
+              </a:xfrm>
+              <a:prstGeom prst="rect">
+                <a:avLst/>
+              </a:prstGeom>
+              <a:noFill/>
+            </p:spPr>
+            <p:txBody>
+              <a:bodyPr wrap="none" rtlCol="0">
+                <a:spAutoFit/>
+              </a:bodyPr>
+              <a:lstStyle/>
+              <a:p>
+                <a14:m>
+                  <m:oMathPara xmlns:m="http://schemas.openxmlformats.org/officeDocument/2006/math">
+                    <m:oMathParaPr>
+                      <m:jc m:val="centerGroup"/>
+                    </m:oMathParaPr>
+                    <m:oMath xmlns:m="http://schemas.openxmlformats.org/officeDocument/2006/math">
+                      <m:r>
+                        <a:rPr lang="en-US" sz="900" b="0" i="1" dirty="0" smtClean="0">
+                          <a:latin typeface="Cambria Math" panose="02040503050406030204" pitchFamily="18" charset="0"/>
+                        </a:rPr>
+                        <m:t>6</m:t>
+                      </m:r>
+                    </m:oMath>
+                  </m:oMathPara>
+                </a14:m>
+                <a:endParaRPr lang="en-US" sz="900" b="0" i="1" dirty="0">
+                  <a:latin typeface="Cambria Math" panose="02040503050406030204" pitchFamily="18" charset="0"/>
+                </a:endParaRPr>
+              </a:p>
+            </p:txBody>
+          </p:sp>
+        </mc:Choice>
+        <mc:Fallback>
+          <p:sp>
+            <p:nvSpPr>
+              <p:cNvPr id="51" name="TextBox 50">
+                <a:extLst>
+                  <a:ext uri="{FF2B5EF4-FFF2-40B4-BE49-F238E27FC236}">
+                    <a16:creationId xmlns:a16="http://schemas.microsoft.com/office/drawing/2014/main" id="{217BE239-5087-D8FC-88BE-0FD4190BFECA}"/>
+                  </a:ext>
+                </a:extLst>
+              </p:cNvPr>
+              <p:cNvSpPr txBox="1">
+                <a:spLocks noRot="1" noChangeAspect="1" noMove="1" noResize="1" noEditPoints="1" noAdjustHandles="1" noChangeArrowheads="1" noChangeShapeType="1" noTextEdit="1"/>
+              </p:cNvSpPr>
+              <p:nvPr/>
+            </p:nvSpPr>
+            <p:spPr>
+              <a:xfrm>
+                <a:off x="7281553" y="3784270"/>
+                <a:ext cx="274434" cy="230832"/>
+              </a:xfrm>
+              <a:prstGeom prst="rect">
+                <a:avLst/>
+              </a:prstGeom>
+              <a:blipFill>
+                <a:blip r:embed="rId23"/>
+                <a:stretch>
+                  <a:fillRect/>
+                </a:stretch>
+              </a:blipFill>
+            </p:spPr>
+            <p:txBody>
+              <a:bodyPr/>
+              <a:lstStyle/>
+              <a:p>
+                <a:r>
+                  <a:rPr lang="en-US">
+                    <a:noFill/>
+                  </a:rPr>
+                  <a:t> </a:t>
+                </a:r>
+              </a:p>
+            </p:txBody>
+          </p:sp>
+        </mc:Fallback>
+      </mc:AlternateContent>
+      <mc:AlternateContent xmlns:mc="http://schemas.openxmlformats.org/markup-compatibility/2006">
+        <mc:Choice xmlns:a14="http://schemas.microsoft.com/office/drawing/2010/main" Requires="a14">
+          <p:sp>
+            <p:nvSpPr>
+              <p:cNvPr id="52" name="TextBox 51">
+                <a:extLst>
+                  <a:ext uri="{FF2B5EF4-FFF2-40B4-BE49-F238E27FC236}">
+                    <a16:creationId xmlns:a16="http://schemas.microsoft.com/office/drawing/2014/main" id="{5907DFC0-CEB5-7D56-FF9D-CFF900CA163B}"/>
+                  </a:ext>
+                </a:extLst>
+              </p:cNvPr>
+              <p:cNvSpPr txBox="1"/>
+              <p:nvPr/>
+            </p:nvSpPr>
+            <p:spPr>
+              <a:xfrm>
+                <a:off x="2440879" y="2551031"/>
+                <a:ext cx="274434" cy="230832"/>
+              </a:xfrm>
+              <a:prstGeom prst="rect">
+                <a:avLst/>
+              </a:prstGeom>
+              <a:noFill/>
+            </p:spPr>
+            <p:txBody>
+              <a:bodyPr wrap="none" rtlCol="0">
+                <a:spAutoFit/>
+              </a:bodyPr>
+              <a:lstStyle/>
+              <a:p>
+                <a14:m>
+                  <m:oMathPara xmlns:m="http://schemas.openxmlformats.org/officeDocument/2006/math">
+                    <m:oMathParaPr>
+                      <m:jc m:val="centerGroup"/>
+                    </m:oMathParaPr>
+                    <m:oMath xmlns:m="http://schemas.openxmlformats.org/officeDocument/2006/math">
+                      <m:r>
+                        <a:rPr lang="en-US" sz="900" b="0" i="1" dirty="0" smtClean="0">
+                          <a:latin typeface="Cambria Math" panose="02040503050406030204" pitchFamily="18" charset="0"/>
+                        </a:rPr>
+                        <m:t>8</m:t>
+                      </m:r>
+                    </m:oMath>
+                  </m:oMathPara>
+                </a14:m>
+              </a:p>
+            </p:txBody>
+          </p:sp>
+        </mc:Choice>
+        <mc:Fallback>
+          <p:sp>
+            <p:nvSpPr>
+              <p:cNvPr id="52" name="TextBox 51">
+                <a:extLst>
+                  <a:ext uri="{FF2B5EF4-FFF2-40B4-BE49-F238E27FC236}">
+                    <a16:creationId xmlns:a16="http://schemas.microsoft.com/office/drawing/2014/main" id="{5907DFC0-CEB5-7D56-FF9D-CFF900CA163B}"/>
+                  </a:ext>
+                </a:extLst>
+              </p:cNvPr>
+              <p:cNvSpPr txBox="1">
+                <a:spLocks noRot="1" noChangeAspect="1" noMove="1" noResize="1" noEditPoints="1" noAdjustHandles="1" noChangeArrowheads="1" noChangeShapeType="1" noTextEdit="1"/>
+              </p:cNvSpPr>
+              <p:nvPr/>
+            </p:nvSpPr>
+            <p:spPr>
+              <a:xfrm>
+                <a:off x="2440879" y="2551031"/>
+                <a:ext cx="274434" cy="230832"/>
+              </a:xfrm>
+              <a:prstGeom prst="rect">
+                <a:avLst/>
+              </a:prstGeom>
+              <a:blipFill>
+                <a:blip r:embed="rId24"/>
+                <a:stretch>
+                  <a:fillRect b="-10526"/>
+                </a:stretch>
+              </a:blipFill>
+            </p:spPr>
+            <p:txBody>
+              <a:bodyPr/>
+              <a:lstStyle/>
+              <a:p>
+                <a:r>
+                  <a:rPr lang="en-US">
+                    <a:noFill/>
+                  </a:rPr>
+                  <a:t> </a:t>
+                </a:r>
+              </a:p>
+            </p:txBody>
+          </p:sp>
+        </mc:Fallback>
+      </mc:AlternateContent>
+      <p:sp>
+        <p:nvSpPr>
+          <p:cNvPr id="53" name="Rectangle 52">
+            <a:extLst>
+              <a:ext uri="{FF2B5EF4-FFF2-40B4-BE49-F238E27FC236}">
+                <a16:creationId xmlns:a16="http://schemas.microsoft.com/office/drawing/2014/main" id="{4EE6D2AC-4B2C-3F98-A6F2-BEC2DA20C92E}"/>
+              </a:ext>
+            </a:extLst>
+          </p:cNvPr>
+          <p:cNvSpPr/>
+          <p:nvPr/>
+        </p:nvSpPr>
+        <p:spPr>
+          <a:xfrm>
+            <a:off x="1771229" y="2556940"/>
+            <a:ext cx="187817" cy="172192"/>
+          </a:xfrm>
+          <a:prstGeom prst="rect">
+            <a:avLst/>
+          </a:prstGeom>
+          <a:solidFill>
+            <a:schemeClr val="accent1">
+              <a:alpha val="19000"/>
+            </a:schemeClr>
+          </a:solidFill>
+        </p:spPr>
+        <p:style>
+          <a:lnRef idx="2">
+            <a:schemeClr val="accent1">
+              <a:shade val="15000"/>
+            </a:schemeClr>
+          </a:lnRef>
+          <a:fillRef idx="1">
+            <a:schemeClr val="accent1"/>
+          </a:fillRef>
+          <a:effectRef idx="0">
+            <a:schemeClr val="accent1"/>
+          </a:effectRef>
+          <a:fontRef idx="minor">
+            <a:schemeClr val="lt1"/>
+          </a:fontRef>
+        </p:style>
+        <p:txBody>
+          <a:bodyPr rtlCol="0" anchor="ctr"/>
+          <a:lstStyle/>
+          <a:p>
+            <a:pPr algn="ctr"/>
+            <a:endParaRPr lang="en-US"/>
+          </a:p>
+        </p:txBody>
+      </p:sp>
+      <p:sp>
+        <p:nvSpPr>
+          <p:cNvPr id="54" name="Rectangle 53">
+            <a:extLst>
+              <a:ext uri="{FF2B5EF4-FFF2-40B4-BE49-F238E27FC236}">
+                <a16:creationId xmlns:a16="http://schemas.microsoft.com/office/drawing/2014/main" id="{DFA8D005-D013-E21A-E190-F8A3FB471809}"/>
+              </a:ext>
+            </a:extLst>
+          </p:cNvPr>
+          <p:cNvSpPr/>
+          <p:nvPr/>
+        </p:nvSpPr>
+        <p:spPr>
+          <a:xfrm>
+            <a:off x="2374848" y="2337460"/>
+            <a:ext cx="187817" cy="172192"/>
+          </a:xfrm>
+          <a:prstGeom prst="rect">
+            <a:avLst/>
+          </a:prstGeom>
+          <a:solidFill>
+            <a:schemeClr val="accent1">
+              <a:alpha val="19000"/>
+            </a:schemeClr>
+          </a:solidFill>
+        </p:spPr>
+        <p:style>
+          <a:lnRef idx="2">
+            <a:schemeClr val="accent1">
+              <a:shade val="15000"/>
+            </a:schemeClr>
+          </a:lnRef>
+          <a:fillRef idx="1">
+            <a:schemeClr val="accent1"/>
+          </a:fillRef>
+          <a:effectRef idx="0">
+            <a:schemeClr val="accent1"/>
+          </a:effectRef>
+          <a:fontRef idx="minor">
+            <a:schemeClr val="lt1"/>
+          </a:fontRef>
+        </p:style>
+        <p:txBody>
+          <a:bodyPr rtlCol="0" anchor="ctr"/>
+          <a:lstStyle/>
+          <a:p>
+            <a:pPr algn="ctr"/>
+            <a:endParaRPr lang="en-US"/>
+          </a:p>
+        </p:txBody>
+      </p:sp>
     </p:spTree>
     <p:extLst>
       <p:ext uri="{BB962C8B-B14F-4D97-AF65-F5344CB8AC3E}">

--- a/docs/Figures_for_the_Notes_on_Game_Theory.pptx
+++ b/docs/Figures_for_the_Notes_on_Game_Theory.pptx
@@ -6893,12 +6893,206 @@
           </p:sp>
         </mc:Fallback>
       </mc:AlternateContent>
+      <mc:AlternateContent xmlns:mc="http://schemas.openxmlformats.org/markup-compatibility/2006">
+        <mc:Choice xmlns:a14="http://schemas.microsoft.com/office/drawing/2010/main" Requires="a14">
+          <p:sp>
+            <p:nvSpPr>
+              <p:cNvPr id="56" name="TextBox 55">
+                <a:extLst>
+                  <a:ext uri="{FF2B5EF4-FFF2-40B4-BE49-F238E27FC236}">
+                    <a16:creationId xmlns:a16="http://schemas.microsoft.com/office/drawing/2014/main" id="{5ECDE891-3D49-0C56-43CB-DD81DDCA3D24}"/>
+                  </a:ext>
+                </a:extLst>
+              </p:cNvPr>
+              <p:cNvSpPr txBox="1"/>
+              <p:nvPr/>
+            </p:nvSpPr>
+            <p:spPr>
+              <a:xfrm>
+                <a:off x="2615474" y="2549865"/>
+                <a:ext cx="274434" cy="230832"/>
+              </a:xfrm>
+              <a:prstGeom prst="rect">
+                <a:avLst/>
+              </a:prstGeom>
+              <a:noFill/>
+            </p:spPr>
+            <p:txBody>
+              <a:bodyPr wrap="none" rtlCol="0">
+                <a:spAutoFit/>
+              </a:bodyPr>
+              <a:lstStyle/>
+              <a:p>
+                <a14:m>
+                  <m:oMathPara xmlns:m="http://schemas.openxmlformats.org/officeDocument/2006/math">
+                    <m:oMathParaPr>
+                      <m:jc m:val="centerGroup"/>
+                    </m:oMathParaPr>
+                    <m:oMath xmlns:m="http://schemas.openxmlformats.org/officeDocument/2006/math">
+                      <m:r>
+                        <a:rPr lang="en-US" sz="900" b="0" i="1" dirty="0" smtClean="0">
+                          <a:latin typeface="Cambria Math" panose="02040503050406030204" pitchFamily="18" charset="0"/>
+                        </a:rPr>
+                        <m:t>7</m:t>
+                      </m:r>
+                    </m:oMath>
+                  </m:oMathPara>
+                </a14:m>
+                <a:endParaRPr lang="en-US" sz="900" b="0" i="1" dirty="0">
+                  <a:latin typeface="Cambria Math" panose="02040503050406030204" pitchFamily="18" charset="0"/>
+                </a:endParaRPr>
+              </a:p>
+            </p:txBody>
+          </p:sp>
+        </mc:Choice>
+        <mc:Fallback>
+          <p:sp>
+            <p:nvSpPr>
+              <p:cNvPr id="56" name="TextBox 55">
+                <a:extLst>
+                  <a:ext uri="{FF2B5EF4-FFF2-40B4-BE49-F238E27FC236}">
+                    <a16:creationId xmlns:a16="http://schemas.microsoft.com/office/drawing/2014/main" id="{5ECDE891-3D49-0C56-43CB-DD81DDCA3D24}"/>
+                  </a:ext>
+                </a:extLst>
+              </p:cNvPr>
+              <p:cNvSpPr txBox="1">
+                <a:spLocks noRot="1" noChangeAspect="1" noMove="1" noResize="1" noEditPoints="1" noAdjustHandles="1" noChangeArrowheads="1" noChangeShapeType="1" noTextEdit="1"/>
+              </p:cNvSpPr>
+              <p:nvPr/>
+            </p:nvSpPr>
+            <p:spPr>
+              <a:xfrm>
+                <a:off x="2615474" y="2549865"/>
+                <a:ext cx="274434" cy="230832"/>
+              </a:xfrm>
+              <a:prstGeom prst="rect">
+                <a:avLst/>
+              </a:prstGeom>
+              <a:blipFill>
+                <a:blip r:embed="rId25"/>
+                <a:stretch>
+                  <a:fillRect/>
+                </a:stretch>
+              </a:blipFill>
+            </p:spPr>
+            <p:txBody>
+              <a:bodyPr/>
+              <a:lstStyle/>
+              <a:p>
+                <a:r>
+                  <a:rPr lang="en-US">
+                    <a:noFill/>
+                  </a:rPr>
+                  <a:t> </a:t>
+                </a:r>
+              </a:p>
+            </p:txBody>
+          </p:sp>
+        </mc:Fallback>
+      </mc:AlternateContent>
+      <mc:AlternateContent xmlns:mc="http://schemas.openxmlformats.org/markup-compatibility/2006">
+        <mc:Choice xmlns:a14="http://schemas.microsoft.com/office/drawing/2010/main" Requires="a14">
+          <p:sp>
+            <p:nvSpPr>
+              <p:cNvPr id="57" name="TextBox 56">
+                <a:extLst>
+                  <a:ext uri="{FF2B5EF4-FFF2-40B4-BE49-F238E27FC236}">
+                    <a16:creationId xmlns:a16="http://schemas.microsoft.com/office/drawing/2014/main" id="{03C8BDC5-64C6-15A4-02B7-976C8B11ABEF}"/>
+                  </a:ext>
+                </a:extLst>
+              </p:cNvPr>
+              <p:cNvSpPr txBox="1"/>
+              <p:nvPr/>
+            </p:nvSpPr>
+            <p:spPr>
+              <a:xfrm>
+                <a:off x="2789369" y="2549023"/>
+                <a:ext cx="274434" cy="230832"/>
+              </a:xfrm>
+              <a:prstGeom prst="rect">
+                <a:avLst/>
+              </a:prstGeom>
+              <a:noFill/>
+            </p:spPr>
+            <p:txBody>
+              <a:bodyPr wrap="none" rtlCol="0">
+                <a:spAutoFit/>
+              </a:bodyPr>
+              <a:lstStyle/>
+              <a:p>
+                <a14:m>
+                  <m:oMathPara xmlns:m="http://schemas.openxmlformats.org/officeDocument/2006/math">
+                    <m:oMathParaPr>
+                      <m:jc m:val="centerGroup"/>
+                    </m:oMathParaPr>
+                    <m:oMath xmlns:m="http://schemas.openxmlformats.org/officeDocument/2006/math">
+                      <m:r>
+                        <a:rPr lang="en-US" sz="900" b="0" i="1" dirty="0" smtClean="0">
+                          <a:latin typeface="Cambria Math" panose="02040503050406030204" pitchFamily="18" charset="0"/>
+                        </a:rPr>
+                        <m:t>6</m:t>
+                      </m:r>
+                    </m:oMath>
+                  </m:oMathPara>
+                </a14:m>
+                <a:endParaRPr lang="en-US" sz="900" b="0" i="1" dirty="0">
+                  <a:latin typeface="Cambria Math" panose="02040503050406030204" pitchFamily="18" charset="0"/>
+                </a:endParaRPr>
+              </a:p>
+            </p:txBody>
+          </p:sp>
+        </mc:Choice>
+        <mc:Fallback>
+          <p:sp>
+            <p:nvSpPr>
+              <p:cNvPr id="57" name="TextBox 56">
+                <a:extLst>
+                  <a:ext uri="{FF2B5EF4-FFF2-40B4-BE49-F238E27FC236}">
+                    <a16:creationId xmlns:a16="http://schemas.microsoft.com/office/drawing/2014/main" id="{03C8BDC5-64C6-15A4-02B7-976C8B11ABEF}"/>
+                  </a:ext>
+                </a:extLst>
+              </p:cNvPr>
+              <p:cNvSpPr txBox="1">
+                <a:spLocks noRot="1" noChangeAspect="1" noMove="1" noResize="1" noEditPoints="1" noAdjustHandles="1" noChangeArrowheads="1" noChangeShapeType="1" noTextEdit="1"/>
+              </p:cNvSpPr>
+              <p:nvPr/>
+            </p:nvSpPr>
+            <p:spPr>
+              <a:xfrm>
+                <a:off x="2789369" y="2549023"/>
+                <a:ext cx="274434" cy="230832"/>
+              </a:xfrm>
+              <a:prstGeom prst="rect">
+                <a:avLst/>
+              </a:prstGeom>
+              <a:blipFill>
+                <a:blip r:embed="rId26"/>
+                <a:stretch>
+                  <a:fillRect/>
+                </a:stretch>
+              </a:blipFill>
+            </p:spPr>
+            <p:txBody>
+              <a:bodyPr/>
+              <a:lstStyle/>
+              <a:p>
+                <a:r>
+                  <a:rPr lang="en-US">
+                    <a:noFill/>
+                  </a:rPr>
+                  <a:t> </a:t>
+                </a:r>
+              </a:p>
+            </p:txBody>
+          </p:sp>
+        </mc:Fallback>
+      </mc:AlternateContent>
       <p:sp>
         <p:nvSpPr>
-          <p:cNvPr id="53" name="Rectangle 52">
-            <a:extLst>
-              <a:ext uri="{FF2B5EF4-FFF2-40B4-BE49-F238E27FC236}">
-                <a16:creationId xmlns:a16="http://schemas.microsoft.com/office/drawing/2014/main" id="{4EE6D2AC-4B2C-3F98-A6F2-BEC2DA20C92E}"/>
+          <p:cNvPr id="58" name="Rectangle 57">
+            <a:extLst>
+              <a:ext uri="{FF2B5EF4-FFF2-40B4-BE49-F238E27FC236}">
+                <a16:creationId xmlns:a16="http://schemas.microsoft.com/office/drawing/2014/main" id="{5BD69005-7AB5-4238-46F3-2740D0E71761}"/>
               </a:ext>
             </a:extLst>
           </p:cNvPr>
@@ -6907,8 +7101,8 @@
         </p:nvSpPr>
         <p:spPr>
           <a:xfrm>
-            <a:off x="1771229" y="2556940"/>
-            <a:ext cx="187817" cy="172192"/>
+            <a:off x="2322780" y="2579741"/>
+            <a:ext cx="130904" cy="172192"/>
           </a:xfrm>
           <a:prstGeom prst="rect">
             <a:avLst/>
@@ -6946,10 +7140,10 @@
       </p:sp>
       <p:sp>
         <p:nvSpPr>
-          <p:cNvPr id="54" name="Rectangle 53">
-            <a:extLst>
-              <a:ext uri="{FF2B5EF4-FFF2-40B4-BE49-F238E27FC236}">
-                <a16:creationId xmlns:a16="http://schemas.microsoft.com/office/drawing/2014/main" id="{DFA8D005-D013-E21A-E190-F8A3FB471809}"/>
+          <p:cNvPr id="64" name="Rectangle 63">
+            <a:extLst>
+              <a:ext uri="{FF2B5EF4-FFF2-40B4-BE49-F238E27FC236}">
+                <a16:creationId xmlns:a16="http://schemas.microsoft.com/office/drawing/2014/main" id="{CE54C87F-A943-A1BF-C4E0-161965510F2E}"/>
               </a:ext>
             </a:extLst>
           </p:cNvPr>
@@ -6958,8 +7152,2855 @@
         </p:nvSpPr>
         <p:spPr>
           <a:xfrm>
-            <a:off x="2374848" y="2337460"/>
-            <a:ext cx="187817" cy="172192"/>
+            <a:off x="1799450" y="2575897"/>
+            <a:ext cx="130904" cy="172192"/>
+          </a:xfrm>
+          <a:prstGeom prst="rect">
+            <a:avLst/>
+          </a:prstGeom>
+          <a:solidFill>
+            <a:schemeClr val="accent1">
+              <a:alpha val="19000"/>
+            </a:schemeClr>
+          </a:solidFill>
+        </p:spPr>
+        <p:style>
+          <a:lnRef idx="2">
+            <a:schemeClr val="accent1">
+              <a:shade val="15000"/>
+            </a:schemeClr>
+          </a:lnRef>
+          <a:fillRef idx="1">
+            <a:schemeClr val="accent1"/>
+          </a:fillRef>
+          <a:effectRef idx="0">
+            <a:schemeClr val="accent1"/>
+          </a:effectRef>
+          <a:fontRef idx="minor">
+            <a:schemeClr val="lt1"/>
+          </a:fontRef>
+        </p:style>
+        <p:txBody>
+          <a:bodyPr rtlCol="0" anchor="ctr"/>
+          <a:lstStyle/>
+          <a:p>
+            <a:pPr algn="ctr"/>
+            <a:endParaRPr lang="en-US"/>
+          </a:p>
+        </p:txBody>
+      </p:sp>
+      <p:sp>
+        <p:nvSpPr>
+          <p:cNvPr id="65" name="Rectangle 64">
+            <a:extLst>
+              <a:ext uri="{FF2B5EF4-FFF2-40B4-BE49-F238E27FC236}">
+                <a16:creationId xmlns:a16="http://schemas.microsoft.com/office/drawing/2014/main" id="{7E1EC365-C9DE-2786-3987-DE6C4769BE75}"/>
+              </a:ext>
+            </a:extLst>
+          </p:cNvPr>
+          <p:cNvSpPr/>
+          <p:nvPr/>
+        </p:nvSpPr>
+        <p:spPr>
+          <a:xfrm>
+            <a:off x="2504246" y="2578343"/>
+            <a:ext cx="130904" cy="172192"/>
+          </a:xfrm>
+          <a:prstGeom prst="rect">
+            <a:avLst/>
+          </a:prstGeom>
+          <a:solidFill>
+            <a:schemeClr val="accent1">
+              <a:alpha val="19000"/>
+            </a:schemeClr>
+          </a:solidFill>
+        </p:spPr>
+        <p:style>
+          <a:lnRef idx="2">
+            <a:schemeClr val="accent1">
+              <a:shade val="15000"/>
+            </a:schemeClr>
+          </a:lnRef>
+          <a:fillRef idx="1">
+            <a:schemeClr val="accent1"/>
+          </a:fillRef>
+          <a:effectRef idx="0">
+            <a:schemeClr val="accent1"/>
+          </a:effectRef>
+          <a:fontRef idx="minor">
+            <a:schemeClr val="lt1"/>
+          </a:fontRef>
+        </p:style>
+        <p:txBody>
+          <a:bodyPr rtlCol="0" anchor="ctr"/>
+          <a:lstStyle/>
+          <a:p>
+            <a:pPr algn="ctr"/>
+            <a:endParaRPr lang="en-US"/>
+          </a:p>
+        </p:txBody>
+      </p:sp>
+      <p:sp>
+        <p:nvSpPr>
+          <p:cNvPr id="66" name="Rectangle 65">
+            <a:extLst>
+              <a:ext uri="{FF2B5EF4-FFF2-40B4-BE49-F238E27FC236}">
+                <a16:creationId xmlns:a16="http://schemas.microsoft.com/office/drawing/2014/main" id="{F5DA0AE5-19CF-A030-A6D3-578117637843}"/>
+              </a:ext>
+            </a:extLst>
+          </p:cNvPr>
+          <p:cNvSpPr/>
+          <p:nvPr/>
+        </p:nvSpPr>
+        <p:spPr>
+          <a:xfrm>
+            <a:off x="2685618" y="2579741"/>
+            <a:ext cx="130904" cy="172192"/>
+          </a:xfrm>
+          <a:prstGeom prst="rect">
+            <a:avLst/>
+          </a:prstGeom>
+          <a:solidFill>
+            <a:schemeClr val="accent1">
+              <a:alpha val="19000"/>
+            </a:schemeClr>
+          </a:solidFill>
+        </p:spPr>
+        <p:style>
+          <a:lnRef idx="2">
+            <a:schemeClr val="accent1">
+              <a:shade val="15000"/>
+            </a:schemeClr>
+          </a:lnRef>
+          <a:fillRef idx="1">
+            <a:schemeClr val="accent1"/>
+          </a:fillRef>
+          <a:effectRef idx="0">
+            <a:schemeClr val="accent1"/>
+          </a:effectRef>
+          <a:fontRef idx="minor">
+            <a:schemeClr val="lt1"/>
+          </a:fontRef>
+        </p:style>
+        <p:txBody>
+          <a:bodyPr rtlCol="0" anchor="ctr"/>
+          <a:lstStyle/>
+          <a:p>
+            <a:pPr algn="ctr"/>
+            <a:endParaRPr lang="en-US"/>
+          </a:p>
+        </p:txBody>
+      </p:sp>
+      <p:sp>
+        <p:nvSpPr>
+          <p:cNvPr id="67" name="Rectangle 66">
+            <a:extLst>
+              <a:ext uri="{FF2B5EF4-FFF2-40B4-BE49-F238E27FC236}">
+                <a16:creationId xmlns:a16="http://schemas.microsoft.com/office/drawing/2014/main" id="{E0C2FCB1-BC7D-1132-D536-EFA41FE322EC}"/>
+              </a:ext>
+            </a:extLst>
+          </p:cNvPr>
+          <p:cNvSpPr/>
+          <p:nvPr/>
+        </p:nvSpPr>
+        <p:spPr>
+          <a:xfrm>
+            <a:off x="2854870" y="2578343"/>
+            <a:ext cx="130904" cy="172192"/>
+          </a:xfrm>
+          <a:prstGeom prst="rect">
+            <a:avLst/>
+          </a:prstGeom>
+          <a:solidFill>
+            <a:schemeClr val="accent1">
+              <a:alpha val="19000"/>
+            </a:schemeClr>
+          </a:solidFill>
+        </p:spPr>
+        <p:style>
+          <a:lnRef idx="2">
+            <a:schemeClr val="accent1">
+              <a:shade val="15000"/>
+            </a:schemeClr>
+          </a:lnRef>
+          <a:fillRef idx="1">
+            <a:schemeClr val="accent1"/>
+          </a:fillRef>
+          <a:effectRef idx="0">
+            <a:schemeClr val="accent1"/>
+          </a:effectRef>
+          <a:fontRef idx="minor">
+            <a:schemeClr val="lt1"/>
+          </a:fontRef>
+        </p:style>
+        <p:txBody>
+          <a:bodyPr rtlCol="0" anchor="ctr"/>
+          <a:lstStyle/>
+          <a:p>
+            <a:pPr algn="ctr"/>
+            <a:endParaRPr lang="en-US"/>
+          </a:p>
+        </p:txBody>
+      </p:sp>
+      <mc:AlternateContent xmlns:mc="http://schemas.openxmlformats.org/markup-compatibility/2006">
+        <mc:Choice xmlns:a14="http://schemas.microsoft.com/office/drawing/2010/main" Requires="a14">
+          <p:sp>
+            <p:nvSpPr>
+              <p:cNvPr id="68" name="TextBox 67">
+                <a:extLst>
+                  <a:ext uri="{FF2B5EF4-FFF2-40B4-BE49-F238E27FC236}">
+                    <a16:creationId xmlns:a16="http://schemas.microsoft.com/office/drawing/2014/main" id="{BC8074D8-5799-1ECE-C7A2-EC38295E84E6}"/>
+                  </a:ext>
+                </a:extLst>
+              </p:cNvPr>
+              <p:cNvSpPr txBox="1"/>
+              <p:nvPr/>
+            </p:nvSpPr>
+            <p:spPr>
+              <a:xfrm>
+                <a:off x="2962117" y="2547800"/>
+                <a:ext cx="274434" cy="230832"/>
+              </a:xfrm>
+              <a:prstGeom prst="rect">
+                <a:avLst/>
+              </a:prstGeom>
+              <a:noFill/>
+            </p:spPr>
+            <p:txBody>
+              <a:bodyPr wrap="none" rtlCol="0">
+                <a:spAutoFit/>
+              </a:bodyPr>
+              <a:lstStyle/>
+              <a:p>
+                <a14:m>
+                  <m:oMathPara xmlns:m="http://schemas.openxmlformats.org/officeDocument/2006/math">
+                    <m:oMathParaPr>
+                      <m:jc m:val="centerGroup"/>
+                    </m:oMathParaPr>
+                    <m:oMath xmlns:m="http://schemas.openxmlformats.org/officeDocument/2006/math">
+                      <m:r>
+                        <a:rPr lang="en-US" sz="900" i="1" dirty="0" smtClean="0">
+                          <a:latin typeface="Cambria Math" panose="02040503050406030204" pitchFamily="18" charset="0"/>
+                        </a:rPr>
+                        <m:t>9</m:t>
+                      </m:r>
+                    </m:oMath>
+                  </m:oMathPara>
+                </a14:m>
+              </a:p>
+            </p:txBody>
+          </p:sp>
+        </mc:Choice>
+        <mc:Fallback>
+          <p:sp>
+            <p:nvSpPr>
+              <p:cNvPr id="68" name="TextBox 67">
+                <a:extLst>
+                  <a:ext uri="{FF2B5EF4-FFF2-40B4-BE49-F238E27FC236}">
+                    <a16:creationId xmlns:a16="http://schemas.microsoft.com/office/drawing/2014/main" id="{BC8074D8-5799-1ECE-C7A2-EC38295E84E6}"/>
+                  </a:ext>
+                </a:extLst>
+              </p:cNvPr>
+              <p:cNvSpPr txBox="1">
+                <a:spLocks noRot="1" noChangeAspect="1" noMove="1" noResize="1" noEditPoints="1" noAdjustHandles="1" noChangeArrowheads="1" noChangeShapeType="1" noTextEdit="1"/>
+              </p:cNvSpPr>
+              <p:nvPr/>
+            </p:nvSpPr>
+            <p:spPr>
+              <a:xfrm>
+                <a:off x="2962117" y="2547800"/>
+                <a:ext cx="274434" cy="230832"/>
+              </a:xfrm>
+              <a:prstGeom prst="rect">
+                <a:avLst/>
+              </a:prstGeom>
+              <a:blipFill>
+                <a:blip r:embed="rId27"/>
+                <a:stretch>
+                  <a:fillRect b="-5263"/>
+                </a:stretch>
+              </a:blipFill>
+            </p:spPr>
+            <p:txBody>
+              <a:bodyPr/>
+              <a:lstStyle/>
+              <a:p>
+                <a:r>
+                  <a:rPr lang="en-US">
+                    <a:noFill/>
+                  </a:rPr>
+                  <a:t> </a:t>
+                </a:r>
+              </a:p>
+            </p:txBody>
+          </p:sp>
+        </mc:Fallback>
+      </mc:AlternateContent>
+      <mc:AlternateContent xmlns:mc="http://schemas.openxmlformats.org/markup-compatibility/2006">
+        <mc:Choice xmlns:a14="http://schemas.microsoft.com/office/drawing/2010/main" Requires="a14">
+          <p:sp>
+            <p:nvSpPr>
+              <p:cNvPr id="71" name="TextBox 70">
+                <a:extLst>
+                  <a:ext uri="{FF2B5EF4-FFF2-40B4-BE49-F238E27FC236}">
+                    <a16:creationId xmlns:a16="http://schemas.microsoft.com/office/drawing/2014/main" id="{D5EC86AE-F37C-B7B8-88E9-DE94050BCB00}"/>
+                  </a:ext>
+                </a:extLst>
+              </p:cNvPr>
+              <p:cNvSpPr txBox="1"/>
+              <p:nvPr/>
+            </p:nvSpPr>
+            <p:spPr>
+              <a:xfrm>
+                <a:off x="3148275" y="2546577"/>
+                <a:ext cx="274434" cy="230832"/>
+              </a:xfrm>
+              <a:prstGeom prst="rect">
+                <a:avLst/>
+              </a:prstGeom>
+              <a:noFill/>
+            </p:spPr>
+            <p:txBody>
+              <a:bodyPr wrap="none" rtlCol="0">
+                <a:spAutoFit/>
+              </a:bodyPr>
+              <a:lstStyle/>
+              <a:p>
+                <a14:m>
+                  <m:oMathPara xmlns:m="http://schemas.openxmlformats.org/officeDocument/2006/math">
+                    <m:oMathParaPr>
+                      <m:jc m:val="centerGroup"/>
+                    </m:oMathParaPr>
+                    <m:oMath xmlns:m="http://schemas.openxmlformats.org/officeDocument/2006/math">
+                      <m:r>
+                        <a:rPr lang="en-US" sz="900" b="0" i="1" dirty="0" smtClean="0">
+                          <a:latin typeface="Cambria Math" panose="02040503050406030204" pitchFamily="18" charset="0"/>
+                        </a:rPr>
+                        <m:t>8</m:t>
+                      </m:r>
+                    </m:oMath>
+                  </m:oMathPara>
+                </a14:m>
+              </a:p>
+            </p:txBody>
+          </p:sp>
+        </mc:Choice>
+        <mc:Fallback>
+          <p:sp>
+            <p:nvSpPr>
+              <p:cNvPr id="71" name="TextBox 70">
+                <a:extLst>
+                  <a:ext uri="{FF2B5EF4-FFF2-40B4-BE49-F238E27FC236}">
+                    <a16:creationId xmlns:a16="http://schemas.microsoft.com/office/drawing/2014/main" id="{D5EC86AE-F37C-B7B8-88E9-DE94050BCB00}"/>
+                  </a:ext>
+                </a:extLst>
+              </p:cNvPr>
+              <p:cNvSpPr txBox="1">
+                <a:spLocks noRot="1" noChangeAspect="1" noMove="1" noResize="1" noEditPoints="1" noAdjustHandles="1" noChangeArrowheads="1" noChangeShapeType="1" noTextEdit="1"/>
+              </p:cNvSpPr>
+              <p:nvPr/>
+            </p:nvSpPr>
+            <p:spPr>
+              <a:xfrm>
+                <a:off x="3148275" y="2546577"/>
+                <a:ext cx="274434" cy="230832"/>
+              </a:xfrm>
+              <a:prstGeom prst="rect">
+                <a:avLst/>
+              </a:prstGeom>
+              <a:blipFill>
+                <a:blip r:embed="rId28"/>
+                <a:stretch>
+                  <a:fillRect b="-5263"/>
+                </a:stretch>
+              </a:blipFill>
+            </p:spPr>
+            <p:txBody>
+              <a:bodyPr/>
+              <a:lstStyle/>
+              <a:p>
+                <a:r>
+                  <a:rPr lang="en-US">
+                    <a:noFill/>
+                  </a:rPr>
+                  <a:t> </a:t>
+                </a:r>
+              </a:p>
+            </p:txBody>
+          </p:sp>
+        </mc:Fallback>
+      </mc:AlternateContent>
+      <mc:AlternateContent xmlns:mc="http://schemas.openxmlformats.org/markup-compatibility/2006">
+        <mc:Choice xmlns:a14="http://schemas.microsoft.com/office/drawing/2010/main" Requires="a14">
+          <p:sp>
+            <p:nvSpPr>
+              <p:cNvPr id="72" name="TextBox 71">
+                <a:extLst>
+                  <a:ext uri="{FF2B5EF4-FFF2-40B4-BE49-F238E27FC236}">
+                    <a16:creationId xmlns:a16="http://schemas.microsoft.com/office/drawing/2014/main" id="{FAE4F041-E46E-B72B-A80A-58820DD421FB}"/>
+                  </a:ext>
+                </a:extLst>
+              </p:cNvPr>
+              <p:cNvSpPr txBox="1"/>
+              <p:nvPr/>
+            </p:nvSpPr>
+            <p:spPr>
+              <a:xfrm>
+                <a:off x="3306916" y="2549440"/>
+                <a:ext cx="274434" cy="230832"/>
+              </a:xfrm>
+              <a:prstGeom prst="rect">
+                <a:avLst/>
+              </a:prstGeom>
+              <a:noFill/>
+            </p:spPr>
+            <p:txBody>
+              <a:bodyPr wrap="none" rtlCol="0">
+                <a:spAutoFit/>
+              </a:bodyPr>
+              <a:lstStyle/>
+              <a:p>
+                <a14:m>
+                  <m:oMathPara xmlns:m="http://schemas.openxmlformats.org/officeDocument/2006/math">
+                    <m:oMathParaPr>
+                      <m:jc m:val="centerGroup"/>
+                    </m:oMathParaPr>
+                    <m:oMath xmlns:m="http://schemas.openxmlformats.org/officeDocument/2006/math">
+                      <m:r>
+                        <a:rPr lang="en-US" sz="900" b="0" i="1" dirty="0" smtClean="0">
+                          <a:latin typeface="Cambria Math" panose="02040503050406030204" pitchFamily="18" charset="0"/>
+                        </a:rPr>
+                        <m:t>7</m:t>
+                      </m:r>
+                    </m:oMath>
+                  </m:oMathPara>
+                </a14:m>
+                <a:endParaRPr lang="en-US" sz="900" b="0" i="1" dirty="0">
+                  <a:latin typeface="Cambria Math" panose="02040503050406030204" pitchFamily="18" charset="0"/>
+                </a:endParaRPr>
+              </a:p>
+            </p:txBody>
+          </p:sp>
+        </mc:Choice>
+        <mc:Fallback>
+          <p:sp>
+            <p:nvSpPr>
+              <p:cNvPr id="72" name="TextBox 71">
+                <a:extLst>
+                  <a:ext uri="{FF2B5EF4-FFF2-40B4-BE49-F238E27FC236}">
+                    <a16:creationId xmlns:a16="http://schemas.microsoft.com/office/drawing/2014/main" id="{FAE4F041-E46E-B72B-A80A-58820DD421FB}"/>
+                  </a:ext>
+                </a:extLst>
+              </p:cNvPr>
+              <p:cNvSpPr txBox="1">
+                <a:spLocks noRot="1" noChangeAspect="1" noMove="1" noResize="1" noEditPoints="1" noAdjustHandles="1" noChangeArrowheads="1" noChangeShapeType="1" noTextEdit="1"/>
+              </p:cNvSpPr>
+              <p:nvPr/>
+            </p:nvSpPr>
+            <p:spPr>
+              <a:xfrm>
+                <a:off x="3306916" y="2549440"/>
+                <a:ext cx="274434" cy="230832"/>
+              </a:xfrm>
+              <a:prstGeom prst="rect">
+                <a:avLst/>
+              </a:prstGeom>
+              <a:blipFill>
+                <a:blip r:embed="rId29"/>
+                <a:stretch>
+                  <a:fillRect/>
+                </a:stretch>
+              </a:blipFill>
+            </p:spPr>
+            <p:txBody>
+              <a:bodyPr/>
+              <a:lstStyle/>
+              <a:p>
+                <a:r>
+                  <a:rPr lang="en-US">
+                    <a:noFill/>
+                  </a:rPr>
+                  <a:t> </a:t>
+                </a:r>
+              </a:p>
+            </p:txBody>
+          </p:sp>
+        </mc:Fallback>
+      </mc:AlternateContent>
+      <p:sp>
+        <p:nvSpPr>
+          <p:cNvPr id="73" name="Rectangle 72">
+            <a:extLst>
+              <a:ext uri="{FF2B5EF4-FFF2-40B4-BE49-F238E27FC236}">
+                <a16:creationId xmlns:a16="http://schemas.microsoft.com/office/drawing/2014/main" id="{5102EBEF-222D-9C23-EDF2-7BF5628436C6}"/>
+              </a:ext>
+            </a:extLst>
+          </p:cNvPr>
+          <p:cNvSpPr/>
+          <p:nvPr/>
+        </p:nvSpPr>
+        <p:spPr>
+          <a:xfrm>
+            <a:off x="3033262" y="2575897"/>
+            <a:ext cx="130904" cy="172192"/>
+          </a:xfrm>
+          <a:prstGeom prst="rect">
+            <a:avLst/>
+          </a:prstGeom>
+          <a:solidFill>
+            <a:schemeClr val="accent1">
+              <a:alpha val="19000"/>
+            </a:schemeClr>
+          </a:solidFill>
+        </p:spPr>
+        <p:style>
+          <a:lnRef idx="2">
+            <a:schemeClr val="accent1">
+              <a:shade val="15000"/>
+            </a:schemeClr>
+          </a:lnRef>
+          <a:fillRef idx="1">
+            <a:schemeClr val="accent1"/>
+          </a:fillRef>
+          <a:effectRef idx="0">
+            <a:schemeClr val="accent1"/>
+          </a:effectRef>
+          <a:fontRef idx="minor">
+            <a:schemeClr val="lt1"/>
+          </a:fontRef>
+        </p:style>
+        <p:txBody>
+          <a:bodyPr rtlCol="0" anchor="ctr"/>
+          <a:lstStyle/>
+          <a:p>
+            <a:pPr algn="ctr"/>
+            <a:endParaRPr lang="en-US"/>
+          </a:p>
+        </p:txBody>
+      </p:sp>
+      <p:sp>
+        <p:nvSpPr>
+          <p:cNvPr id="74" name="Rectangle 73">
+            <a:extLst>
+              <a:ext uri="{FF2B5EF4-FFF2-40B4-BE49-F238E27FC236}">
+                <a16:creationId xmlns:a16="http://schemas.microsoft.com/office/drawing/2014/main" id="{4DC47480-E0D3-F648-9FA4-175E3FC6C211}"/>
+              </a:ext>
+            </a:extLst>
+          </p:cNvPr>
+          <p:cNvSpPr/>
+          <p:nvPr/>
+        </p:nvSpPr>
+        <p:spPr>
+          <a:xfrm>
+            <a:off x="3215806" y="2575897"/>
+            <a:ext cx="130904" cy="172192"/>
+          </a:xfrm>
+          <a:prstGeom prst="rect">
+            <a:avLst/>
+          </a:prstGeom>
+          <a:solidFill>
+            <a:schemeClr val="accent1">
+              <a:alpha val="19000"/>
+            </a:schemeClr>
+          </a:solidFill>
+        </p:spPr>
+        <p:style>
+          <a:lnRef idx="2">
+            <a:schemeClr val="accent1">
+              <a:shade val="15000"/>
+            </a:schemeClr>
+          </a:lnRef>
+          <a:fillRef idx="1">
+            <a:schemeClr val="accent1"/>
+          </a:fillRef>
+          <a:effectRef idx="0">
+            <a:schemeClr val="accent1"/>
+          </a:effectRef>
+          <a:fontRef idx="minor">
+            <a:schemeClr val="lt1"/>
+          </a:fontRef>
+        </p:style>
+        <p:txBody>
+          <a:bodyPr rtlCol="0" anchor="ctr"/>
+          <a:lstStyle/>
+          <a:p>
+            <a:pPr algn="ctr"/>
+            <a:endParaRPr lang="en-US"/>
+          </a:p>
+        </p:txBody>
+      </p:sp>
+      <p:sp>
+        <p:nvSpPr>
+          <p:cNvPr id="75" name="Rectangle 74">
+            <a:extLst>
+              <a:ext uri="{FF2B5EF4-FFF2-40B4-BE49-F238E27FC236}">
+                <a16:creationId xmlns:a16="http://schemas.microsoft.com/office/drawing/2014/main" id="{B766D4A4-A20A-21AE-B3A8-CD6B829E6B18}"/>
+              </a:ext>
+            </a:extLst>
+          </p:cNvPr>
+          <p:cNvSpPr/>
+          <p:nvPr/>
+        </p:nvSpPr>
+        <p:spPr>
+          <a:xfrm>
+            <a:off x="3391216" y="2575897"/>
+            <a:ext cx="130904" cy="172192"/>
+          </a:xfrm>
+          <a:prstGeom prst="rect">
+            <a:avLst/>
+          </a:prstGeom>
+          <a:solidFill>
+            <a:schemeClr val="accent1">
+              <a:alpha val="19000"/>
+            </a:schemeClr>
+          </a:solidFill>
+        </p:spPr>
+        <p:style>
+          <a:lnRef idx="2">
+            <a:schemeClr val="accent1">
+              <a:shade val="15000"/>
+            </a:schemeClr>
+          </a:lnRef>
+          <a:fillRef idx="1">
+            <a:schemeClr val="accent1"/>
+          </a:fillRef>
+          <a:effectRef idx="0">
+            <a:schemeClr val="accent1"/>
+          </a:effectRef>
+          <a:fontRef idx="minor">
+            <a:schemeClr val="lt1"/>
+          </a:fontRef>
+        </p:style>
+        <p:txBody>
+          <a:bodyPr rtlCol="0" anchor="ctr"/>
+          <a:lstStyle/>
+          <a:p>
+            <a:pPr algn="ctr"/>
+            <a:endParaRPr lang="en-US"/>
+          </a:p>
+        </p:txBody>
+      </p:sp>
+      <mc:AlternateContent xmlns:mc="http://schemas.openxmlformats.org/markup-compatibility/2006">
+        <mc:Choice xmlns:a14="http://schemas.microsoft.com/office/drawing/2010/main" Requires="a14">
+          <p:sp>
+            <p:nvSpPr>
+              <p:cNvPr id="76" name="TextBox 75">
+                <a:extLst>
+                  <a:ext uri="{FF2B5EF4-FFF2-40B4-BE49-F238E27FC236}">
+                    <a16:creationId xmlns:a16="http://schemas.microsoft.com/office/drawing/2014/main" id="{52E4E9F9-086D-D2C9-8C72-34FB95761EC2}"/>
+                  </a:ext>
+                </a:extLst>
+              </p:cNvPr>
+              <p:cNvSpPr txBox="1"/>
+              <p:nvPr/>
+            </p:nvSpPr>
+            <p:spPr>
+              <a:xfrm>
+                <a:off x="3485467" y="2548841"/>
+                <a:ext cx="274434" cy="230832"/>
+              </a:xfrm>
+              <a:prstGeom prst="rect">
+                <a:avLst/>
+              </a:prstGeom>
+              <a:noFill/>
+            </p:spPr>
+            <p:txBody>
+              <a:bodyPr wrap="none" rtlCol="0">
+                <a:spAutoFit/>
+              </a:bodyPr>
+              <a:lstStyle/>
+              <a:p>
+                <a14:m>
+                  <m:oMathPara xmlns:m="http://schemas.openxmlformats.org/officeDocument/2006/math">
+                    <m:oMathParaPr>
+                      <m:jc m:val="centerGroup"/>
+                    </m:oMathParaPr>
+                    <m:oMath xmlns:m="http://schemas.openxmlformats.org/officeDocument/2006/math">
+                      <m:r>
+                        <a:rPr lang="en-US" sz="900" b="0" i="1" dirty="0" smtClean="0">
+                          <a:latin typeface="Cambria Math" panose="02040503050406030204" pitchFamily="18" charset="0"/>
+                        </a:rPr>
+                        <m:t>8</m:t>
+                      </m:r>
+                    </m:oMath>
+                  </m:oMathPara>
+                </a14:m>
+              </a:p>
+            </p:txBody>
+          </p:sp>
+        </mc:Choice>
+        <mc:Fallback>
+          <p:sp>
+            <p:nvSpPr>
+              <p:cNvPr id="76" name="TextBox 75">
+                <a:extLst>
+                  <a:ext uri="{FF2B5EF4-FFF2-40B4-BE49-F238E27FC236}">
+                    <a16:creationId xmlns:a16="http://schemas.microsoft.com/office/drawing/2014/main" id="{52E4E9F9-086D-D2C9-8C72-34FB95761EC2}"/>
+                  </a:ext>
+                </a:extLst>
+              </p:cNvPr>
+              <p:cNvSpPr txBox="1">
+                <a:spLocks noRot="1" noChangeAspect="1" noMove="1" noResize="1" noEditPoints="1" noAdjustHandles="1" noChangeArrowheads="1" noChangeShapeType="1" noTextEdit="1"/>
+              </p:cNvSpPr>
+              <p:nvPr/>
+            </p:nvSpPr>
+            <p:spPr>
+              <a:xfrm>
+                <a:off x="3485467" y="2548841"/>
+                <a:ext cx="274434" cy="230832"/>
+              </a:xfrm>
+              <a:prstGeom prst="rect">
+                <a:avLst/>
+              </a:prstGeom>
+              <a:blipFill>
+                <a:blip r:embed="rId30"/>
+                <a:stretch>
+                  <a:fillRect b="-5263"/>
+                </a:stretch>
+              </a:blipFill>
+            </p:spPr>
+            <p:txBody>
+              <a:bodyPr/>
+              <a:lstStyle/>
+              <a:p>
+                <a:r>
+                  <a:rPr lang="en-US">
+                    <a:noFill/>
+                  </a:rPr>
+                  <a:t> </a:t>
+                </a:r>
+              </a:p>
+            </p:txBody>
+          </p:sp>
+        </mc:Fallback>
+      </mc:AlternateContent>
+      <mc:AlternateContent xmlns:mc="http://schemas.openxmlformats.org/markup-compatibility/2006">
+        <mc:Choice xmlns:a14="http://schemas.microsoft.com/office/drawing/2010/main" Requires="a14">
+          <p:sp>
+            <p:nvSpPr>
+              <p:cNvPr id="77" name="TextBox 76">
+                <a:extLst>
+                  <a:ext uri="{FF2B5EF4-FFF2-40B4-BE49-F238E27FC236}">
+                    <a16:creationId xmlns:a16="http://schemas.microsoft.com/office/drawing/2014/main" id="{86ABFA50-348D-032B-1523-9C5BDB1B3EB2}"/>
+                  </a:ext>
+                </a:extLst>
+              </p:cNvPr>
+              <p:cNvSpPr txBox="1"/>
+              <p:nvPr/>
+            </p:nvSpPr>
+            <p:spPr>
+              <a:xfrm>
+                <a:off x="3663873" y="2555589"/>
+                <a:ext cx="274434" cy="230832"/>
+              </a:xfrm>
+              <a:prstGeom prst="rect">
+                <a:avLst/>
+              </a:prstGeom>
+              <a:noFill/>
+            </p:spPr>
+            <p:txBody>
+              <a:bodyPr wrap="none" rtlCol="0">
+                <a:spAutoFit/>
+              </a:bodyPr>
+              <a:lstStyle/>
+              <a:p>
+                <a14:m>
+                  <m:oMathPara xmlns:m="http://schemas.openxmlformats.org/officeDocument/2006/math">
+                    <m:oMathParaPr>
+                      <m:jc m:val="centerGroup"/>
+                    </m:oMathParaPr>
+                    <m:oMath xmlns:m="http://schemas.openxmlformats.org/officeDocument/2006/math">
+                      <m:r>
+                        <a:rPr lang="en-US" sz="900" b="0" i="1" dirty="0" smtClean="0">
+                          <a:latin typeface="Cambria Math" panose="02040503050406030204" pitchFamily="18" charset="0"/>
+                        </a:rPr>
+                        <m:t>7</m:t>
+                      </m:r>
+                    </m:oMath>
+                  </m:oMathPara>
+                </a14:m>
+                <a:endParaRPr lang="en-US" sz="900" b="0" i="1" dirty="0">
+                  <a:latin typeface="Cambria Math" panose="02040503050406030204" pitchFamily="18" charset="0"/>
+                </a:endParaRPr>
+              </a:p>
+            </p:txBody>
+          </p:sp>
+        </mc:Choice>
+        <mc:Fallback>
+          <p:sp>
+            <p:nvSpPr>
+              <p:cNvPr id="77" name="TextBox 76">
+                <a:extLst>
+                  <a:ext uri="{FF2B5EF4-FFF2-40B4-BE49-F238E27FC236}">
+                    <a16:creationId xmlns:a16="http://schemas.microsoft.com/office/drawing/2014/main" id="{86ABFA50-348D-032B-1523-9C5BDB1B3EB2}"/>
+                  </a:ext>
+                </a:extLst>
+              </p:cNvPr>
+              <p:cNvSpPr txBox="1">
+                <a:spLocks noRot="1" noChangeAspect="1" noMove="1" noResize="1" noEditPoints="1" noAdjustHandles="1" noChangeArrowheads="1" noChangeShapeType="1" noTextEdit="1"/>
+              </p:cNvSpPr>
+              <p:nvPr/>
+            </p:nvSpPr>
+            <p:spPr>
+              <a:xfrm>
+                <a:off x="3663873" y="2555589"/>
+                <a:ext cx="274434" cy="230832"/>
+              </a:xfrm>
+              <a:prstGeom prst="rect">
+                <a:avLst/>
+              </a:prstGeom>
+              <a:blipFill>
+                <a:blip r:embed="rId31"/>
+                <a:stretch>
+                  <a:fillRect/>
+                </a:stretch>
+              </a:blipFill>
+            </p:spPr>
+            <p:txBody>
+              <a:bodyPr/>
+              <a:lstStyle/>
+              <a:p>
+                <a:r>
+                  <a:rPr lang="en-US">
+                    <a:noFill/>
+                  </a:rPr>
+                  <a:t> </a:t>
+                </a:r>
+              </a:p>
+            </p:txBody>
+          </p:sp>
+        </mc:Fallback>
+      </mc:AlternateContent>
+      <mc:AlternateContent xmlns:mc="http://schemas.openxmlformats.org/markup-compatibility/2006">
+        <mc:Choice xmlns:a14="http://schemas.microsoft.com/office/drawing/2010/main" Requires="a14">
+          <p:sp>
+            <p:nvSpPr>
+              <p:cNvPr id="78" name="TextBox 77">
+                <a:extLst>
+                  <a:ext uri="{FF2B5EF4-FFF2-40B4-BE49-F238E27FC236}">
+                    <a16:creationId xmlns:a16="http://schemas.microsoft.com/office/drawing/2014/main" id="{FC9C9EC5-35C3-4059-74EC-F7B9AA916FB2}"/>
+                  </a:ext>
+                </a:extLst>
+              </p:cNvPr>
+              <p:cNvSpPr txBox="1"/>
+              <p:nvPr/>
+            </p:nvSpPr>
+            <p:spPr>
+              <a:xfrm>
+                <a:off x="3823134" y="2548971"/>
+                <a:ext cx="274434" cy="230832"/>
+              </a:xfrm>
+              <a:prstGeom prst="rect">
+                <a:avLst/>
+              </a:prstGeom>
+              <a:noFill/>
+            </p:spPr>
+            <p:txBody>
+              <a:bodyPr wrap="none" rtlCol="0">
+                <a:spAutoFit/>
+              </a:bodyPr>
+              <a:lstStyle/>
+              <a:p>
+                <a14:m>
+                  <m:oMathPara xmlns:m="http://schemas.openxmlformats.org/officeDocument/2006/math">
+                    <m:oMathParaPr>
+                      <m:jc m:val="centerGroup"/>
+                    </m:oMathParaPr>
+                    <m:oMath xmlns:m="http://schemas.openxmlformats.org/officeDocument/2006/math">
+                      <m:r>
+                        <a:rPr lang="en-US" sz="900" b="0" i="1" dirty="0" smtClean="0">
+                          <a:latin typeface="Cambria Math" panose="02040503050406030204" pitchFamily="18" charset="0"/>
+                        </a:rPr>
+                        <m:t>6</m:t>
+                      </m:r>
+                    </m:oMath>
+                  </m:oMathPara>
+                </a14:m>
+                <a:endParaRPr lang="en-US" sz="900" b="0" i="1" dirty="0">
+                  <a:latin typeface="Cambria Math" panose="02040503050406030204" pitchFamily="18" charset="0"/>
+                </a:endParaRPr>
+              </a:p>
+            </p:txBody>
+          </p:sp>
+        </mc:Choice>
+        <mc:Fallback>
+          <p:sp>
+            <p:nvSpPr>
+              <p:cNvPr id="78" name="TextBox 77">
+                <a:extLst>
+                  <a:ext uri="{FF2B5EF4-FFF2-40B4-BE49-F238E27FC236}">
+                    <a16:creationId xmlns:a16="http://schemas.microsoft.com/office/drawing/2014/main" id="{FC9C9EC5-35C3-4059-74EC-F7B9AA916FB2}"/>
+                  </a:ext>
+                </a:extLst>
+              </p:cNvPr>
+              <p:cNvSpPr txBox="1">
+                <a:spLocks noRot="1" noChangeAspect="1" noMove="1" noResize="1" noEditPoints="1" noAdjustHandles="1" noChangeArrowheads="1" noChangeShapeType="1" noTextEdit="1"/>
+              </p:cNvSpPr>
+              <p:nvPr/>
+            </p:nvSpPr>
+            <p:spPr>
+              <a:xfrm>
+                <a:off x="3823134" y="2548971"/>
+                <a:ext cx="274434" cy="230832"/>
+              </a:xfrm>
+              <a:prstGeom prst="rect">
+                <a:avLst/>
+              </a:prstGeom>
+              <a:blipFill>
+                <a:blip r:embed="rId32"/>
+                <a:stretch>
+                  <a:fillRect/>
+                </a:stretch>
+              </a:blipFill>
+            </p:spPr>
+            <p:txBody>
+              <a:bodyPr/>
+              <a:lstStyle/>
+              <a:p>
+                <a:r>
+                  <a:rPr lang="en-US">
+                    <a:noFill/>
+                  </a:rPr>
+                  <a:t> </a:t>
+                </a:r>
+              </a:p>
+            </p:txBody>
+          </p:sp>
+        </mc:Fallback>
+      </mc:AlternateContent>
+      <p:sp>
+        <p:nvSpPr>
+          <p:cNvPr id="79" name="Rectangle 78">
+            <a:extLst>
+              <a:ext uri="{FF2B5EF4-FFF2-40B4-BE49-F238E27FC236}">
+                <a16:creationId xmlns:a16="http://schemas.microsoft.com/office/drawing/2014/main" id="{B4D2113B-EDE2-7C47-DDA0-0F0F99EB5A45}"/>
+              </a:ext>
+            </a:extLst>
+          </p:cNvPr>
+          <p:cNvSpPr/>
+          <p:nvPr/>
+        </p:nvSpPr>
+        <p:spPr>
+          <a:xfrm>
+            <a:off x="3558335" y="2575897"/>
+            <a:ext cx="130904" cy="172192"/>
+          </a:xfrm>
+          <a:prstGeom prst="rect">
+            <a:avLst/>
+          </a:prstGeom>
+          <a:solidFill>
+            <a:schemeClr val="accent1">
+              <a:alpha val="19000"/>
+            </a:schemeClr>
+          </a:solidFill>
+        </p:spPr>
+        <p:style>
+          <a:lnRef idx="2">
+            <a:schemeClr val="accent1">
+              <a:shade val="15000"/>
+            </a:schemeClr>
+          </a:lnRef>
+          <a:fillRef idx="1">
+            <a:schemeClr val="accent1"/>
+          </a:fillRef>
+          <a:effectRef idx="0">
+            <a:schemeClr val="accent1"/>
+          </a:effectRef>
+          <a:fontRef idx="minor">
+            <a:schemeClr val="lt1"/>
+          </a:fontRef>
+        </p:style>
+        <p:txBody>
+          <a:bodyPr rtlCol="0" anchor="ctr"/>
+          <a:lstStyle/>
+          <a:p>
+            <a:pPr algn="ctr"/>
+            <a:endParaRPr lang="en-US"/>
+          </a:p>
+        </p:txBody>
+      </p:sp>
+      <p:sp>
+        <p:nvSpPr>
+          <p:cNvPr id="80" name="Rectangle 79">
+            <a:extLst>
+              <a:ext uri="{FF2B5EF4-FFF2-40B4-BE49-F238E27FC236}">
+                <a16:creationId xmlns:a16="http://schemas.microsoft.com/office/drawing/2014/main" id="{4B7690FA-4E4E-1BFB-A189-0716D99FD828}"/>
+              </a:ext>
+            </a:extLst>
+          </p:cNvPr>
+          <p:cNvSpPr/>
+          <p:nvPr/>
+        </p:nvSpPr>
+        <p:spPr>
+          <a:xfrm>
+            <a:off x="3728056" y="2575897"/>
+            <a:ext cx="130904" cy="172192"/>
+          </a:xfrm>
+          <a:prstGeom prst="rect">
+            <a:avLst/>
+          </a:prstGeom>
+          <a:solidFill>
+            <a:schemeClr val="accent1">
+              <a:alpha val="19000"/>
+            </a:schemeClr>
+          </a:solidFill>
+        </p:spPr>
+        <p:style>
+          <a:lnRef idx="2">
+            <a:schemeClr val="accent1">
+              <a:shade val="15000"/>
+            </a:schemeClr>
+          </a:lnRef>
+          <a:fillRef idx="1">
+            <a:schemeClr val="accent1"/>
+          </a:fillRef>
+          <a:effectRef idx="0">
+            <a:schemeClr val="accent1"/>
+          </a:effectRef>
+          <a:fontRef idx="minor">
+            <a:schemeClr val="lt1"/>
+          </a:fontRef>
+        </p:style>
+        <p:txBody>
+          <a:bodyPr rtlCol="0" anchor="ctr"/>
+          <a:lstStyle/>
+          <a:p>
+            <a:pPr algn="ctr"/>
+            <a:endParaRPr lang="en-US"/>
+          </a:p>
+        </p:txBody>
+      </p:sp>
+      <p:sp>
+        <p:nvSpPr>
+          <p:cNvPr id="81" name="Rectangle 80">
+            <a:extLst>
+              <a:ext uri="{FF2B5EF4-FFF2-40B4-BE49-F238E27FC236}">
+                <a16:creationId xmlns:a16="http://schemas.microsoft.com/office/drawing/2014/main" id="{D76AF93D-2A13-67D1-21F5-D7C904A6CB65}"/>
+              </a:ext>
+            </a:extLst>
+          </p:cNvPr>
+          <p:cNvSpPr/>
+          <p:nvPr/>
+        </p:nvSpPr>
+        <p:spPr>
+          <a:xfrm>
+            <a:off x="3898826" y="2575897"/>
+            <a:ext cx="130904" cy="172192"/>
+          </a:xfrm>
+          <a:prstGeom prst="rect">
+            <a:avLst/>
+          </a:prstGeom>
+          <a:solidFill>
+            <a:schemeClr val="accent1">
+              <a:alpha val="19000"/>
+            </a:schemeClr>
+          </a:solidFill>
+        </p:spPr>
+        <p:style>
+          <a:lnRef idx="2">
+            <a:schemeClr val="accent1">
+              <a:shade val="15000"/>
+            </a:schemeClr>
+          </a:lnRef>
+          <a:fillRef idx="1">
+            <a:schemeClr val="accent1"/>
+          </a:fillRef>
+          <a:effectRef idx="0">
+            <a:schemeClr val="accent1"/>
+          </a:effectRef>
+          <a:fontRef idx="minor">
+            <a:schemeClr val="lt1"/>
+          </a:fontRef>
+        </p:style>
+        <p:txBody>
+          <a:bodyPr rtlCol="0" anchor="ctr"/>
+          <a:lstStyle/>
+          <a:p>
+            <a:pPr algn="ctr"/>
+            <a:endParaRPr lang="en-US"/>
+          </a:p>
+        </p:txBody>
+      </p:sp>
+      <mc:AlternateContent xmlns:mc="http://schemas.openxmlformats.org/markup-compatibility/2006">
+        <mc:Choice xmlns:a14="http://schemas.microsoft.com/office/drawing/2010/main" Requires="a14">
+          <p:sp>
+            <p:nvSpPr>
+              <p:cNvPr id="82" name="TextBox 81">
+                <a:extLst>
+                  <a:ext uri="{FF2B5EF4-FFF2-40B4-BE49-F238E27FC236}">
+                    <a16:creationId xmlns:a16="http://schemas.microsoft.com/office/drawing/2014/main" id="{3C4465FD-CB9F-1100-2FA0-3712208A478F}"/>
+                  </a:ext>
+                </a:extLst>
+              </p:cNvPr>
+              <p:cNvSpPr txBox="1"/>
+              <p:nvPr/>
+            </p:nvSpPr>
+            <p:spPr>
+              <a:xfrm>
+                <a:off x="3987248" y="2548841"/>
+                <a:ext cx="274434" cy="230832"/>
+              </a:xfrm>
+              <a:prstGeom prst="rect">
+                <a:avLst/>
+              </a:prstGeom>
+              <a:noFill/>
+            </p:spPr>
+            <p:txBody>
+              <a:bodyPr wrap="none" rtlCol="0">
+                <a:spAutoFit/>
+              </a:bodyPr>
+              <a:lstStyle/>
+              <a:p>
+                <a14:m>
+                  <m:oMathPara xmlns:m="http://schemas.openxmlformats.org/officeDocument/2006/math">
+                    <m:oMathParaPr>
+                      <m:jc m:val="centerGroup"/>
+                    </m:oMathParaPr>
+                    <m:oMath xmlns:m="http://schemas.openxmlformats.org/officeDocument/2006/math">
+                      <m:r>
+                        <a:rPr lang="en-US" sz="900" b="0" i="1" dirty="0" smtClean="0">
+                          <a:latin typeface="Cambria Math" panose="02040503050406030204" pitchFamily="18" charset="0"/>
+                        </a:rPr>
+                        <m:t>8</m:t>
+                      </m:r>
+                    </m:oMath>
+                  </m:oMathPara>
+                </a14:m>
+              </a:p>
+            </p:txBody>
+          </p:sp>
+        </mc:Choice>
+        <mc:Fallback>
+          <p:sp>
+            <p:nvSpPr>
+              <p:cNvPr id="82" name="TextBox 81">
+                <a:extLst>
+                  <a:ext uri="{FF2B5EF4-FFF2-40B4-BE49-F238E27FC236}">
+                    <a16:creationId xmlns:a16="http://schemas.microsoft.com/office/drawing/2014/main" id="{3C4465FD-CB9F-1100-2FA0-3712208A478F}"/>
+                  </a:ext>
+                </a:extLst>
+              </p:cNvPr>
+              <p:cNvSpPr txBox="1">
+                <a:spLocks noRot="1" noChangeAspect="1" noMove="1" noResize="1" noEditPoints="1" noAdjustHandles="1" noChangeArrowheads="1" noChangeShapeType="1" noTextEdit="1"/>
+              </p:cNvSpPr>
+              <p:nvPr/>
+            </p:nvSpPr>
+            <p:spPr>
+              <a:xfrm>
+                <a:off x="3987248" y="2548841"/>
+                <a:ext cx="274434" cy="230832"/>
+              </a:xfrm>
+              <a:prstGeom prst="rect">
+                <a:avLst/>
+              </a:prstGeom>
+              <a:blipFill>
+                <a:blip r:embed="rId33"/>
+                <a:stretch>
+                  <a:fillRect b="-5263"/>
+                </a:stretch>
+              </a:blipFill>
+            </p:spPr>
+            <p:txBody>
+              <a:bodyPr/>
+              <a:lstStyle/>
+              <a:p>
+                <a:r>
+                  <a:rPr lang="en-US">
+                    <a:noFill/>
+                  </a:rPr>
+                  <a:t> </a:t>
+                </a:r>
+              </a:p>
+            </p:txBody>
+          </p:sp>
+        </mc:Fallback>
+      </mc:AlternateContent>
+      <mc:AlternateContent xmlns:mc="http://schemas.openxmlformats.org/markup-compatibility/2006">
+        <mc:Choice xmlns:a14="http://schemas.microsoft.com/office/drawing/2010/main" Requires="a14">
+          <p:sp>
+            <p:nvSpPr>
+              <p:cNvPr id="83" name="TextBox 82">
+                <a:extLst>
+                  <a:ext uri="{FF2B5EF4-FFF2-40B4-BE49-F238E27FC236}">
+                    <a16:creationId xmlns:a16="http://schemas.microsoft.com/office/drawing/2014/main" id="{392FB331-B774-CFED-6A53-162616CABF6E}"/>
+                  </a:ext>
+                </a:extLst>
+              </p:cNvPr>
+              <p:cNvSpPr txBox="1"/>
+              <p:nvPr/>
+            </p:nvSpPr>
+            <p:spPr>
+              <a:xfrm>
+                <a:off x="4165654" y="2555589"/>
+                <a:ext cx="274434" cy="230832"/>
+              </a:xfrm>
+              <a:prstGeom prst="rect">
+                <a:avLst/>
+              </a:prstGeom>
+              <a:noFill/>
+            </p:spPr>
+            <p:txBody>
+              <a:bodyPr wrap="none" rtlCol="0">
+                <a:spAutoFit/>
+              </a:bodyPr>
+              <a:lstStyle/>
+              <a:p>
+                <a14:m>
+                  <m:oMathPara xmlns:m="http://schemas.openxmlformats.org/officeDocument/2006/math">
+                    <m:oMathParaPr>
+                      <m:jc m:val="centerGroup"/>
+                    </m:oMathParaPr>
+                    <m:oMath xmlns:m="http://schemas.openxmlformats.org/officeDocument/2006/math">
+                      <m:r>
+                        <a:rPr lang="en-US" sz="900" b="0" i="1" dirty="0" smtClean="0">
+                          <a:latin typeface="Cambria Math" panose="02040503050406030204" pitchFamily="18" charset="0"/>
+                        </a:rPr>
+                        <m:t>7</m:t>
+                      </m:r>
+                    </m:oMath>
+                  </m:oMathPara>
+                </a14:m>
+                <a:endParaRPr lang="en-US" sz="900" b="0" i="1" dirty="0">
+                  <a:latin typeface="Cambria Math" panose="02040503050406030204" pitchFamily="18" charset="0"/>
+                </a:endParaRPr>
+              </a:p>
+            </p:txBody>
+          </p:sp>
+        </mc:Choice>
+        <mc:Fallback>
+          <p:sp>
+            <p:nvSpPr>
+              <p:cNvPr id="83" name="TextBox 82">
+                <a:extLst>
+                  <a:ext uri="{FF2B5EF4-FFF2-40B4-BE49-F238E27FC236}">
+                    <a16:creationId xmlns:a16="http://schemas.microsoft.com/office/drawing/2014/main" id="{392FB331-B774-CFED-6A53-162616CABF6E}"/>
+                  </a:ext>
+                </a:extLst>
+              </p:cNvPr>
+              <p:cNvSpPr txBox="1">
+                <a:spLocks noRot="1" noChangeAspect="1" noMove="1" noResize="1" noEditPoints="1" noAdjustHandles="1" noChangeArrowheads="1" noChangeShapeType="1" noTextEdit="1"/>
+              </p:cNvSpPr>
+              <p:nvPr/>
+            </p:nvSpPr>
+            <p:spPr>
+              <a:xfrm>
+                <a:off x="4165654" y="2555589"/>
+                <a:ext cx="274434" cy="230832"/>
+              </a:xfrm>
+              <a:prstGeom prst="rect">
+                <a:avLst/>
+              </a:prstGeom>
+              <a:blipFill>
+                <a:blip r:embed="rId34"/>
+                <a:stretch>
+                  <a:fillRect/>
+                </a:stretch>
+              </a:blipFill>
+            </p:spPr>
+            <p:txBody>
+              <a:bodyPr/>
+              <a:lstStyle/>
+              <a:p>
+                <a:r>
+                  <a:rPr lang="en-US">
+                    <a:noFill/>
+                  </a:rPr>
+                  <a:t> </a:t>
+                </a:r>
+              </a:p>
+            </p:txBody>
+          </p:sp>
+        </mc:Fallback>
+      </mc:AlternateContent>
+      <p:sp>
+        <p:nvSpPr>
+          <p:cNvPr id="84" name="Rectangle 83">
+            <a:extLst>
+              <a:ext uri="{FF2B5EF4-FFF2-40B4-BE49-F238E27FC236}">
+                <a16:creationId xmlns:a16="http://schemas.microsoft.com/office/drawing/2014/main" id="{B6C8134B-17C4-C374-C2E4-21FB6B832FF9}"/>
+              </a:ext>
+            </a:extLst>
+          </p:cNvPr>
+          <p:cNvSpPr/>
+          <p:nvPr/>
+        </p:nvSpPr>
+        <p:spPr>
+          <a:xfrm>
+            <a:off x="4060116" y="2575897"/>
+            <a:ext cx="130904" cy="172192"/>
+          </a:xfrm>
+          <a:prstGeom prst="rect">
+            <a:avLst/>
+          </a:prstGeom>
+          <a:solidFill>
+            <a:schemeClr val="accent1">
+              <a:alpha val="19000"/>
+            </a:schemeClr>
+          </a:solidFill>
+        </p:spPr>
+        <p:style>
+          <a:lnRef idx="2">
+            <a:schemeClr val="accent1">
+              <a:shade val="15000"/>
+            </a:schemeClr>
+          </a:lnRef>
+          <a:fillRef idx="1">
+            <a:schemeClr val="accent1"/>
+          </a:fillRef>
+          <a:effectRef idx="0">
+            <a:schemeClr val="accent1"/>
+          </a:effectRef>
+          <a:fontRef idx="minor">
+            <a:schemeClr val="lt1"/>
+          </a:fontRef>
+        </p:style>
+        <p:txBody>
+          <a:bodyPr rtlCol="0" anchor="ctr"/>
+          <a:lstStyle/>
+          <a:p>
+            <a:pPr algn="ctr"/>
+            <a:endParaRPr lang="en-US"/>
+          </a:p>
+        </p:txBody>
+      </p:sp>
+      <p:sp>
+        <p:nvSpPr>
+          <p:cNvPr id="85" name="Rectangle 84">
+            <a:extLst>
+              <a:ext uri="{FF2B5EF4-FFF2-40B4-BE49-F238E27FC236}">
+                <a16:creationId xmlns:a16="http://schemas.microsoft.com/office/drawing/2014/main" id="{DF212FC8-803D-DA53-F0C6-90C994C07327}"/>
+              </a:ext>
+            </a:extLst>
+          </p:cNvPr>
+          <p:cNvSpPr/>
+          <p:nvPr/>
+        </p:nvSpPr>
+        <p:spPr>
+          <a:xfrm>
+            <a:off x="4229837" y="2575897"/>
+            <a:ext cx="130904" cy="172192"/>
+          </a:xfrm>
+          <a:prstGeom prst="rect">
+            <a:avLst/>
+          </a:prstGeom>
+          <a:solidFill>
+            <a:schemeClr val="accent1">
+              <a:alpha val="19000"/>
+            </a:schemeClr>
+          </a:solidFill>
+        </p:spPr>
+        <p:style>
+          <a:lnRef idx="2">
+            <a:schemeClr val="accent1">
+              <a:shade val="15000"/>
+            </a:schemeClr>
+          </a:lnRef>
+          <a:fillRef idx="1">
+            <a:schemeClr val="accent1"/>
+          </a:fillRef>
+          <a:effectRef idx="0">
+            <a:schemeClr val="accent1"/>
+          </a:effectRef>
+          <a:fontRef idx="minor">
+            <a:schemeClr val="lt1"/>
+          </a:fontRef>
+        </p:style>
+        <p:txBody>
+          <a:bodyPr rtlCol="0" anchor="ctr"/>
+          <a:lstStyle/>
+          <a:p>
+            <a:pPr algn="ctr"/>
+            <a:endParaRPr lang="en-US"/>
+          </a:p>
+        </p:txBody>
+      </p:sp>
+      <p:sp>
+        <p:nvSpPr>
+          <p:cNvPr id="86" name="Rectangle 85">
+            <a:extLst>
+              <a:ext uri="{FF2B5EF4-FFF2-40B4-BE49-F238E27FC236}">
+                <a16:creationId xmlns:a16="http://schemas.microsoft.com/office/drawing/2014/main" id="{6FE4D297-31ED-55F6-0528-125AEBC510A1}"/>
+              </a:ext>
+            </a:extLst>
+          </p:cNvPr>
+          <p:cNvSpPr/>
+          <p:nvPr/>
+        </p:nvSpPr>
+        <p:spPr>
+          <a:xfrm>
+            <a:off x="4400607" y="2575897"/>
+            <a:ext cx="130904" cy="172192"/>
+          </a:xfrm>
+          <a:prstGeom prst="rect">
+            <a:avLst/>
+          </a:prstGeom>
+          <a:solidFill>
+            <a:schemeClr val="accent1">
+              <a:alpha val="19000"/>
+            </a:schemeClr>
+          </a:solidFill>
+        </p:spPr>
+        <p:style>
+          <a:lnRef idx="2">
+            <a:schemeClr val="accent1">
+              <a:shade val="15000"/>
+            </a:schemeClr>
+          </a:lnRef>
+          <a:fillRef idx="1">
+            <a:schemeClr val="accent1"/>
+          </a:fillRef>
+          <a:effectRef idx="0">
+            <a:schemeClr val="accent1"/>
+          </a:effectRef>
+          <a:fontRef idx="minor">
+            <a:schemeClr val="lt1"/>
+          </a:fontRef>
+        </p:style>
+        <p:txBody>
+          <a:bodyPr rtlCol="0" anchor="ctr"/>
+          <a:lstStyle/>
+          <a:p>
+            <a:pPr algn="ctr"/>
+            <a:endParaRPr lang="en-US"/>
+          </a:p>
+        </p:txBody>
+      </p:sp>
+      <mc:AlternateContent xmlns:mc="http://schemas.openxmlformats.org/markup-compatibility/2006">
+        <mc:Choice xmlns:a14="http://schemas.microsoft.com/office/drawing/2010/main" Requires="a14">
+          <p:sp>
+            <p:nvSpPr>
+              <p:cNvPr id="87" name="TextBox 86">
+                <a:extLst>
+                  <a:ext uri="{FF2B5EF4-FFF2-40B4-BE49-F238E27FC236}">
+                    <a16:creationId xmlns:a16="http://schemas.microsoft.com/office/drawing/2014/main" id="{8F0836F1-F93E-F5B5-0865-0BB98FF668CC}"/>
+                  </a:ext>
+                </a:extLst>
+              </p:cNvPr>
+              <p:cNvSpPr txBox="1"/>
+              <p:nvPr/>
+            </p:nvSpPr>
+            <p:spPr>
+              <a:xfrm>
+                <a:off x="4323604" y="2555589"/>
+                <a:ext cx="274434" cy="230832"/>
+              </a:xfrm>
+              <a:prstGeom prst="rect">
+                <a:avLst/>
+              </a:prstGeom>
+              <a:noFill/>
+            </p:spPr>
+            <p:txBody>
+              <a:bodyPr wrap="none" rtlCol="0">
+                <a:spAutoFit/>
+              </a:bodyPr>
+              <a:lstStyle/>
+              <a:p>
+                <a14:m>
+                  <m:oMathPara xmlns:m="http://schemas.openxmlformats.org/officeDocument/2006/math">
+                    <m:oMathParaPr>
+                      <m:jc m:val="centerGroup"/>
+                    </m:oMathParaPr>
+                    <m:oMath xmlns:m="http://schemas.openxmlformats.org/officeDocument/2006/math">
+                      <m:r>
+                        <a:rPr lang="en-US" sz="900" b="0" i="1" dirty="0" smtClean="0">
+                          <a:latin typeface="Cambria Math" panose="02040503050406030204" pitchFamily="18" charset="0"/>
+                        </a:rPr>
+                        <m:t>6</m:t>
+                      </m:r>
+                    </m:oMath>
+                  </m:oMathPara>
+                </a14:m>
+                <a:endParaRPr lang="en-US" sz="900" b="0" i="1" dirty="0">
+                  <a:latin typeface="Cambria Math" panose="02040503050406030204" pitchFamily="18" charset="0"/>
+                </a:endParaRPr>
+              </a:p>
+            </p:txBody>
+          </p:sp>
+        </mc:Choice>
+        <mc:Fallback>
+          <p:sp>
+            <p:nvSpPr>
+              <p:cNvPr id="87" name="TextBox 86">
+                <a:extLst>
+                  <a:ext uri="{FF2B5EF4-FFF2-40B4-BE49-F238E27FC236}">
+                    <a16:creationId xmlns:a16="http://schemas.microsoft.com/office/drawing/2014/main" id="{8F0836F1-F93E-F5B5-0865-0BB98FF668CC}"/>
+                  </a:ext>
+                </a:extLst>
+              </p:cNvPr>
+              <p:cNvSpPr txBox="1">
+                <a:spLocks noRot="1" noChangeAspect="1" noMove="1" noResize="1" noEditPoints="1" noAdjustHandles="1" noChangeArrowheads="1" noChangeShapeType="1" noTextEdit="1"/>
+              </p:cNvSpPr>
+              <p:nvPr/>
+            </p:nvSpPr>
+            <p:spPr>
+              <a:xfrm>
+                <a:off x="4323604" y="2555589"/>
+                <a:ext cx="274434" cy="230832"/>
+              </a:xfrm>
+              <a:prstGeom prst="rect">
+                <a:avLst/>
+              </a:prstGeom>
+              <a:blipFill>
+                <a:blip r:embed="rId35"/>
+                <a:stretch>
+                  <a:fillRect/>
+                </a:stretch>
+              </a:blipFill>
+            </p:spPr>
+            <p:txBody>
+              <a:bodyPr/>
+              <a:lstStyle/>
+              <a:p>
+                <a:r>
+                  <a:rPr lang="en-US">
+                    <a:noFill/>
+                  </a:rPr>
+                  <a:t> </a:t>
+                </a:r>
+              </a:p>
+            </p:txBody>
+          </p:sp>
+        </mc:Fallback>
+      </mc:AlternateContent>
+      <mc:AlternateContent xmlns:mc="http://schemas.openxmlformats.org/markup-compatibility/2006">
+        <mc:Choice xmlns:a14="http://schemas.microsoft.com/office/drawing/2010/main" Requires="a14">
+          <p:sp>
+            <p:nvSpPr>
+              <p:cNvPr id="88" name="TextBox 87">
+                <a:extLst>
+                  <a:ext uri="{FF2B5EF4-FFF2-40B4-BE49-F238E27FC236}">
+                    <a16:creationId xmlns:a16="http://schemas.microsoft.com/office/drawing/2014/main" id="{D55DBDCE-F9B1-0930-3D41-0E407417991B}"/>
+                  </a:ext>
+                </a:extLst>
+              </p:cNvPr>
+              <p:cNvSpPr txBox="1"/>
+              <p:nvPr/>
+            </p:nvSpPr>
+            <p:spPr>
+              <a:xfrm>
+                <a:off x="5016826" y="2555589"/>
+                <a:ext cx="274434" cy="230832"/>
+              </a:xfrm>
+              <a:prstGeom prst="rect">
+                <a:avLst/>
+              </a:prstGeom>
+              <a:noFill/>
+            </p:spPr>
+            <p:txBody>
+              <a:bodyPr wrap="none" rtlCol="0">
+                <a:spAutoFit/>
+              </a:bodyPr>
+              <a:lstStyle/>
+              <a:p>
+                <a14:m>
+                  <m:oMathPara xmlns:m="http://schemas.openxmlformats.org/officeDocument/2006/math">
+                    <m:oMathParaPr>
+                      <m:jc m:val="centerGroup"/>
+                    </m:oMathParaPr>
+                    <m:oMath xmlns:m="http://schemas.openxmlformats.org/officeDocument/2006/math">
+                      <m:r>
+                        <a:rPr lang="en-US" sz="900" b="0" i="1" dirty="0" smtClean="0">
+                          <a:latin typeface="Cambria Math" panose="02040503050406030204" pitchFamily="18" charset="0"/>
+                        </a:rPr>
+                        <m:t>8</m:t>
+                      </m:r>
+                    </m:oMath>
+                  </m:oMathPara>
+                </a14:m>
+              </a:p>
+            </p:txBody>
+          </p:sp>
+        </mc:Choice>
+        <mc:Fallback>
+          <p:sp>
+            <p:nvSpPr>
+              <p:cNvPr id="88" name="TextBox 87">
+                <a:extLst>
+                  <a:ext uri="{FF2B5EF4-FFF2-40B4-BE49-F238E27FC236}">
+                    <a16:creationId xmlns:a16="http://schemas.microsoft.com/office/drawing/2014/main" id="{D55DBDCE-F9B1-0930-3D41-0E407417991B}"/>
+                  </a:ext>
+                </a:extLst>
+              </p:cNvPr>
+              <p:cNvSpPr txBox="1">
+                <a:spLocks noRot="1" noChangeAspect="1" noMove="1" noResize="1" noEditPoints="1" noAdjustHandles="1" noChangeArrowheads="1" noChangeShapeType="1" noTextEdit="1"/>
+              </p:cNvSpPr>
+              <p:nvPr/>
+            </p:nvSpPr>
+            <p:spPr>
+              <a:xfrm>
+                <a:off x="5016826" y="2555589"/>
+                <a:ext cx="274434" cy="230832"/>
+              </a:xfrm>
+              <a:prstGeom prst="rect">
+                <a:avLst/>
+              </a:prstGeom>
+              <a:blipFill>
+                <a:blip r:embed="rId36"/>
+                <a:stretch>
+                  <a:fillRect b="-5263"/>
+                </a:stretch>
+              </a:blipFill>
+            </p:spPr>
+            <p:txBody>
+              <a:bodyPr/>
+              <a:lstStyle/>
+              <a:p>
+                <a:r>
+                  <a:rPr lang="en-US">
+                    <a:noFill/>
+                  </a:rPr>
+                  <a:t> </a:t>
+                </a:r>
+              </a:p>
+            </p:txBody>
+          </p:sp>
+        </mc:Fallback>
+      </mc:AlternateContent>
+      <mc:AlternateContent xmlns:mc="http://schemas.openxmlformats.org/markup-compatibility/2006">
+        <mc:Choice xmlns:a14="http://schemas.microsoft.com/office/drawing/2010/main" Requires="a14">
+          <p:sp>
+            <p:nvSpPr>
+              <p:cNvPr id="89" name="TextBox 88">
+                <a:extLst>
+                  <a:ext uri="{FF2B5EF4-FFF2-40B4-BE49-F238E27FC236}">
+                    <a16:creationId xmlns:a16="http://schemas.microsoft.com/office/drawing/2014/main" id="{7779B06D-E9CE-AA71-1A99-24196B0AF052}"/>
+                  </a:ext>
+                </a:extLst>
+              </p:cNvPr>
+              <p:cNvSpPr txBox="1"/>
+              <p:nvPr/>
+            </p:nvSpPr>
+            <p:spPr>
+              <a:xfrm>
+                <a:off x="5195232" y="2562337"/>
+                <a:ext cx="274434" cy="230832"/>
+              </a:xfrm>
+              <a:prstGeom prst="rect">
+                <a:avLst/>
+              </a:prstGeom>
+              <a:noFill/>
+            </p:spPr>
+            <p:txBody>
+              <a:bodyPr wrap="none" rtlCol="0">
+                <a:spAutoFit/>
+              </a:bodyPr>
+              <a:lstStyle/>
+              <a:p>
+                <a14:m>
+                  <m:oMathPara xmlns:m="http://schemas.openxmlformats.org/officeDocument/2006/math">
+                    <m:oMathParaPr>
+                      <m:jc m:val="centerGroup"/>
+                    </m:oMathParaPr>
+                    <m:oMath xmlns:m="http://schemas.openxmlformats.org/officeDocument/2006/math">
+                      <m:r>
+                        <a:rPr lang="en-US" sz="900" b="0" i="1" dirty="0" smtClean="0">
+                          <a:latin typeface="Cambria Math" panose="02040503050406030204" pitchFamily="18" charset="0"/>
+                        </a:rPr>
+                        <m:t>7</m:t>
+                      </m:r>
+                    </m:oMath>
+                  </m:oMathPara>
+                </a14:m>
+                <a:endParaRPr lang="en-US" sz="900" b="0" i="1" dirty="0">
+                  <a:latin typeface="Cambria Math" panose="02040503050406030204" pitchFamily="18" charset="0"/>
+                </a:endParaRPr>
+              </a:p>
+            </p:txBody>
+          </p:sp>
+        </mc:Choice>
+        <mc:Fallback>
+          <p:sp>
+            <p:nvSpPr>
+              <p:cNvPr id="89" name="TextBox 88">
+                <a:extLst>
+                  <a:ext uri="{FF2B5EF4-FFF2-40B4-BE49-F238E27FC236}">
+                    <a16:creationId xmlns:a16="http://schemas.microsoft.com/office/drawing/2014/main" id="{7779B06D-E9CE-AA71-1A99-24196B0AF052}"/>
+                  </a:ext>
+                </a:extLst>
+              </p:cNvPr>
+              <p:cNvSpPr txBox="1">
+                <a:spLocks noRot="1" noChangeAspect="1" noMove="1" noResize="1" noEditPoints="1" noAdjustHandles="1" noChangeArrowheads="1" noChangeShapeType="1" noTextEdit="1"/>
+              </p:cNvSpPr>
+              <p:nvPr/>
+            </p:nvSpPr>
+            <p:spPr>
+              <a:xfrm>
+                <a:off x="5195232" y="2562337"/>
+                <a:ext cx="274434" cy="230832"/>
+              </a:xfrm>
+              <a:prstGeom prst="rect">
+                <a:avLst/>
+              </a:prstGeom>
+              <a:blipFill>
+                <a:blip r:embed="rId25"/>
+                <a:stretch>
+                  <a:fillRect/>
+                </a:stretch>
+              </a:blipFill>
+            </p:spPr>
+            <p:txBody>
+              <a:bodyPr/>
+              <a:lstStyle/>
+              <a:p>
+                <a:r>
+                  <a:rPr lang="en-US">
+                    <a:noFill/>
+                  </a:rPr>
+                  <a:t> </a:t>
+                </a:r>
+              </a:p>
+            </p:txBody>
+          </p:sp>
+        </mc:Fallback>
+      </mc:AlternateContent>
+      <p:sp>
+        <p:nvSpPr>
+          <p:cNvPr id="90" name="Rectangle 89">
+            <a:extLst>
+              <a:ext uri="{FF2B5EF4-FFF2-40B4-BE49-F238E27FC236}">
+                <a16:creationId xmlns:a16="http://schemas.microsoft.com/office/drawing/2014/main" id="{046FA292-A2CE-0DA9-DC93-46140376E1E0}"/>
+              </a:ext>
+            </a:extLst>
+          </p:cNvPr>
+          <p:cNvSpPr/>
+          <p:nvPr/>
+        </p:nvSpPr>
+        <p:spPr>
+          <a:xfrm>
+            <a:off x="5089694" y="2582645"/>
+            <a:ext cx="130904" cy="172192"/>
+          </a:xfrm>
+          <a:prstGeom prst="rect">
+            <a:avLst/>
+          </a:prstGeom>
+          <a:solidFill>
+            <a:schemeClr val="accent1">
+              <a:alpha val="19000"/>
+            </a:schemeClr>
+          </a:solidFill>
+        </p:spPr>
+        <p:style>
+          <a:lnRef idx="2">
+            <a:schemeClr val="accent1">
+              <a:shade val="15000"/>
+            </a:schemeClr>
+          </a:lnRef>
+          <a:fillRef idx="1">
+            <a:schemeClr val="accent1"/>
+          </a:fillRef>
+          <a:effectRef idx="0">
+            <a:schemeClr val="accent1"/>
+          </a:effectRef>
+          <a:fontRef idx="minor">
+            <a:schemeClr val="lt1"/>
+          </a:fontRef>
+        </p:style>
+        <p:txBody>
+          <a:bodyPr rtlCol="0" anchor="ctr"/>
+          <a:lstStyle/>
+          <a:p>
+            <a:pPr algn="ctr"/>
+            <a:endParaRPr lang="en-US"/>
+          </a:p>
+        </p:txBody>
+      </p:sp>
+      <p:sp>
+        <p:nvSpPr>
+          <p:cNvPr id="91" name="Rectangle 90">
+            <a:extLst>
+              <a:ext uri="{FF2B5EF4-FFF2-40B4-BE49-F238E27FC236}">
+                <a16:creationId xmlns:a16="http://schemas.microsoft.com/office/drawing/2014/main" id="{1DACEE62-89C4-028E-C687-1F987064A7C4}"/>
+              </a:ext>
+            </a:extLst>
+          </p:cNvPr>
+          <p:cNvSpPr/>
+          <p:nvPr/>
+        </p:nvSpPr>
+        <p:spPr>
+          <a:xfrm>
+            <a:off x="5259415" y="2582645"/>
+            <a:ext cx="130904" cy="172192"/>
+          </a:xfrm>
+          <a:prstGeom prst="rect">
+            <a:avLst/>
+          </a:prstGeom>
+          <a:solidFill>
+            <a:schemeClr val="accent1">
+              <a:alpha val="19000"/>
+            </a:schemeClr>
+          </a:solidFill>
+        </p:spPr>
+        <p:style>
+          <a:lnRef idx="2">
+            <a:schemeClr val="accent1">
+              <a:shade val="15000"/>
+            </a:schemeClr>
+          </a:lnRef>
+          <a:fillRef idx="1">
+            <a:schemeClr val="accent1"/>
+          </a:fillRef>
+          <a:effectRef idx="0">
+            <a:schemeClr val="accent1"/>
+          </a:effectRef>
+          <a:fontRef idx="minor">
+            <a:schemeClr val="lt1"/>
+          </a:fontRef>
+        </p:style>
+        <p:txBody>
+          <a:bodyPr rtlCol="0" anchor="ctr"/>
+          <a:lstStyle/>
+          <a:p>
+            <a:pPr algn="ctr"/>
+            <a:endParaRPr lang="en-US"/>
+          </a:p>
+        </p:txBody>
+      </p:sp>
+      <p:sp>
+        <p:nvSpPr>
+          <p:cNvPr id="92" name="Rectangle 91">
+            <a:extLst>
+              <a:ext uri="{FF2B5EF4-FFF2-40B4-BE49-F238E27FC236}">
+                <a16:creationId xmlns:a16="http://schemas.microsoft.com/office/drawing/2014/main" id="{CD87F791-76C7-C05A-C688-CC92191239C0}"/>
+              </a:ext>
+            </a:extLst>
+          </p:cNvPr>
+          <p:cNvSpPr/>
+          <p:nvPr/>
+        </p:nvSpPr>
+        <p:spPr>
+          <a:xfrm>
+            <a:off x="5430185" y="2582645"/>
+            <a:ext cx="130904" cy="172192"/>
+          </a:xfrm>
+          <a:prstGeom prst="rect">
+            <a:avLst/>
+          </a:prstGeom>
+          <a:solidFill>
+            <a:schemeClr val="accent1">
+              <a:alpha val="19000"/>
+            </a:schemeClr>
+          </a:solidFill>
+        </p:spPr>
+        <p:style>
+          <a:lnRef idx="2">
+            <a:schemeClr val="accent1">
+              <a:shade val="15000"/>
+            </a:schemeClr>
+          </a:lnRef>
+          <a:fillRef idx="1">
+            <a:schemeClr val="accent1"/>
+          </a:fillRef>
+          <a:effectRef idx="0">
+            <a:schemeClr val="accent1"/>
+          </a:effectRef>
+          <a:fontRef idx="minor">
+            <a:schemeClr val="lt1"/>
+          </a:fontRef>
+        </p:style>
+        <p:txBody>
+          <a:bodyPr rtlCol="0" anchor="ctr"/>
+          <a:lstStyle/>
+          <a:p>
+            <a:pPr algn="ctr"/>
+            <a:endParaRPr lang="en-US"/>
+          </a:p>
+        </p:txBody>
+      </p:sp>
+      <mc:AlternateContent xmlns:mc="http://schemas.openxmlformats.org/markup-compatibility/2006">
+        <mc:Choice xmlns:a14="http://schemas.microsoft.com/office/drawing/2010/main" Requires="a14">
+          <p:sp>
+            <p:nvSpPr>
+              <p:cNvPr id="93" name="TextBox 92">
+                <a:extLst>
+                  <a:ext uri="{FF2B5EF4-FFF2-40B4-BE49-F238E27FC236}">
+                    <a16:creationId xmlns:a16="http://schemas.microsoft.com/office/drawing/2014/main" id="{37E71588-EAC5-D1F0-34D0-21B14A5A8ACA}"/>
+                  </a:ext>
+                </a:extLst>
+              </p:cNvPr>
+              <p:cNvSpPr txBox="1"/>
+              <p:nvPr/>
+            </p:nvSpPr>
+            <p:spPr>
+              <a:xfrm>
+                <a:off x="5353182" y="2562337"/>
+                <a:ext cx="274434" cy="230832"/>
+              </a:xfrm>
+              <a:prstGeom prst="rect">
+                <a:avLst/>
+              </a:prstGeom>
+              <a:noFill/>
+            </p:spPr>
+            <p:txBody>
+              <a:bodyPr wrap="none" rtlCol="0">
+                <a:spAutoFit/>
+              </a:bodyPr>
+              <a:lstStyle/>
+              <a:p>
+                <a14:m>
+                  <m:oMathPara xmlns:m="http://schemas.openxmlformats.org/officeDocument/2006/math">
+                    <m:oMathParaPr>
+                      <m:jc m:val="centerGroup"/>
+                    </m:oMathParaPr>
+                    <m:oMath xmlns:m="http://schemas.openxmlformats.org/officeDocument/2006/math">
+                      <m:r>
+                        <a:rPr lang="en-US" sz="900" b="0" i="1" dirty="0" smtClean="0">
+                          <a:latin typeface="Cambria Math" panose="02040503050406030204" pitchFamily="18" charset="0"/>
+                        </a:rPr>
+                        <m:t>6</m:t>
+                      </m:r>
+                    </m:oMath>
+                  </m:oMathPara>
+                </a14:m>
+                <a:endParaRPr lang="en-US" sz="900" b="0" i="1" dirty="0">
+                  <a:latin typeface="Cambria Math" panose="02040503050406030204" pitchFamily="18" charset="0"/>
+                </a:endParaRPr>
+              </a:p>
+            </p:txBody>
+          </p:sp>
+        </mc:Choice>
+        <mc:Fallback>
+          <p:sp>
+            <p:nvSpPr>
+              <p:cNvPr id="93" name="TextBox 92">
+                <a:extLst>
+                  <a:ext uri="{FF2B5EF4-FFF2-40B4-BE49-F238E27FC236}">
+                    <a16:creationId xmlns:a16="http://schemas.microsoft.com/office/drawing/2014/main" id="{37E71588-EAC5-D1F0-34D0-21B14A5A8ACA}"/>
+                  </a:ext>
+                </a:extLst>
+              </p:cNvPr>
+              <p:cNvSpPr txBox="1">
+                <a:spLocks noRot="1" noChangeAspect="1" noMove="1" noResize="1" noEditPoints="1" noAdjustHandles="1" noChangeArrowheads="1" noChangeShapeType="1" noTextEdit="1"/>
+              </p:cNvSpPr>
+              <p:nvPr/>
+            </p:nvSpPr>
+            <p:spPr>
+              <a:xfrm>
+                <a:off x="5353182" y="2562337"/>
+                <a:ext cx="274434" cy="230832"/>
+              </a:xfrm>
+              <a:prstGeom prst="rect">
+                <a:avLst/>
+              </a:prstGeom>
+              <a:blipFill>
+                <a:blip r:embed="rId37"/>
+                <a:stretch>
+                  <a:fillRect/>
+                </a:stretch>
+              </a:blipFill>
+            </p:spPr>
+            <p:txBody>
+              <a:bodyPr/>
+              <a:lstStyle/>
+              <a:p>
+                <a:r>
+                  <a:rPr lang="en-US">
+                    <a:noFill/>
+                  </a:rPr>
+                  <a:t> </a:t>
+                </a:r>
+              </a:p>
+            </p:txBody>
+          </p:sp>
+        </mc:Fallback>
+      </mc:AlternateContent>
+      <mc:AlternateContent xmlns:mc="http://schemas.openxmlformats.org/markup-compatibility/2006">
+        <mc:Choice xmlns:a14="http://schemas.microsoft.com/office/drawing/2010/main" Requires="a14">
+          <p:sp>
+            <p:nvSpPr>
+              <p:cNvPr id="94" name="TextBox 93">
+                <a:extLst>
+                  <a:ext uri="{FF2B5EF4-FFF2-40B4-BE49-F238E27FC236}">
+                    <a16:creationId xmlns:a16="http://schemas.microsoft.com/office/drawing/2014/main" id="{4121A27D-8C92-4811-BB0E-328CB7067F32}"/>
+                  </a:ext>
+                </a:extLst>
+              </p:cNvPr>
+              <p:cNvSpPr txBox="1"/>
+              <p:nvPr/>
+            </p:nvSpPr>
+            <p:spPr>
+              <a:xfrm>
+                <a:off x="4499438" y="2550723"/>
+                <a:ext cx="274434" cy="230832"/>
+              </a:xfrm>
+              <a:prstGeom prst="rect">
+                <a:avLst/>
+              </a:prstGeom>
+              <a:noFill/>
+            </p:spPr>
+            <p:txBody>
+              <a:bodyPr wrap="none" rtlCol="0">
+                <a:spAutoFit/>
+              </a:bodyPr>
+              <a:lstStyle/>
+              <a:p>
+                <a14:m>
+                  <m:oMathPara xmlns:m="http://schemas.openxmlformats.org/officeDocument/2006/math">
+                    <m:oMathParaPr>
+                      <m:jc m:val="centerGroup"/>
+                    </m:oMathParaPr>
+                    <m:oMath xmlns:m="http://schemas.openxmlformats.org/officeDocument/2006/math">
+                      <m:r>
+                        <a:rPr lang="en-US" sz="900" i="1" dirty="0">
+                          <a:latin typeface="Cambria Math" panose="02040503050406030204" pitchFamily="18" charset="0"/>
+                        </a:rPr>
+                        <m:t>7</m:t>
+                      </m:r>
+                    </m:oMath>
+                  </m:oMathPara>
+                </a14:m>
+              </a:p>
+            </p:txBody>
+          </p:sp>
+        </mc:Choice>
+        <mc:Fallback>
+          <p:sp>
+            <p:nvSpPr>
+              <p:cNvPr id="94" name="TextBox 93">
+                <a:extLst>
+                  <a:ext uri="{FF2B5EF4-FFF2-40B4-BE49-F238E27FC236}">
+                    <a16:creationId xmlns:a16="http://schemas.microsoft.com/office/drawing/2014/main" id="{4121A27D-8C92-4811-BB0E-328CB7067F32}"/>
+                  </a:ext>
+                </a:extLst>
+              </p:cNvPr>
+              <p:cNvSpPr txBox="1">
+                <a:spLocks noRot="1" noChangeAspect="1" noMove="1" noResize="1" noEditPoints="1" noAdjustHandles="1" noChangeArrowheads="1" noChangeShapeType="1" noTextEdit="1"/>
+              </p:cNvSpPr>
+              <p:nvPr/>
+            </p:nvSpPr>
+            <p:spPr>
+              <a:xfrm>
+                <a:off x="4499438" y="2550723"/>
+                <a:ext cx="274434" cy="230832"/>
+              </a:xfrm>
+              <a:prstGeom prst="rect">
+                <a:avLst/>
+              </a:prstGeom>
+              <a:blipFill>
+                <a:blip r:embed="rId38"/>
+                <a:stretch>
+                  <a:fillRect b="-10526"/>
+                </a:stretch>
+              </a:blipFill>
+            </p:spPr>
+            <p:txBody>
+              <a:bodyPr/>
+              <a:lstStyle/>
+              <a:p>
+                <a:r>
+                  <a:rPr lang="en-US">
+                    <a:noFill/>
+                  </a:rPr>
+                  <a:t> </a:t>
+                </a:r>
+              </a:p>
+            </p:txBody>
+          </p:sp>
+        </mc:Fallback>
+      </mc:AlternateContent>
+      <mc:AlternateContent xmlns:mc="http://schemas.openxmlformats.org/markup-compatibility/2006">
+        <mc:Choice xmlns:a14="http://schemas.microsoft.com/office/drawing/2010/main" Requires="a14">
+          <p:sp>
+            <p:nvSpPr>
+              <p:cNvPr id="95" name="TextBox 94">
+                <a:extLst>
+                  <a:ext uri="{FF2B5EF4-FFF2-40B4-BE49-F238E27FC236}">
+                    <a16:creationId xmlns:a16="http://schemas.microsoft.com/office/drawing/2014/main" id="{1EE9F7DB-0F4B-344F-DD56-4AC85AC884EE}"/>
+                  </a:ext>
+                </a:extLst>
+              </p:cNvPr>
+              <p:cNvSpPr txBox="1"/>
+              <p:nvPr/>
+            </p:nvSpPr>
+            <p:spPr>
+              <a:xfrm>
+                <a:off x="4677844" y="2557471"/>
+                <a:ext cx="274434" cy="230832"/>
+              </a:xfrm>
+              <a:prstGeom prst="rect">
+                <a:avLst/>
+              </a:prstGeom>
+              <a:noFill/>
+            </p:spPr>
+            <p:txBody>
+              <a:bodyPr wrap="none" rtlCol="0">
+                <a:spAutoFit/>
+              </a:bodyPr>
+              <a:lstStyle/>
+              <a:p>
+                <a14:m>
+                  <m:oMathPara xmlns:m="http://schemas.openxmlformats.org/officeDocument/2006/math">
+                    <m:oMathParaPr>
+                      <m:jc m:val="centerGroup"/>
+                    </m:oMathParaPr>
+                    <m:oMath xmlns:m="http://schemas.openxmlformats.org/officeDocument/2006/math">
+                      <m:r>
+                        <a:rPr lang="en-US" sz="900" b="0" i="1" smtClean="0">
+                          <a:latin typeface="Cambria Math" panose="02040503050406030204" pitchFamily="18" charset="0"/>
+                        </a:rPr>
+                        <m:t>6</m:t>
+                      </m:r>
+                    </m:oMath>
+                  </m:oMathPara>
+                </a14:m>
+                <a:endParaRPr lang="en-US" sz="900" b="0" i="1" dirty="0">
+                  <a:latin typeface="Cambria Math" panose="02040503050406030204" pitchFamily="18" charset="0"/>
+                </a:endParaRPr>
+              </a:p>
+            </p:txBody>
+          </p:sp>
+        </mc:Choice>
+        <mc:Fallback>
+          <p:sp>
+            <p:nvSpPr>
+              <p:cNvPr id="95" name="TextBox 94">
+                <a:extLst>
+                  <a:ext uri="{FF2B5EF4-FFF2-40B4-BE49-F238E27FC236}">
+                    <a16:creationId xmlns:a16="http://schemas.microsoft.com/office/drawing/2014/main" id="{1EE9F7DB-0F4B-344F-DD56-4AC85AC884EE}"/>
+                  </a:ext>
+                </a:extLst>
+              </p:cNvPr>
+              <p:cNvSpPr txBox="1">
+                <a:spLocks noRot="1" noChangeAspect="1" noMove="1" noResize="1" noEditPoints="1" noAdjustHandles="1" noChangeArrowheads="1" noChangeShapeType="1" noTextEdit="1"/>
+              </p:cNvSpPr>
+              <p:nvPr/>
+            </p:nvSpPr>
+            <p:spPr>
+              <a:xfrm>
+                <a:off x="4677844" y="2557471"/>
+                <a:ext cx="274434" cy="230832"/>
+              </a:xfrm>
+              <a:prstGeom prst="rect">
+                <a:avLst/>
+              </a:prstGeom>
+              <a:blipFill>
+                <a:blip r:embed="rId39"/>
+                <a:stretch>
+                  <a:fillRect/>
+                </a:stretch>
+              </a:blipFill>
+            </p:spPr>
+            <p:txBody>
+              <a:bodyPr/>
+              <a:lstStyle/>
+              <a:p>
+                <a:r>
+                  <a:rPr lang="en-US">
+                    <a:noFill/>
+                  </a:rPr>
+                  <a:t> </a:t>
+                </a:r>
+              </a:p>
+            </p:txBody>
+          </p:sp>
+        </mc:Fallback>
+      </mc:AlternateContent>
+      <p:sp>
+        <p:nvSpPr>
+          <p:cNvPr id="96" name="Rectangle 95">
+            <a:extLst>
+              <a:ext uri="{FF2B5EF4-FFF2-40B4-BE49-F238E27FC236}">
+                <a16:creationId xmlns:a16="http://schemas.microsoft.com/office/drawing/2014/main" id="{7A843C10-44CA-F267-3767-1788D6FC62A6}"/>
+              </a:ext>
+            </a:extLst>
+          </p:cNvPr>
+          <p:cNvSpPr/>
+          <p:nvPr/>
+        </p:nvSpPr>
+        <p:spPr>
+          <a:xfrm>
+            <a:off x="4572306" y="2577779"/>
+            <a:ext cx="130904" cy="172192"/>
+          </a:xfrm>
+          <a:prstGeom prst="rect">
+            <a:avLst/>
+          </a:prstGeom>
+          <a:solidFill>
+            <a:schemeClr val="accent1">
+              <a:alpha val="19000"/>
+            </a:schemeClr>
+          </a:solidFill>
+        </p:spPr>
+        <p:style>
+          <a:lnRef idx="2">
+            <a:schemeClr val="accent1">
+              <a:shade val="15000"/>
+            </a:schemeClr>
+          </a:lnRef>
+          <a:fillRef idx="1">
+            <a:schemeClr val="accent1"/>
+          </a:fillRef>
+          <a:effectRef idx="0">
+            <a:schemeClr val="accent1"/>
+          </a:effectRef>
+          <a:fontRef idx="minor">
+            <a:schemeClr val="lt1"/>
+          </a:fontRef>
+        </p:style>
+        <p:txBody>
+          <a:bodyPr rtlCol="0" anchor="ctr"/>
+          <a:lstStyle/>
+          <a:p>
+            <a:pPr algn="ctr"/>
+            <a:endParaRPr lang="en-US"/>
+          </a:p>
+        </p:txBody>
+      </p:sp>
+      <p:sp>
+        <p:nvSpPr>
+          <p:cNvPr id="97" name="Rectangle 96">
+            <a:extLst>
+              <a:ext uri="{FF2B5EF4-FFF2-40B4-BE49-F238E27FC236}">
+                <a16:creationId xmlns:a16="http://schemas.microsoft.com/office/drawing/2014/main" id="{B369CAFF-6FBE-4349-6BE9-EA9D6BCB16F8}"/>
+              </a:ext>
+            </a:extLst>
+          </p:cNvPr>
+          <p:cNvSpPr/>
+          <p:nvPr/>
+        </p:nvSpPr>
+        <p:spPr>
+          <a:xfrm>
+            <a:off x="4742027" y="2577779"/>
+            <a:ext cx="130904" cy="172192"/>
+          </a:xfrm>
+          <a:prstGeom prst="rect">
+            <a:avLst/>
+          </a:prstGeom>
+          <a:solidFill>
+            <a:schemeClr val="accent1">
+              <a:alpha val="19000"/>
+            </a:schemeClr>
+          </a:solidFill>
+        </p:spPr>
+        <p:style>
+          <a:lnRef idx="2">
+            <a:schemeClr val="accent1">
+              <a:shade val="15000"/>
+            </a:schemeClr>
+          </a:lnRef>
+          <a:fillRef idx="1">
+            <a:schemeClr val="accent1"/>
+          </a:fillRef>
+          <a:effectRef idx="0">
+            <a:schemeClr val="accent1"/>
+          </a:effectRef>
+          <a:fontRef idx="minor">
+            <a:schemeClr val="lt1"/>
+          </a:fontRef>
+        </p:style>
+        <p:txBody>
+          <a:bodyPr rtlCol="0" anchor="ctr"/>
+          <a:lstStyle/>
+          <a:p>
+            <a:pPr algn="ctr"/>
+            <a:endParaRPr lang="en-US"/>
+          </a:p>
+        </p:txBody>
+      </p:sp>
+      <p:sp>
+        <p:nvSpPr>
+          <p:cNvPr id="98" name="Rectangle 97">
+            <a:extLst>
+              <a:ext uri="{FF2B5EF4-FFF2-40B4-BE49-F238E27FC236}">
+                <a16:creationId xmlns:a16="http://schemas.microsoft.com/office/drawing/2014/main" id="{B49C8A0F-6B44-6957-A926-18252AD0CF41}"/>
+              </a:ext>
+            </a:extLst>
+          </p:cNvPr>
+          <p:cNvSpPr/>
+          <p:nvPr/>
+        </p:nvSpPr>
+        <p:spPr>
+          <a:xfrm>
+            <a:off x="4912797" y="2577779"/>
+            <a:ext cx="130904" cy="172192"/>
+          </a:xfrm>
+          <a:prstGeom prst="rect">
+            <a:avLst/>
+          </a:prstGeom>
+          <a:solidFill>
+            <a:schemeClr val="accent1">
+              <a:alpha val="19000"/>
+            </a:schemeClr>
+          </a:solidFill>
+        </p:spPr>
+        <p:style>
+          <a:lnRef idx="2">
+            <a:schemeClr val="accent1">
+              <a:shade val="15000"/>
+            </a:schemeClr>
+          </a:lnRef>
+          <a:fillRef idx="1">
+            <a:schemeClr val="accent1"/>
+          </a:fillRef>
+          <a:effectRef idx="0">
+            <a:schemeClr val="accent1"/>
+          </a:effectRef>
+          <a:fontRef idx="minor">
+            <a:schemeClr val="lt1"/>
+          </a:fontRef>
+        </p:style>
+        <p:txBody>
+          <a:bodyPr rtlCol="0" anchor="ctr"/>
+          <a:lstStyle/>
+          <a:p>
+            <a:pPr algn="ctr"/>
+            <a:endParaRPr lang="en-US"/>
+          </a:p>
+        </p:txBody>
+      </p:sp>
+      <mc:AlternateContent xmlns:mc="http://schemas.openxmlformats.org/markup-compatibility/2006">
+        <mc:Choice xmlns:a14="http://schemas.microsoft.com/office/drawing/2010/main" Requires="a14">
+          <p:sp>
+            <p:nvSpPr>
+              <p:cNvPr id="99" name="TextBox 98">
+                <a:extLst>
+                  <a:ext uri="{FF2B5EF4-FFF2-40B4-BE49-F238E27FC236}">
+                    <a16:creationId xmlns:a16="http://schemas.microsoft.com/office/drawing/2014/main" id="{213567A3-441D-D94A-F2E7-4F571C437F78}"/>
+                  </a:ext>
+                </a:extLst>
+              </p:cNvPr>
+              <p:cNvSpPr txBox="1"/>
+              <p:nvPr/>
+            </p:nvSpPr>
+            <p:spPr>
+              <a:xfrm>
+                <a:off x="4835794" y="2557471"/>
+                <a:ext cx="274434" cy="230832"/>
+              </a:xfrm>
+              <a:prstGeom prst="rect">
+                <a:avLst/>
+              </a:prstGeom>
+              <a:noFill/>
+            </p:spPr>
+            <p:txBody>
+              <a:bodyPr wrap="none" rtlCol="0">
+                <a:spAutoFit/>
+              </a:bodyPr>
+              <a:lstStyle/>
+              <a:p>
+                <a14:m>
+                  <m:oMathPara xmlns:m="http://schemas.openxmlformats.org/officeDocument/2006/math">
+                    <m:oMathParaPr>
+                      <m:jc m:val="centerGroup"/>
+                    </m:oMathParaPr>
+                    <m:oMath xmlns:m="http://schemas.openxmlformats.org/officeDocument/2006/math">
+                      <m:r>
+                        <a:rPr lang="en-US" sz="900" b="0" i="1" smtClean="0">
+                          <a:latin typeface="Cambria Math" panose="02040503050406030204" pitchFamily="18" charset="0"/>
+                        </a:rPr>
+                        <m:t>5</m:t>
+                      </m:r>
+                    </m:oMath>
+                  </m:oMathPara>
+                </a14:m>
+                <a:endParaRPr lang="en-US" sz="900" b="0" i="1" dirty="0">
+                  <a:latin typeface="Cambria Math" panose="02040503050406030204" pitchFamily="18" charset="0"/>
+                </a:endParaRPr>
+              </a:p>
+            </p:txBody>
+          </p:sp>
+        </mc:Choice>
+        <mc:Fallback>
+          <p:sp>
+            <p:nvSpPr>
+              <p:cNvPr id="99" name="TextBox 98">
+                <a:extLst>
+                  <a:ext uri="{FF2B5EF4-FFF2-40B4-BE49-F238E27FC236}">
+                    <a16:creationId xmlns:a16="http://schemas.microsoft.com/office/drawing/2014/main" id="{213567A3-441D-D94A-F2E7-4F571C437F78}"/>
+                  </a:ext>
+                </a:extLst>
+              </p:cNvPr>
+              <p:cNvSpPr txBox="1">
+                <a:spLocks noRot="1" noChangeAspect="1" noMove="1" noResize="1" noEditPoints="1" noAdjustHandles="1" noChangeArrowheads="1" noChangeShapeType="1" noTextEdit="1"/>
+              </p:cNvSpPr>
+              <p:nvPr/>
+            </p:nvSpPr>
+            <p:spPr>
+              <a:xfrm>
+                <a:off x="4835794" y="2557471"/>
+                <a:ext cx="274434" cy="230832"/>
+              </a:xfrm>
+              <a:prstGeom prst="rect">
+                <a:avLst/>
+              </a:prstGeom>
+              <a:blipFill>
+                <a:blip r:embed="rId40"/>
+                <a:stretch>
+                  <a:fillRect/>
+                </a:stretch>
+              </a:blipFill>
+            </p:spPr>
+            <p:txBody>
+              <a:bodyPr/>
+              <a:lstStyle/>
+              <a:p>
+                <a:r>
+                  <a:rPr lang="en-US">
+                    <a:noFill/>
+                  </a:rPr>
+                  <a:t> </a:t>
+                </a:r>
+              </a:p>
+            </p:txBody>
+          </p:sp>
+        </mc:Fallback>
+      </mc:AlternateContent>
+      <mc:AlternateContent xmlns:mc="http://schemas.openxmlformats.org/markup-compatibility/2006">
+        <mc:Choice xmlns:a14="http://schemas.microsoft.com/office/drawing/2010/main" Requires="a14">
+          <p:sp>
+            <p:nvSpPr>
+              <p:cNvPr id="100" name="TextBox 99">
+                <a:extLst>
+                  <a:ext uri="{FF2B5EF4-FFF2-40B4-BE49-F238E27FC236}">
+                    <a16:creationId xmlns:a16="http://schemas.microsoft.com/office/drawing/2014/main" id="{33BE80A0-4250-0FE6-98C1-618B060EC6C2}"/>
+                  </a:ext>
+                </a:extLst>
+              </p:cNvPr>
+              <p:cNvSpPr txBox="1"/>
+              <p:nvPr/>
+            </p:nvSpPr>
+            <p:spPr>
+              <a:xfrm>
+                <a:off x="5522093" y="2555589"/>
+                <a:ext cx="274434" cy="230832"/>
+              </a:xfrm>
+              <a:prstGeom prst="rect">
+                <a:avLst/>
+              </a:prstGeom>
+              <a:noFill/>
+            </p:spPr>
+            <p:txBody>
+              <a:bodyPr wrap="none" rtlCol="0">
+                <a:spAutoFit/>
+              </a:bodyPr>
+              <a:lstStyle/>
+              <a:p>
+                <a14:m>
+                  <m:oMathPara xmlns:m="http://schemas.openxmlformats.org/officeDocument/2006/math">
+                    <m:oMathParaPr>
+                      <m:jc m:val="centerGroup"/>
+                    </m:oMathParaPr>
+                    <m:oMath xmlns:m="http://schemas.openxmlformats.org/officeDocument/2006/math">
+                      <m:r>
+                        <a:rPr lang="en-US" sz="900" i="1" dirty="0">
+                          <a:latin typeface="Cambria Math" panose="02040503050406030204" pitchFamily="18" charset="0"/>
+                        </a:rPr>
+                        <m:t>7</m:t>
+                      </m:r>
+                    </m:oMath>
+                  </m:oMathPara>
+                </a14:m>
+              </a:p>
+            </p:txBody>
+          </p:sp>
+        </mc:Choice>
+        <mc:Fallback>
+          <p:sp>
+            <p:nvSpPr>
+              <p:cNvPr id="100" name="TextBox 99">
+                <a:extLst>
+                  <a:ext uri="{FF2B5EF4-FFF2-40B4-BE49-F238E27FC236}">
+                    <a16:creationId xmlns:a16="http://schemas.microsoft.com/office/drawing/2014/main" id="{33BE80A0-4250-0FE6-98C1-618B060EC6C2}"/>
+                  </a:ext>
+                </a:extLst>
+              </p:cNvPr>
+              <p:cNvSpPr txBox="1">
+                <a:spLocks noRot="1" noChangeAspect="1" noMove="1" noResize="1" noEditPoints="1" noAdjustHandles="1" noChangeArrowheads="1" noChangeShapeType="1" noTextEdit="1"/>
+              </p:cNvSpPr>
+              <p:nvPr/>
+            </p:nvSpPr>
+            <p:spPr>
+              <a:xfrm>
+                <a:off x="5522093" y="2555589"/>
+                <a:ext cx="274434" cy="230832"/>
+              </a:xfrm>
+              <a:prstGeom prst="rect">
+                <a:avLst/>
+              </a:prstGeom>
+              <a:blipFill>
+                <a:blip r:embed="rId41"/>
+                <a:stretch>
+                  <a:fillRect b="-5263"/>
+                </a:stretch>
+              </a:blipFill>
+            </p:spPr>
+            <p:txBody>
+              <a:bodyPr/>
+              <a:lstStyle/>
+              <a:p>
+                <a:r>
+                  <a:rPr lang="en-US">
+                    <a:noFill/>
+                  </a:rPr>
+                  <a:t> </a:t>
+                </a:r>
+              </a:p>
+            </p:txBody>
+          </p:sp>
+        </mc:Fallback>
+      </mc:AlternateContent>
+      <mc:AlternateContent xmlns:mc="http://schemas.openxmlformats.org/markup-compatibility/2006">
+        <mc:Choice xmlns:a14="http://schemas.microsoft.com/office/drawing/2010/main" Requires="a14">
+          <p:sp>
+            <p:nvSpPr>
+              <p:cNvPr id="101" name="TextBox 100">
+                <a:extLst>
+                  <a:ext uri="{FF2B5EF4-FFF2-40B4-BE49-F238E27FC236}">
+                    <a16:creationId xmlns:a16="http://schemas.microsoft.com/office/drawing/2014/main" id="{8EAE31BF-0515-20B8-AA1B-87A3151F4857}"/>
+                  </a:ext>
+                </a:extLst>
+              </p:cNvPr>
+              <p:cNvSpPr txBox="1"/>
+              <p:nvPr/>
+            </p:nvSpPr>
+            <p:spPr>
+              <a:xfrm>
+                <a:off x="5773366" y="2555589"/>
+                <a:ext cx="274434" cy="230832"/>
+              </a:xfrm>
+              <a:prstGeom prst="rect">
+                <a:avLst/>
+              </a:prstGeom>
+              <a:noFill/>
+            </p:spPr>
+            <p:txBody>
+              <a:bodyPr wrap="none" rtlCol="0">
+                <a:spAutoFit/>
+              </a:bodyPr>
+              <a:lstStyle/>
+              <a:p>
+                <a14:m>
+                  <m:oMathPara xmlns:m="http://schemas.openxmlformats.org/officeDocument/2006/math">
+                    <m:oMathParaPr>
+                      <m:jc m:val="centerGroup"/>
+                    </m:oMathParaPr>
+                    <m:oMath xmlns:m="http://schemas.openxmlformats.org/officeDocument/2006/math">
+                      <m:r>
+                        <a:rPr lang="en-US" sz="900" b="0" i="1" smtClean="0">
+                          <a:latin typeface="Cambria Math" panose="02040503050406030204" pitchFamily="18" charset="0"/>
+                        </a:rPr>
+                        <m:t>6</m:t>
+                      </m:r>
+                    </m:oMath>
+                  </m:oMathPara>
+                </a14:m>
+                <a:endParaRPr lang="en-US" sz="900" b="0" i="1" dirty="0">
+                  <a:latin typeface="Cambria Math" panose="02040503050406030204" pitchFamily="18" charset="0"/>
+                </a:endParaRPr>
+              </a:p>
+            </p:txBody>
+          </p:sp>
+        </mc:Choice>
+        <mc:Fallback>
+          <p:sp>
+            <p:nvSpPr>
+              <p:cNvPr id="101" name="TextBox 100">
+                <a:extLst>
+                  <a:ext uri="{FF2B5EF4-FFF2-40B4-BE49-F238E27FC236}">
+                    <a16:creationId xmlns:a16="http://schemas.microsoft.com/office/drawing/2014/main" id="{8EAE31BF-0515-20B8-AA1B-87A3151F4857}"/>
+                  </a:ext>
+                </a:extLst>
+              </p:cNvPr>
+              <p:cNvSpPr txBox="1">
+                <a:spLocks noRot="1" noChangeAspect="1" noMove="1" noResize="1" noEditPoints="1" noAdjustHandles="1" noChangeArrowheads="1" noChangeShapeType="1" noTextEdit="1"/>
+              </p:cNvSpPr>
+              <p:nvPr/>
+            </p:nvSpPr>
+            <p:spPr>
+              <a:xfrm>
+                <a:off x="5773366" y="2555589"/>
+                <a:ext cx="274434" cy="230832"/>
+              </a:xfrm>
+              <a:prstGeom prst="rect">
+                <a:avLst/>
+              </a:prstGeom>
+              <a:blipFill>
+                <a:blip r:embed="rId42"/>
+                <a:stretch>
+                  <a:fillRect/>
+                </a:stretch>
+              </a:blipFill>
+            </p:spPr>
+            <p:txBody>
+              <a:bodyPr/>
+              <a:lstStyle/>
+              <a:p>
+                <a:r>
+                  <a:rPr lang="en-US">
+                    <a:noFill/>
+                  </a:rPr>
+                  <a:t> </a:t>
+                </a:r>
+              </a:p>
+            </p:txBody>
+          </p:sp>
+        </mc:Fallback>
+      </mc:AlternateContent>
+      <p:sp>
+        <p:nvSpPr>
+          <p:cNvPr id="102" name="Rectangle 101">
+            <a:extLst>
+              <a:ext uri="{FF2B5EF4-FFF2-40B4-BE49-F238E27FC236}">
+                <a16:creationId xmlns:a16="http://schemas.microsoft.com/office/drawing/2014/main" id="{1651E1BA-85BC-0626-4431-AEC295E69FDC}"/>
+              </a:ext>
+            </a:extLst>
+          </p:cNvPr>
+          <p:cNvSpPr/>
+          <p:nvPr/>
+        </p:nvSpPr>
+        <p:spPr>
+          <a:xfrm>
+            <a:off x="5594961" y="2582645"/>
+            <a:ext cx="130904" cy="172192"/>
+          </a:xfrm>
+          <a:prstGeom prst="rect">
+            <a:avLst/>
+          </a:prstGeom>
+          <a:solidFill>
+            <a:schemeClr val="accent1">
+              <a:alpha val="19000"/>
+            </a:schemeClr>
+          </a:solidFill>
+        </p:spPr>
+        <p:style>
+          <a:lnRef idx="2">
+            <a:schemeClr val="accent1">
+              <a:shade val="15000"/>
+            </a:schemeClr>
+          </a:lnRef>
+          <a:fillRef idx="1">
+            <a:schemeClr val="accent1"/>
+          </a:fillRef>
+          <a:effectRef idx="0">
+            <a:schemeClr val="accent1"/>
+          </a:effectRef>
+          <a:fontRef idx="minor">
+            <a:schemeClr val="lt1"/>
+          </a:fontRef>
+        </p:style>
+        <p:txBody>
+          <a:bodyPr rtlCol="0" anchor="ctr"/>
+          <a:lstStyle/>
+          <a:p>
+            <a:pPr algn="ctr"/>
+            <a:endParaRPr lang="en-US"/>
+          </a:p>
+        </p:txBody>
+      </p:sp>
+      <p:sp>
+        <p:nvSpPr>
+          <p:cNvPr id="103" name="Rectangle 102">
+            <a:extLst>
+              <a:ext uri="{FF2B5EF4-FFF2-40B4-BE49-F238E27FC236}">
+                <a16:creationId xmlns:a16="http://schemas.microsoft.com/office/drawing/2014/main" id="{F820D7FA-454B-6E26-4F8E-2697D2639314}"/>
+              </a:ext>
+            </a:extLst>
+          </p:cNvPr>
+          <p:cNvSpPr/>
+          <p:nvPr/>
+        </p:nvSpPr>
+        <p:spPr>
+          <a:xfrm>
+            <a:off x="5837549" y="2575897"/>
+            <a:ext cx="130904" cy="172192"/>
+          </a:xfrm>
+          <a:prstGeom prst="rect">
+            <a:avLst/>
+          </a:prstGeom>
+          <a:solidFill>
+            <a:schemeClr val="accent1">
+              <a:alpha val="19000"/>
+            </a:schemeClr>
+          </a:solidFill>
+        </p:spPr>
+        <p:style>
+          <a:lnRef idx="2">
+            <a:schemeClr val="accent1">
+              <a:shade val="15000"/>
+            </a:schemeClr>
+          </a:lnRef>
+          <a:fillRef idx="1">
+            <a:schemeClr val="accent1"/>
+          </a:fillRef>
+          <a:effectRef idx="0">
+            <a:schemeClr val="accent1"/>
+          </a:effectRef>
+          <a:fontRef idx="minor">
+            <a:schemeClr val="lt1"/>
+          </a:fontRef>
+        </p:style>
+        <p:txBody>
+          <a:bodyPr rtlCol="0" anchor="ctr"/>
+          <a:lstStyle/>
+          <a:p>
+            <a:pPr algn="ctr"/>
+            <a:endParaRPr lang="en-US"/>
+          </a:p>
+        </p:txBody>
+      </p:sp>
+      <p:sp>
+        <p:nvSpPr>
+          <p:cNvPr id="104" name="Rectangle 103">
+            <a:extLst>
+              <a:ext uri="{FF2B5EF4-FFF2-40B4-BE49-F238E27FC236}">
+                <a16:creationId xmlns:a16="http://schemas.microsoft.com/office/drawing/2014/main" id="{83022868-5F01-C796-A85F-8CB38188CC19}"/>
+              </a:ext>
+            </a:extLst>
+          </p:cNvPr>
+          <p:cNvSpPr/>
+          <p:nvPr/>
+        </p:nvSpPr>
+        <p:spPr>
+          <a:xfrm>
+            <a:off x="6087473" y="2575897"/>
+            <a:ext cx="130904" cy="172192"/>
+          </a:xfrm>
+          <a:prstGeom prst="rect">
+            <a:avLst/>
+          </a:prstGeom>
+          <a:solidFill>
+            <a:schemeClr val="accent1">
+              <a:alpha val="19000"/>
+            </a:schemeClr>
+          </a:solidFill>
+        </p:spPr>
+        <p:style>
+          <a:lnRef idx="2">
+            <a:schemeClr val="accent1">
+              <a:shade val="15000"/>
+            </a:schemeClr>
+          </a:lnRef>
+          <a:fillRef idx="1">
+            <a:schemeClr val="accent1"/>
+          </a:fillRef>
+          <a:effectRef idx="0">
+            <a:schemeClr val="accent1"/>
+          </a:effectRef>
+          <a:fontRef idx="minor">
+            <a:schemeClr val="lt1"/>
+          </a:fontRef>
+        </p:style>
+        <p:txBody>
+          <a:bodyPr rtlCol="0" anchor="ctr"/>
+          <a:lstStyle/>
+          <a:p>
+            <a:pPr algn="ctr"/>
+            <a:endParaRPr lang="en-US"/>
+          </a:p>
+        </p:txBody>
+      </p:sp>
+      <mc:AlternateContent xmlns:mc="http://schemas.openxmlformats.org/markup-compatibility/2006">
+        <mc:Choice xmlns:a14="http://schemas.microsoft.com/office/drawing/2010/main" Requires="a14">
+          <p:sp>
+            <p:nvSpPr>
+              <p:cNvPr id="105" name="TextBox 104">
+                <a:extLst>
+                  <a:ext uri="{FF2B5EF4-FFF2-40B4-BE49-F238E27FC236}">
+                    <a16:creationId xmlns:a16="http://schemas.microsoft.com/office/drawing/2014/main" id="{48E6539A-8C38-3253-7353-5FD6F89B36CC}"/>
+                  </a:ext>
+                </a:extLst>
+              </p:cNvPr>
+              <p:cNvSpPr txBox="1"/>
+              <p:nvPr/>
+            </p:nvSpPr>
+            <p:spPr>
+              <a:xfrm>
+                <a:off x="6010470" y="2555589"/>
+                <a:ext cx="274434" cy="230832"/>
+              </a:xfrm>
+              <a:prstGeom prst="rect">
+                <a:avLst/>
+              </a:prstGeom>
+              <a:noFill/>
+            </p:spPr>
+            <p:txBody>
+              <a:bodyPr wrap="none" rtlCol="0">
+                <a:spAutoFit/>
+              </a:bodyPr>
+              <a:lstStyle/>
+              <a:p>
+                <a14:m>
+                  <m:oMathPara xmlns:m="http://schemas.openxmlformats.org/officeDocument/2006/math">
+                    <m:oMathParaPr>
+                      <m:jc m:val="centerGroup"/>
+                    </m:oMathParaPr>
+                    <m:oMath xmlns:m="http://schemas.openxmlformats.org/officeDocument/2006/math">
+                      <m:r>
+                        <a:rPr lang="en-US" sz="900" b="0" i="1" smtClean="0">
+                          <a:latin typeface="Cambria Math" panose="02040503050406030204" pitchFamily="18" charset="0"/>
+                        </a:rPr>
+                        <m:t>5</m:t>
+                      </m:r>
+                    </m:oMath>
+                  </m:oMathPara>
+                </a14:m>
+                <a:endParaRPr lang="en-US" sz="900" b="0" i="1" dirty="0">
+                  <a:latin typeface="Cambria Math" panose="02040503050406030204" pitchFamily="18" charset="0"/>
+                </a:endParaRPr>
+              </a:p>
+            </p:txBody>
+          </p:sp>
+        </mc:Choice>
+        <mc:Fallback>
+          <p:sp>
+            <p:nvSpPr>
+              <p:cNvPr id="105" name="TextBox 104">
+                <a:extLst>
+                  <a:ext uri="{FF2B5EF4-FFF2-40B4-BE49-F238E27FC236}">
+                    <a16:creationId xmlns:a16="http://schemas.microsoft.com/office/drawing/2014/main" id="{48E6539A-8C38-3253-7353-5FD6F89B36CC}"/>
+                  </a:ext>
+                </a:extLst>
+              </p:cNvPr>
+              <p:cNvSpPr txBox="1">
+                <a:spLocks noRot="1" noChangeAspect="1" noMove="1" noResize="1" noEditPoints="1" noAdjustHandles="1" noChangeArrowheads="1" noChangeShapeType="1" noTextEdit="1"/>
+              </p:cNvSpPr>
+              <p:nvPr/>
+            </p:nvSpPr>
+            <p:spPr>
+              <a:xfrm>
+                <a:off x="6010470" y="2555589"/>
+                <a:ext cx="274434" cy="230832"/>
+              </a:xfrm>
+              <a:prstGeom prst="rect">
+                <a:avLst/>
+              </a:prstGeom>
+              <a:blipFill>
+                <a:blip r:embed="rId43"/>
+                <a:stretch>
+                  <a:fillRect/>
+                </a:stretch>
+              </a:blipFill>
+            </p:spPr>
+            <p:txBody>
+              <a:bodyPr/>
+              <a:lstStyle/>
+              <a:p>
+                <a:r>
+                  <a:rPr lang="en-US">
+                    <a:noFill/>
+                  </a:rPr>
+                  <a:t> </a:t>
+                </a:r>
+              </a:p>
+            </p:txBody>
+          </p:sp>
+        </mc:Fallback>
+      </mc:AlternateContent>
+      <p:sp>
+        <p:nvSpPr>
+          <p:cNvPr id="106" name="Rectangle 105">
+            <a:extLst>
+              <a:ext uri="{FF2B5EF4-FFF2-40B4-BE49-F238E27FC236}">
+                <a16:creationId xmlns:a16="http://schemas.microsoft.com/office/drawing/2014/main" id="{A9565CBC-761A-8393-B230-01E4494B6832}"/>
+              </a:ext>
+            </a:extLst>
+          </p:cNvPr>
+          <p:cNvSpPr/>
+          <p:nvPr/>
+        </p:nvSpPr>
+        <p:spPr>
+          <a:xfrm>
+            <a:off x="2110836" y="2575897"/>
+            <a:ext cx="130904" cy="172192"/>
           </a:xfrm>
           <a:prstGeom prst="rect">
             <a:avLst/>
